--- a/proposal/presentation.pptx
+++ b/proposal/presentation.pptx
@@ -5,22 +5,24 @@
     <p:sldMasterId id="2147483648" r:id="rId1"/>
   </p:sldMasterIdLst>
   <p:notesMasterIdLst>
-    <p:notesMasterId r:id="rId13"/>
+    <p:notesMasterId r:id="rId15"/>
   </p:notesMasterIdLst>
   <p:handoutMasterIdLst>
-    <p:handoutMasterId r:id="rId14"/>
+    <p:handoutMasterId r:id="rId16"/>
   </p:handoutMasterIdLst>
   <p:sldIdLst>
     <p:sldId id="256" r:id="rId3"/>
-    <p:sldId id="257" r:id="rId4"/>
-    <p:sldId id="258" r:id="rId5"/>
-    <p:sldId id="260" r:id="rId6"/>
-    <p:sldId id="261" r:id="rId7"/>
-    <p:sldId id="262" r:id="rId8"/>
-    <p:sldId id="263" r:id="rId9"/>
-    <p:sldId id="264" r:id="rId10"/>
-    <p:sldId id="265" r:id="rId11"/>
-    <p:sldId id="266" r:id="rId12"/>
+    <p:sldId id="267" r:id="rId4"/>
+    <p:sldId id="268" r:id="rId5"/>
+    <p:sldId id="271" r:id="rId6"/>
+    <p:sldId id="260" r:id="rId7"/>
+    <p:sldId id="261" r:id="rId8"/>
+    <p:sldId id="262" r:id="rId9"/>
+    <p:sldId id="263" r:id="rId10"/>
+    <p:sldId id="264" r:id="rId11"/>
+    <p:sldId id="257" r:id="rId12"/>
+    <p:sldId id="265" r:id="rId13"/>
+    <p:sldId id="266" r:id="rId14"/>
   </p:sldIdLst>
   <p:sldSz cx="12192000" cy="6858000"/>
   <p:notesSz cx="7103745" cy="10234295"/>
@@ -4065,6 +4067,1444 @@
       <p:grpSpPr/>
       <p:sp>
         <p:nvSpPr>
+          <p:cNvPr id="4" name="Title 3"/>
+          <p:cNvSpPr>
+            <a:spLocks noGrp="1"/>
+          </p:cNvSpPr>
+          <p:nvPr>
+            <p:ph type="title"/>
+          </p:nvPr>
+        </p:nvSpPr>
+        <p:spPr/>
+        <p:txBody>
+          <a:bodyPr/>
+          <a:p>
+            <a:r>
+              <a:rPr lang="de-DE" altLang="en-US">
+                <a:latin typeface="Calibri" panose="020F0502020204030204" charset="0"/>
+              </a:rPr>
+              <a:t>A Lofty Vision</a:t>
+            </a:r>
+            <a:endParaRPr lang="de-DE" altLang="en-US">
+              <a:latin typeface="Calibri" panose="020F0502020204030204" charset="0"/>
+            </a:endParaRPr>
+          </a:p>
+        </p:txBody>
+      </p:sp>
+      <p:sp>
+        <p:nvSpPr>
+          <p:cNvPr id="5" name="Content Placeholder 4"/>
+          <p:cNvSpPr>
+            <a:spLocks noGrp="1"/>
+          </p:cNvSpPr>
+          <p:nvPr>
+            <p:ph idx="1"/>
+          </p:nvPr>
+        </p:nvSpPr>
+        <p:spPr>
+          <a:xfrm>
+            <a:off x="609600" y="1037590"/>
+            <a:ext cx="10972800" cy="5396230"/>
+          </a:xfrm>
+        </p:spPr>
+        <p:txBody>
+          <a:bodyPr/>
+          <a:p>
+            <a:pPr marL="0" indent="0">
+              <a:buNone/>
+            </a:pPr>
+            <a:r>
+              <a:rPr lang="en-US" sz="1200">
+                <a:solidFill>
+                  <a:schemeClr val="accent2">
+                    <a:lumMod val="75000"/>
+                  </a:schemeClr>
+                </a:solidFill>
+                <a:latin typeface="Bitstream Vera Sans Mono" panose="020B0609030804020204" charset="0"/>
+                <a:cs typeface="Bitstream Vera Sans Mono" panose="020B0609030804020204" charset="0"/>
+              </a:rPr>
+              <a:t>#import</a:t>
+            </a:r>
+            <a:r>
+              <a:rPr lang="en-US" sz="1200">
+                <a:latin typeface="Bitstream Vera Sans Mono" panose="020B0609030804020204" charset="0"/>
+                <a:cs typeface="Bitstream Vera Sans Mono" panose="020B0609030804020204" charset="0"/>
+              </a:rPr>
+              <a:t> "xml".</a:t>
+            </a:r>
+            <a:endParaRPr lang="en-US" sz="1200">
+              <a:latin typeface="Bitstream Vera Sans Mono" panose="020B0609030804020204" charset="0"/>
+              <a:cs typeface="Bitstream Vera Sans Mono" panose="020B0609030804020204" charset="0"/>
+            </a:endParaRPr>
+          </a:p>
+          <a:p>
+            <a:pPr marL="0" indent="0">
+              <a:buNone/>
+            </a:pPr>
+            <a:r>
+              <a:rPr lang="en-US" sz="1200">
+                <a:solidFill>
+                  <a:schemeClr val="accent2">
+                    <a:lumMod val="75000"/>
+                  </a:schemeClr>
+                </a:solidFill>
+                <a:latin typeface="Bitstream Vera Sans Mono" panose="020B0609030804020204" charset="0"/>
+                <a:cs typeface="Bitstream Vera Sans Mono" panose="020B0609030804020204" charset="0"/>
+              </a:rPr>
+              <a:t>#import</a:t>
+            </a:r>
+            <a:r>
+              <a:rPr lang="en-US" sz="1200">
+                <a:latin typeface="Bitstream Vera Sans Mono" panose="020B0609030804020204" charset="0"/>
+                <a:cs typeface="Bitstream Vera Sans Mono" panose="020B0609030804020204" charset="0"/>
+              </a:rPr>
+              <a:t> "io".</a:t>
+            </a:r>
+            <a:endParaRPr lang="en-US" sz="1200">
+              <a:latin typeface="Bitstream Vera Sans Mono" panose="020B0609030804020204" charset="0"/>
+              <a:cs typeface="Bitstream Vera Sans Mono" panose="020B0609030804020204" charset="0"/>
+            </a:endParaRPr>
+          </a:p>
+          <a:p>
+            <a:pPr marL="0" indent="0">
+              <a:buNone/>
+            </a:pPr>
+            <a:endParaRPr lang="en-US" sz="1200">
+              <a:latin typeface="Bitstream Vera Sans Mono" panose="020B0609030804020204" charset="0"/>
+              <a:cs typeface="Bitstream Vera Sans Mono" panose="020B0609030804020204" charset="0"/>
+            </a:endParaRPr>
+          </a:p>
+          <a:p>
+            <a:pPr marL="0" indent="0">
+              <a:buNone/>
+            </a:pPr>
+            <a:r>
+              <a:rPr lang="en-US" sz="1200">
+                <a:solidFill>
+                  <a:schemeClr val="accent2">
+                    <a:lumMod val="75000"/>
+                  </a:schemeClr>
+                </a:solidFill>
+                <a:latin typeface="Bitstream Vera Sans Mono" panose="020B0609030804020204" charset="0"/>
+                <a:cs typeface="Bitstream Vera Sans Mono" panose="020B0609030804020204" charset="0"/>
+              </a:rPr>
+              <a:t>action</a:t>
+            </a:r>
+            <a:r>
+              <a:rPr lang="en-US" sz="1200">
+                <a:latin typeface="Bitstream Vera Sans Mono" panose="020B0609030804020204" charset="0"/>
+                <a:cs typeface="Bitstream Vera Sans Mono" panose="020B0609030804020204" charset="0"/>
+              </a:rPr>
+              <a:t> main(</a:t>
+            </a:r>
+            <a:r>
+              <a:rPr lang="en-US" sz="1200">
+                <a:solidFill>
+                  <a:schemeClr val="accent2">
+                    <a:lumMod val="75000"/>
+                  </a:schemeClr>
+                </a:solidFill>
+                <a:latin typeface="Bitstream Vera Sans Mono" panose="020B0609030804020204" charset="0"/>
+                <a:cs typeface="Bitstream Vera Sans Mono" panose="020B0609030804020204" charset="0"/>
+              </a:rPr>
+              <a:t>in</a:t>
+            </a:r>
+            <a:r>
+              <a:rPr lang="en-US" sz="1200">
+                <a:latin typeface="Bitstream Vera Sans Mono" panose="020B0609030804020204" charset="0"/>
+                <a:cs typeface="Bitstream Vera Sans Mono" panose="020B0609030804020204" charset="0"/>
+              </a:rPr>
+              <a:t>: </a:t>
+            </a:r>
+            <a:r>
+              <a:rPr lang="en-US" sz="1200">
+                <a:solidFill>
+                  <a:srgbClr val="7030A0"/>
+                </a:solidFill>
+                <a:latin typeface="Bitstream Vera Sans Mono" panose="020B0609030804020204" charset="0"/>
+                <a:cs typeface="Bitstream Vera Sans Mono" panose="020B0609030804020204" charset="0"/>
+              </a:rPr>
+              <a:t>arg</a:t>
+            </a:r>
+            <a:r>
+              <a:rPr lang="en-US" sz="1200">
+                <a:latin typeface="Bitstream Vera Sans Mono" panose="020B0609030804020204" charset="0"/>
+                <a:cs typeface="Bitstream Vera Sans Mono" panose="020B0609030804020204" charset="0"/>
+              </a:rPr>
+              <a:t>/1, </a:t>
+            </a:r>
+            <a:r>
+              <a:rPr lang="en-US" sz="1200">
+                <a:solidFill>
+                  <a:schemeClr val="accent2">
+                    <a:lumMod val="75000"/>
+                  </a:schemeClr>
+                </a:solidFill>
+                <a:latin typeface="Bitstream Vera Sans Mono" panose="020B0609030804020204" charset="0"/>
+                <a:cs typeface="Bitstream Vera Sans Mono" panose="020B0609030804020204" charset="0"/>
+              </a:rPr>
+              <a:t>out</a:t>
+            </a:r>
+            <a:r>
+              <a:rPr lang="en-US" sz="1200">
+                <a:latin typeface="Bitstream Vera Sans Mono" panose="020B0609030804020204" charset="0"/>
+                <a:cs typeface="Bitstream Vera Sans Mono" panose="020B0609030804020204" charset="0"/>
+              </a:rPr>
+              <a:t>: empty) {</a:t>
+            </a:r>
+            <a:endParaRPr lang="en-US" sz="1200">
+              <a:latin typeface="Bitstream Vera Sans Mono" panose="020B0609030804020204" charset="0"/>
+              <a:cs typeface="Bitstream Vera Sans Mono" panose="020B0609030804020204" charset="0"/>
+            </a:endParaRPr>
+          </a:p>
+          <a:p>
+            <a:pPr marL="0" indent="0">
+              <a:buNone/>
+            </a:pPr>
+            <a:r>
+              <a:rPr lang="en-US" sz="1200">
+                <a:latin typeface="Bitstream Vera Sans Mono" panose="020B0609030804020204" charset="0"/>
+                <a:cs typeface="Bitstream Vera Sans Mono" panose="020B0609030804020204" charset="0"/>
+              </a:rPr>
+              <a:t>    </a:t>
+            </a:r>
+            <a:r>
+              <a:rPr lang="en-US" sz="1200">
+                <a:solidFill>
+                  <a:srgbClr val="7030A0"/>
+                </a:solidFill>
+                <a:latin typeface="Bitstream Vera Sans Mono" panose="020B0609030804020204" charset="0"/>
+                <a:cs typeface="Bitstream Vera Sans Mono" panose="020B0609030804020204" charset="0"/>
+              </a:rPr>
+              <a:t>infile</a:t>
+            </a:r>
+            <a:r>
+              <a:rPr lang="en-US" sz="1200">
+                <a:latin typeface="Bitstream Vera Sans Mono" panose="020B0609030804020204" charset="0"/>
+                <a:cs typeface="Bitstream Vera Sans Mono" panose="020B0609030804020204" charset="0"/>
+              </a:rPr>
+              <a:t>(X) :- </a:t>
+            </a:r>
+            <a:r>
+              <a:rPr lang="en-US" sz="1200">
+                <a:solidFill>
+                  <a:srgbClr val="7030A0"/>
+                </a:solidFill>
+                <a:latin typeface="Bitstream Vera Sans Mono" panose="020B0609030804020204" charset="0"/>
+                <a:cs typeface="Bitstream Vera Sans Mono" panose="020B0609030804020204" charset="0"/>
+              </a:rPr>
+              <a:t>arg</a:t>
+            </a:r>
+            <a:r>
+              <a:rPr lang="en-US" sz="1200">
+                <a:latin typeface="Bitstream Vera Sans Mono" panose="020B0609030804020204" charset="0"/>
+                <a:cs typeface="Bitstream Vera Sans Mono" panose="020B0609030804020204" charset="0"/>
+              </a:rPr>
+              <a:t>(X).</a:t>
+            </a:r>
+            <a:endParaRPr lang="en-US" sz="1200">
+              <a:latin typeface="Bitstream Vera Sans Mono" panose="020B0609030804020204" charset="0"/>
+              <a:cs typeface="Bitstream Vera Sans Mono" panose="020B0609030804020204" charset="0"/>
+            </a:endParaRPr>
+          </a:p>
+          <a:p>
+            <a:pPr marL="0" indent="0">
+              <a:buNone/>
+            </a:pPr>
+            <a:r>
+              <a:rPr lang="en-US" sz="1200">
+                <a:latin typeface="Bitstream Vera Sans Mono" panose="020B0609030804020204" charset="0"/>
+                <a:cs typeface="Bitstream Vera Sans Mono" panose="020B0609030804020204" charset="0"/>
+              </a:rPr>
+              <a:t>    </a:t>
+            </a:r>
+            <a:r>
+              <a:rPr lang="en-US" sz="1200">
+                <a:solidFill>
+                  <a:srgbClr val="7030A0"/>
+                </a:solidFill>
+                <a:latin typeface="Bitstream Vera Sans Mono" panose="020B0609030804020204" charset="0"/>
+                <a:cs typeface="Bitstream Vera Sans Mono" panose="020B0609030804020204" charset="0"/>
+              </a:rPr>
+              <a:t>graph_parse_result</a:t>
+            </a:r>
+            <a:r>
+              <a:rPr lang="en-US" sz="1200">
+                <a:latin typeface="Bitstream Vera Sans Mono" panose="020B0609030804020204" charset="0"/>
+                <a:cs typeface="Bitstream Vera Sans Mono" panose="020B0609030804020204" charset="0"/>
+              </a:rPr>
+              <a:t>(R) : @</a:t>
+            </a:r>
+            <a:r>
+              <a:rPr lang="en-US" sz="1200">
+                <a:solidFill>
+                  <a:srgbClr val="C00000"/>
+                </a:solidFill>
+                <a:latin typeface="Bitstream Vera Sans Mono" panose="020B0609030804020204" charset="0"/>
+                <a:cs typeface="Bitstream Vera Sans Mono" panose="020B0609030804020204" charset="0"/>
+              </a:rPr>
+              <a:t>xml::parse_graph</a:t>
+            </a:r>
+            <a:r>
+              <a:rPr lang="en-US" sz="1200">
+                <a:latin typeface="Bitstream Vera Sans Mono" panose="020B0609030804020204" charset="0"/>
+                <a:cs typeface="Bitstream Vera Sans Mono" panose="020B0609030804020204" charset="0"/>
+              </a:rPr>
+              <a:t>[X] = R :- </a:t>
+            </a:r>
+            <a:r>
+              <a:rPr lang="en-US" sz="1200">
+                <a:solidFill>
+                  <a:srgbClr val="7030A0"/>
+                </a:solidFill>
+                <a:latin typeface="Bitstream Vera Sans Mono" panose="020B0609030804020204" charset="0"/>
+                <a:cs typeface="Bitstream Vera Sans Mono" panose="020B0609030804020204" charset="0"/>
+              </a:rPr>
+              <a:t>infile</a:t>
+            </a:r>
+            <a:r>
+              <a:rPr lang="en-US" sz="1200">
+                <a:latin typeface="Bitstream Vera Sans Mono" panose="020B0609030804020204" charset="0"/>
+                <a:cs typeface="Bitstream Vera Sans Mono" panose="020B0609030804020204" charset="0"/>
+              </a:rPr>
+              <a:t>(X).</a:t>
+            </a:r>
+            <a:endParaRPr lang="en-US" sz="1200">
+              <a:latin typeface="Bitstream Vera Sans Mono" panose="020B0609030804020204" charset="0"/>
+              <a:cs typeface="Bitstream Vera Sans Mono" panose="020B0609030804020204" charset="0"/>
+            </a:endParaRPr>
+          </a:p>
+          <a:p>
+            <a:pPr marL="0" indent="0">
+              <a:buNone/>
+            </a:pPr>
+            <a:r>
+              <a:rPr lang="en-US" sz="1200">
+                <a:latin typeface="Bitstream Vera Sans Mono" panose="020B0609030804020204" charset="0"/>
+                <a:cs typeface="Bitstream Vera Sans Mono" panose="020B0609030804020204" charset="0"/>
+              </a:rPr>
+              <a:t>    </a:t>
+            </a:r>
+            <a:endParaRPr lang="en-US" sz="1200">
+              <a:latin typeface="Bitstream Vera Sans Mono" panose="020B0609030804020204" charset="0"/>
+              <a:cs typeface="Bitstream Vera Sans Mono" panose="020B0609030804020204" charset="0"/>
+            </a:endParaRPr>
+          </a:p>
+          <a:p>
+            <a:pPr marL="0" indent="0">
+              <a:buNone/>
+            </a:pPr>
+            <a:r>
+              <a:rPr lang="en-US" sz="1200">
+                <a:latin typeface="Bitstream Vera Sans Mono" panose="020B0609030804020204" charset="0"/>
+                <a:cs typeface="Bitstream Vera Sans Mono" panose="020B0609030804020204" charset="0"/>
+              </a:rPr>
+              <a:t>    </a:t>
+            </a:r>
+            <a:r>
+              <a:rPr lang="en-US" sz="1200">
+                <a:solidFill>
+                  <a:srgbClr val="7030A0"/>
+                </a:solidFill>
+                <a:latin typeface="Bitstream Vera Sans Mono" panose="020B0609030804020204" charset="0"/>
+                <a:cs typeface="Bitstream Vera Sans Mono" panose="020B0609030804020204" charset="0"/>
+              </a:rPr>
+              <a:t>graph</a:t>
+            </a:r>
+            <a:r>
+              <a:rPr lang="en-US" sz="1200">
+                <a:latin typeface="Bitstream Vera Sans Mono" panose="020B0609030804020204" charset="0"/>
+                <a:cs typeface="Bitstream Vera Sans Mono" panose="020B0609030804020204" charset="0"/>
+              </a:rPr>
+              <a:t>(G) :- </a:t>
+            </a:r>
+            <a:r>
+              <a:rPr lang="en-US" sz="1200">
+                <a:solidFill>
+                  <a:srgbClr val="7030A0"/>
+                </a:solidFill>
+                <a:latin typeface="Bitstream Vera Sans Mono" panose="020B0609030804020204" charset="0"/>
+                <a:cs typeface="Bitstream Vera Sans Mono" panose="020B0609030804020204" charset="0"/>
+              </a:rPr>
+              <a:t>graph_parse_result</a:t>
+            </a:r>
+            <a:r>
+              <a:rPr lang="en-US" sz="1200">
+                <a:latin typeface="Bitstream Vera Sans Mono" panose="020B0609030804020204" charset="0"/>
+                <a:cs typeface="Bitstream Vera Sans Mono" panose="020B0609030804020204" charset="0"/>
+              </a:rPr>
+              <a:t>(graph(G)).</a:t>
+            </a:r>
+            <a:endParaRPr lang="en-US" sz="1200">
+              <a:latin typeface="Bitstream Vera Sans Mono" panose="020B0609030804020204" charset="0"/>
+              <a:cs typeface="Bitstream Vera Sans Mono" panose="020B0609030804020204" charset="0"/>
+            </a:endParaRPr>
+          </a:p>
+          <a:p>
+            <a:pPr marL="0" indent="0">
+              <a:buNone/>
+            </a:pPr>
+            <a:r>
+              <a:rPr lang="en-US" sz="1200">
+                <a:latin typeface="Bitstream Vera Sans Mono" panose="020B0609030804020204" charset="0"/>
+                <a:cs typeface="Bitstream Vera Sans Mono" panose="020B0609030804020204" charset="0"/>
+              </a:rPr>
+              <a:t>    </a:t>
+            </a:r>
+            <a:r>
+              <a:rPr lang="en-US" sz="1200">
+                <a:solidFill>
+                  <a:srgbClr val="7030A0"/>
+                </a:solidFill>
+                <a:latin typeface="Bitstream Vera Sans Mono" panose="020B0609030804020204" charset="0"/>
+                <a:cs typeface="Bitstream Vera Sans Mono" panose="020B0609030804020204" charset="0"/>
+              </a:rPr>
+              <a:t>parsing_error</a:t>
+            </a:r>
+            <a:r>
+              <a:rPr lang="en-US" sz="1200">
+                <a:latin typeface="Bitstream Vera Sans Mono" panose="020B0609030804020204" charset="0"/>
+                <a:cs typeface="Bitstream Vera Sans Mono" panose="020B0609030804020204" charset="0"/>
+              </a:rPr>
+              <a:t>(MSG) :- </a:t>
+            </a:r>
+            <a:r>
+              <a:rPr lang="en-US" sz="1200">
+                <a:solidFill>
+                  <a:srgbClr val="7030A0"/>
+                </a:solidFill>
+                <a:latin typeface="Bitstream Vera Sans Mono" panose="020B0609030804020204" charset="0"/>
+                <a:cs typeface="Bitstream Vera Sans Mono" panose="020B0609030804020204" charset="0"/>
+              </a:rPr>
+              <a:t>graph_parse_result</a:t>
+            </a:r>
+            <a:r>
+              <a:rPr lang="en-US" sz="1200">
+                <a:latin typeface="Bitstream Vera Sans Mono" panose="020B0609030804020204" charset="0"/>
+                <a:cs typeface="Bitstream Vera Sans Mono" panose="020B0609030804020204" charset="0"/>
+              </a:rPr>
+              <a:t>(err(MSG)).</a:t>
+            </a:r>
+            <a:endParaRPr lang="en-US" sz="1200">
+              <a:latin typeface="Bitstream Vera Sans Mono" panose="020B0609030804020204" charset="0"/>
+              <a:cs typeface="Bitstream Vera Sans Mono" panose="020B0609030804020204" charset="0"/>
+            </a:endParaRPr>
+          </a:p>
+          <a:p>
+            <a:pPr marL="0" indent="0">
+              <a:buNone/>
+            </a:pPr>
+            <a:r>
+              <a:rPr lang="en-US" sz="1200">
+                <a:latin typeface="Bitstream Vera Sans Mono" panose="020B0609030804020204" charset="0"/>
+                <a:cs typeface="Bitstream Vera Sans Mono" panose="020B0609030804020204" charset="0"/>
+              </a:rPr>
+              <a:t>    </a:t>
+            </a:r>
+            <a:endParaRPr lang="en-US" sz="1200">
+              <a:latin typeface="Bitstream Vera Sans Mono" panose="020B0609030804020204" charset="0"/>
+              <a:cs typeface="Bitstream Vera Sans Mono" panose="020B0609030804020204" charset="0"/>
+            </a:endParaRPr>
+          </a:p>
+          <a:p>
+            <a:pPr marL="0" indent="0">
+              <a:buNone/>
+            </a:pPr>
+            <a:r>
+              <a:rPr lang="en-US" sz="1200">
+                <a:latin typeface="Bitstream Vera Sans Mono" panose="020B0609030804020204" charset="0"/>
+                <a:cs typeface="Bitstream Vera Sans Mono" panose="020B0609030804020204" charset="0"/>
+              </a:rPr>
+              <a:t>    </a:t>
+            </a:r>
+            <a:r>
+              <a:rPr lang="en-US" sz="1200">
+                <a:solidFill>
+                  <a:srgbClr val="7030A0"/>
+                </a:solidFill>
+                <a:latin typeface="Bitstream Vera Sans Mono" panose="020B0609030804020204" charset="0"/>
+                <a:cs typeface="Bitstream Vera Sans Mono" panose="020B0609030804020204" charset="0"/>
+              </a:rPr>
+              <a:t>graph_coloring</a:t>
+            </a:r>
+            <a:r>
+              <a:rPr lang="en-US" sz="1200">
+                <a:latin typeface="Bitstream Vera Sans Mono" panose="020B0609030804020204" charset="0"/>
+                <a:cs typeface="Bitstream Vera Sans Mono" panose="020B0609030804020204" charset="0"/>
+              </a:rPr>
+              <a:t>(G, COL) :- </a:t>
+            </a:r>
+            <a:r>
+              <a:rPr lang="en-US" sz="1200">
+                <a:solidFill>
+                  <a:srgbClr val="7030A0"/>
+                </a:solidFill>
+                <a:latin typeface="Bitstream Vera Sans Mono" panose="020B0609030804020204" charset="0"/>
+                <a:cs typeface="Bitstream Vera Sans Mono" panose="020B0609030804020204" charset="0"/>
+              </a:rPr>
+              <a:t>graph</a:t>
+            </a:r>
+            <a:r>
+              <a:rPr lang="en-US" sz="1200">
+                <a:latin typeface="Bitstream Vera Sans Mono" panose="020B0609030804020204" charset="0"/>
+                <a:cs typeface="Bitstream Vera Sans Mono" panose="020B0609030804020204" charset="0"/>
+              </a:rPr>
+              <a:t>(G), {</a:t>
+            </a:r>
+            <a:r>
+              <a:rPr lang="en-US" sz="1200">
+                <a:solidFill>
+                  <a:schemeClr val="accent2">
+                    <a:lumMod val="75000"/>
+                  </a:schemeClr>
+                </a:solidFill>
+                <a:latin typeface="Bitstream Vera Sans Mono" panose="020B0609030804020204" charset="0"/>
+                <a:cs typeface="Bitstream Vera Sans Mono" panose="020B0609030804020204" charset="0"/>
+              </a:rPr>
+              <a:t>all</a:t>
+            </a:r>
+            <a:r>
+              <a:rPr lang="en-US" sz="1200">
+                <a:latin typeface="Bitstream Vera Sans Mono" panose="020B0609030804020204" charset="0"/>
+                <a:cs typeface="Bitstream Vera Sans Mono" panose="020B0609030804020204" charset="0"/>
+              </a:rPr>
+              <a:t>}@</a:t>
+            </a:r>
+            <a:r>
+              <a:rPr lang="en-US" sz="1200">
+                <a:solidFill>
+                  <a:srgbClr val="C00000"/>
+                </a:solidFill>
+                <a:latin typeface="Bitstream Vera Sans Mono" panose="020B0609030804020204" charset="0"/>
+                <a:cs typeface="Bitstream Vera Sans Mono" panose="020B0609030804020204" charset="0"/>
+              </a:rPr>
+              <a:t>3col</a:t>
+            </a:r>
+            <a:r>
+              <a:rPr lang="en-US" sz="1200">
+                <a:latin typeface="Bitstream Vera Sans Mono" panose="020B0609030804020204" charset="0"/>
+                <a:cs typeface="Bitstream Vera Sans Mono" panose="020B0609030804020204" charset="0"/>
+              </a:rPr>
+              <a:t>[G](COL).</a:t>
+            </a:r>
+            <a:endParaRPr lang="en-US" sz="1200">
+              <a:latin typeface="Bitstream Vera Sans Mono" panose="020B0609030804020204" charset="0"/>
+              <a:cs typeface="Bitstream Vera Sans Mono" panose="020B0609030804020204" charset="0"/>
+            </a:endParaRPr>
+          </a:p>
+          <a:p>
+            <a:pPr marL="0" indent="0">
+              <a:buNone/>
+            </a:pPr>
+            <a:r>
+              <a:rPr lang="en-US" sz="1200">
+                <a:latin typeface="Bitstream Vera Sans Mono" panose="020B0609030804020204" charset="0"/>
+                <a:cs typeface="Bitstream Vera Sans Mono" panose="020B0609030804020204" charset="0"/>
+              </a:rPr>
+              <a:t>    </a:t>
+            </a:r>
+            <a:r>
+              <a:rPr lang="en-US" sz="1200">
+                <a:solidFill>
+                  <a:srgbClr val="7030A0"/>
+                </a:solidFill>
+                <a:latin typeface="Bitstream Vera Sans Mono" panose="020B0609030804020204" charset="0"/>
+                <a:cs typeface="Bitstream Vera Sans Mono" panose="020B0609030804020204" charset="0"/>
+              </a:rPr>
+              <a:t>write_result</a:t>
+            </a:r>
+            <a:r>
+              <a:rPr lang="en-US" sz="1200">
+                <a:latin typeface="Bitstream Vera Sans Mono" panose="020B0609030804020204" charset="0"/>
+                <a:cs typeface="Bitstream Vera Sans Mono" panose="020B0609030804020204" charset="0"/>
+              </a:rPr>
+              <a:t>(R) : @</a:t>
+            </a:r>
+            <a:r>
+              <a:rPr lang="en-US" sz="1200">
+                <a:solidFill>
+                  <a:srgbClr val="C00000"/>
+                </a:solidFill>
+                <a:latin typeface="Bitstream Vera Sans Mono" panose="020B0609030804020204" charset="0"/>
+                <a:cs typeface="Bitstream Vera Sans Mono" panose="020B0609030804020204" charset="0"/>
+              </a:rPr>
+              <a:t>io::write_list</a:t>
+            </a:r>
+            <a:r>
+              <a:rPr lang="en-US" sz="1200">
+                <a:latin typeface="Bitstream Vera Sans Mono" panose="020B0609030804020204" charset="0"/>
+                <a:cs typeface="Bitstream Vera Sans Mono" panose="020B0609030804020204" charset="0"/>
+              </a:rPr>
+              <a:t>[OUT, COL] = R :- </a:t>
+            </a:r>
+            <a:endParaRPr lang="en-US" sz="1200">
+              <a:latin typeface="Bitstream Vera Sans Mono" panose="020B0609030804020204" charset="0"/>
+              <a:cs typeface="Bitstream Vera Sans Mono" panose="020B0609030804020204" charset="0"/>
+            </a:endParaRPr>
+          </a:p>
+          <a:p>
+            <a:pPr marL="0" indent="0">
+              <a:buNone/>
+            </a:pPr>
+            <a:r>
+              <a:rPr lang="en-US" sz="1200">
+                <a:latin typeface="Bitstream Vera Sans Mono" panose="020B0609030804020204" charset="0"/>
+                <a:cs typeface="Bitstream Vera Sans Mono" panose="020B0609030804020204" charset="0"/>
+              </a:rPr>
+              <a:t>        OUT = "col-" + IDX, </a:t>
+            </a:r>
+            <a:r>
+              <a:rPr lang="en-US" sz="1200">
+                <a:solidFill>
+                  <a:srgbClr val="7030A0"/>
+                </a:solidFill>
+                <a:latin typeface="Bitstream Vera Sans Mono" panose="020B0609030804020204" charset="0"/>
+                <a:cs typeface="Bitstream Vera Sans Mono" panose="020B0609030804020204" charset="0"/>
+              </a:rPr>
+              <a:t>graph_coloring</a:t>
+            </a:r>
+            <a:r>
+              <a:rPr lang="en-US" sz="1200">
+                <a:latin typeface="Bitstream Vera Sans Mono" panose="020B0609030804020204" charset="0"/>
+                <a:cs typeface="Bitstream Vera Sans Mono" panose="020B0609030804020204" charset="0"/>
+              </a:rPr>
+              <a:t>(G, </a:t>
+            </a:r>
+            <a:r>
+              <a:rPr lang="en-US" sz="1200">
+                <a:solidFill>
+                  <a:srgbClr val="00B050"/>
+                </a:solidFill>
+                <a:latin typeface="Bitstream Vera Sans Mono" panose="020B0609030804020204" charset="0"/>
+                <a:cs typeface="Bitstream Vera Sans Mono" panose="020B0609030804020204" charset="0"/>
+              </a:rPr>
+              <a:t>coloring</a:t>
+            </a:r>
+            <a:r>
+              <a:rPr lang="en-US" sz="1200">
+                <a:latin typeface="Bitstream Vera Sans Mono" panose="020B0609030804020204" charset="0"/>
+                <a:cs typeface="Bitstream Vera Sans Mono" panose="020B0609030804020204" charset="0"/>
+              </a:rPr>
+              <a:t>(IDX, COL)).</a:t>
+            </a:r>
+            <a:endParaRPr lang="en-US" sz="1200">
+              <a:latin typeface="Bitstream Vera Sans Mono" panose="020B0609030804020204" charset="0"/>
+              <a:cs typeface="Bitstream Vera Sans Mono" panose="020B0609030804020204" charset="0"/>
+            </a:endParaRPr>
+          </a:p>
+          <a:p>
+            <a:pPr marL="0" indent="0">
+              <a:buNone/>
+            </a:pPr>
+            <a:r>
+              <a:rPr lang="en-US" sz="1200">
+                <a:latin typeface="Bitstream Vera Sans Mono" panose="020B0609030804020204" charset="0"/>
+                <a:cs typeface="Bitstream Vera Sans Mono" panose="020B0609030804020204" charset="0"/>
+              </a:rPr>
+              <a:t>}</a:t>
+            </a:r>
+            <a:endParaRPr lang="en-US" sz="1200">
+              <a:latin typeface="Bitstream Vera Sans Mono" panose="020B0609030804020204" charset="0"/>
+              <a:cs typeface="Bitstream Vera Sans Mono" panose="020B0609030804020204" charset="0"/>
+            </a:endParaRPr>
+          </a:p>
+          <a:p>
+            <a:pPr marL="0" indent="0">
+              <a:buNone/>
+            </a:pPr>
+            <a:endParaRPr lang="en-US" sz="1200">
+              <a:latin typeface="Bitstream Vera Sans Mono" panose="020B0609030804020204" charset="0"/>
+              <a:cs typeface="Bitstream Vera Sans Mono" panose="020B0609030804020204" charset="0"/>
+            </a:endParaRPr>
+          </a:p>
+          <a:p>
+            <a:pPr marL="0" indent="0">
+              <a:buNone/>
+            </a:pPr>
+            <a:r>
+              <a:rPr lang="en-US" sz="1200">
+                <a:solidFill>
+                  <a:schemeClr val="accent2">
+                    <a:lumMod val="75000"/>
+                  </a:schemeClr>
+                </a:solidFill>
+                <a:latin typeface="Bitstream Vera Sans Mono" panose="020B0609030804020204" charset="0"/>
+                <a:cs typeface="Bitstream Vera Sans Mono" panose="020B0609030804020204" charset="0"/>
+              </a:rPr>
+              <a:t>predicate</a:t>
+            </a:r>
+            <a:r>
+              <a:rPr lang="en-US" sz="1200">
+                <a:latin typeface="Bitstream Vera Sans Mono" panose="020B0609030804020204" charset="0"/>
+                <a:cs typeface="Bitstream Vera Sans Mono" panose="020B0609030804020204" charset="0"/>
+              </a:rPr>
+              <a:t> 3col(</a:t>
+            </a:r>
+            <a:r>
+              <a:rPr lang="en-US" sz="1200">
+                <a:solidFill>
+                  <a:schemeClr val="accent2">
+                    <a:lumMod val="75000"/>
+                  </a:schemeClr>
+                </a:solidFill>
+                <a:latin typeface="Bitstream Vera Sans Mono" panose="020B0609030804020204" charset="0"/>
+                <a:cs typeface="Bitstream Vera Sans Mono" panose="020B0609030804020204" charset="0"/>
+              </a:rPr>
+              <a:t>in</a:t>
+            </a:r>
+            <a:r>
+              <a:rPr lang="de-DE" altLang="en-US" sz="1200">
+                <a:latin typeface="Bitstream Vera Sans Mono" panose="020B0609030804020204" charset="0"/>
+                <a:cs typeface="Bitstream Vera Sans Mono" panose="020B0609030804020204" charset="0"/>
+              </a:rPr>
+              <a:t>:</a:t>
+            </a:r>
+            <a:r>
+              <a:rPr lang="de-DE" altLang="en-US" sz="1200">
+                <a:latin typeface="Calibri" panose="020F0502020204030204" charset="0"/>
+                <a:cs typeface="Bitstream Vera Sans Mono" panose="020B0609030804020204" charset="0"/>
+              </a:rPr>
+              <a:t> </a:t>
+            </a:r>
+            <a:r>
+              <a:rPr lang="en-US" sz="1200">
+                <a:latin typeface="Bitstream Vera Sans Mono" panose="020B0609030804020204" charset="0"/>
+                <a:cs typeface="Bitstream Vera Sans Mono" panose="020B0609030804020204" charset="0"/>
+              </a:rPr>
+              <a:t>graph/1, </a:t>
+            </a:r>
+            <a:r>
+              <a:rPr lang="en-US" sz="1200">
+                <a:solidFill>
+                  <a:schemeClr val="accent2">
+                    <a:lumMod val="75000"/>
+                  </a:schemeClr>
+                </a:solidFill>
+                <a:latin typeface="Bitstream Vera Sans Mono" panose="020B0609030804020204" charset="0"/>
+                <a:cs typeface="Bitstream Vera Sans Mono" panose="020B0609030804020204" charset="0"/>
+              </a:rPr>
+              <a:t>out</a:t>
+            </a:r>
+            <a:r>
+              <a:rPr lang="en-US" sz="1200">
+                <a:latin typeface="Bitstream Vera Sans Mono" panose="020B0609030804020204" charset="0"/>
+                <a:cs typeface="Bitstream Vera Sans Mono" panose="020B0609030804020204" charset="0"/>
+              </a:rPr>
+              <a:t>: coloring/1) {</a:t>
+            </a:r>
+            <a:endParaRPr lang="en-US" sz="1200">
+              <a:latin typeface="Bitstream Vera Sans Mono" panose="020B0609030804020204" charset="0"/>
+              <a:cs typeface="Bitstream Vera Sans Mono" panose="020B0609030804020204" charset="0"/>
+            </a:endParaRPr>
+          </a:p>
+          <a:p>
+            <a:pPr marL="0" indent="0">
+              <a:buNone/>
+            </a:pPr>
+            <a:r>
+              <a:rPr lang="en-US" sz="1200">
+                <a:latin typeface="Bitstream Vera Sans Mono" panose="020B0609030804020204" charset="0"/>
+                <a:cs typeface="Bitstream Vera Sans Mono" panose="020B0609030804020204" charset="0"/>
+              </a:rPr>
+              <a:t>    </a:t>
+            </a:r>
+            <a:r>
+              <a:rPr lang="en-US" sz="1200">
+                <a:solidFill>
+                  <a:srgbClr val="7030A0"/>
+                </a:solidFill>
+                <a:latin typeface="Bitstream Vera Sans Mono" panose="020B0609030804020204" charset="0"/>
+                <a:cs typeface="Bitstream Vera Sans Mono" panose="020B0609030804020204" charset="0"/>
+              </a:rPr>
+              <a:t>node</a:t>
+            </a:r>
+            <a:r>
+              <a:rPr lang="en-US" sz="1200">
+                <a:latin typeface="Bitstream Vera Sans Mono" panose="020B0609030804020204" charset="0"/>
+                <a:cs typeface="Bitstream Vera Sans Mono" panose="020B0609030804020204" charset="0"/>
+              </a:rPr>
+              <a:t>(N) :- [ </a:t>
+            </a:r>
+            <a:r>
+              <a:rPr lang="en-US" sz="1200">
+                <a:solidFill>
+                  <a:srgbClr val="00B050"/>
+                </a:solidFill>
+                <a:latin typeface="Bitstream Vera Sans Mono" panose="020B0609030804020204" charset="0"/>
+                <a:cs typeface="Bitstream Vera Sans Mono" panose="020B0609030804020204" charset="0"/>
+              </a:rPr>
+              <a:t>node</a:t>
+            </a:r>
+            <a:r>
+              <a:rPr lang="en-US" sz="1200">
+                <a:latin typeface="Bitstream Vera Sans Mono" panose="020B0609030804020204" charset="0"/>
+                <a:cs typeface="Bitstream Vera Sans Mono" panose="020B0609030804020204" charset="0"/>
+              </a:rPr>
+              <a:t>(N) </a:t>
+            </a:r>
+            <a:r>
+              <a:rPr lang="en-US" sz="1200">
+                <a:solidFill>
+                  <a:schemeClr val="accent2">
+                    <a:lumMod val="75000"/>
+                  </a:schemeClr>
+                </a:solidFill>
+                <a:latin typeface="Bitstream Vera Sans Mono" panose="020B0609030804020204" charset="0"/>
+                <a:cs typeface="Bitstream Vera Sans Mono" panose="020B0609030804020204" charset="0"/>
+              </a:rPr>
+              <a:t>in</a:t>
+            </a:r>
+            <a:r>
+              <a:rPr lang="en-US" sz="1200">
+                <a:latin typeface="Bitstream Vera Sans Mono" panose="020B0609030804020204" charset="0"/>
+                <a:cs typeface="Bitstream Vera Sans Mono" panose="020B0609030804020204" charset="0"/>
+              </a:rPr>
+              <a:t> G : </a:t>
+            </a:r>
+            <a:r>
+              <a:rPr lang="en-US" sz="1200">
+                <a:solidFill>
+                  <a:srgbClr val="7030A0"/>
+                </a:solidFill>
+                <a:latin typeface="Bitstream Vera Sans Mono" panose="020B0609030804020204" charset="0"/>
+                <a:cs typeface="Bitstream Vera Sans Mono" panose="020B0609030804020204" charset="0"/>
+              </a:rPr>
+              <a:t>graph</a:t>
+            </a:r>
+            <a:r>
+              <a:rPr lang="en-US" sz="1200">
+                <a:latin typeface="Bitstream Vera Sans Mono" panose="020B0609030804020204" charset="0"/>
+                <a:cs typeface="Bitstream Vera Sans Mono" panose="020B0609030804020204" charset="0"/>
+              </a:rPr>
+              <a:t>(G) ]. </a:t>
+            </a:r>
+            <a:endParaRPr lang="en-US" sz="1200">
+              <a:latin typeface="Bitstream Vera Sans Mono" panose="020B0609030804020204" charset="0"/>
+              <a:cs typeface="Bitstream Vera Sans Mono" panose="020B0609030804020204" charset="0"/>
+            </a:endParaRPr>
+          </a:p>
+          <a:p>
+            <a:pPr marL="0" indent="0">
+              <a:buNone/>
+            </a:pPr>
+            <a:r>
+              <a:rPr lang="en-US" sz="1200">
+                <a:latin typeface="Bitstream Vera Sans Mono" panose="020B0609030804020204" charset="0"/>
+                <a:cs typeface="Bitstream Vera Sans Mono" panose="020B0609030804020204" charset="0"/>
+              </a:rPr>
+              <a:t>    </a:t>
+            </a:r>
+            <a:r>
+              <a:rPr lang="en-US" sz="1200">
+                <a:solidFill>
+                  <a:srgbClr val="7030A0"/>
+                </a:solidFill>
+                <a:latin typeface="Bitstream Vera Sans Mono" panose="020B0609030804020204" charset="0"/>
+                <a:cs typeface="Bitstream Vera Sans Mono" panose="020B0609030804020204" charset="0"/>
+              </a:rPr>
+              <a:t>edge</a:t>
+            </a:r>
+            <a:r>
+              <a:rPr lang="en-US" sz="1200">
+                <a:latin typeface="Bitstream Vera Sans Mono" panose="020B0609030804020204" charset="0"/>
+                <a:cs typeface="Bitstream Vera Sans Mono" panose="020B0609030804020204" charset="0"/>
+              </a:rPr>
+              <a:t>(N1, N2) :- [ </a:t>
+            </a:r>
+            <a:r>
+              <a:rPr lang="en-US" sz="1200">
+                <a:solidFill>
+                  <a:srgbClr val="00B050"/>
+                </a:solidFill>
+                <a:latin typeface="Bitstream Vera Sans Mono" panose="020B0609030804020204" charset="0"/>
+                <a:cs typeface="Bitstream Vera Sans Mono" panose="020B0609030804020204" charset="0"/>
+              </a:rPr>
+              <a:t>edge</a:t>
+            </a:r>
+            <a:r>
+              <a:rPr lang="en-US" sz="1200">
+                <a:latin typeface="Bitstream Vera Sans Mono" panose="020B0609030804020204" charset="0"/>
+                <a:cs typeface="Bitstream Vera Sans Mono" panose="020B0609030804020204" charset="0"/>
+              </a:rPr>
+              <a:t>(N1, N2) </a:t>
+            </a:r>
+            <a:r>
+              <a:rPr lang="en-US" sz="1200">
+                <a:solidFill>
+                  <a:schemeClr val="accent2">
+                    <a:lumMod val="75000"/>
+                  </a:schemeClr>
+                </a:solidFill>
+                <a:latin typeface="Bitstream Vera Sans Mono" panose="020B0609030804020204" charset="0"/>
+                <a:cs typeface="Bitstream Vera Sans Mono" panose="020B0609030804020204" charset="0"/>
+              </a:rPr>
+              <a:t>in</a:t>
+            </a:r>
+            <a:r>
+              <a:rPr lang="en-US" sz="1200">
+                <a:latin typeface="Bitstream Vera Sans Mono" panose="020B0609030804020204" charset="0"/>
+                <a:cs typeface="Bitstream Vera Sans Mono" panose="020B0609030804020204" charset="0"/>
+              </a:rPr>
+              <a:t> G : </a:t>
+            </a:r>
+            <a:r>
+              <a:rPr lang="en-US" sz="1200">
+                <a:solidFill>
+                  <a:srgbClr val="7030A0"/>
+                </a:solidFill>
+                <a:latin typeface="Bitstream Vera Sans Mono" panose="020B0609030804020204" charset="0"/>
+                <a:cs typeface="Bitstream Vera Sans Mono" panose="020B0609030804020204" charset="0"/>
+              </a:rPr>
+              <a:t>graph</a:t>
+            </a:r>
+            <a:r>
+              <a:rPr lang="en-US" sz="1200">
+                <a:latin typeface="Bitstream Vera Sans Mono" panose="020B0609030804020204" charset="0"/>
+                <a:cs typeface="Bitstream Vera Sans Mono" panose="020B0609030804020204" charset="0"/>
+              </a:rPr>
+              <a:t>(G) ].</a:t>
+            </a:r>
+            <a:endParaRPr lang="en-US" sz="1200">
+              <a:latin typeface="Bitstream Vera Sans Mono" panose="020B0609030804020204" charset="0"/>
+              <a:cs typeface="Bitstream Vera Sans Mono" panose="020B0609030804020204" charset="0"/>
+            </a:endParaRPr>
+          </a:p>
+          <a:p>
+            <a:pPr marL="0" indent="0">
+              <a:buNone/>
+            </a:pPr>
+            <a:r>
+              <a:rPr lang="en-US" sz="1200">
+                <a:latin typeface="Bitstream Vera Sans Mono" panose="020B0609030804020204" charset="0"/>
+                <a:cs typeface="Bitstream Vera Sans Mono" panose="020B0609030804020204" charset="0"/>
+              </a:rPr>
+              <a:t>    </a:t>
+            </a:r>
+            <a:endParaRPr lang="en-US" sz="1200">
+              <a:latin typeface="Bitstream Vera Sans Mono" panose="020B0609030804020204" charset="0"/>
+              <a:cs typeface="Bitstream Vera Sans Mono" panose="020B0609030804020204" charset="0"/>
+            </a:endParaRPr>
+          </a:p>
+          <a:p>
+            <a:pPr marL="0" indent="0">
+              <a:buNone/>
+            </a:pPr>
+            <a:r>
+              <a:rPr lang="en-US" sz="1200">
+                <a:latin typeface="Bitstream Vera Sans Mono" panose="020B0609030804020204" charset="0"/>
+                <a:cs typeface="Bitstream Vera Sans Mono" panose="020B0609030804020204" charset="0"/>
+              </a:rPr>
+              <a:t>    1 {</a:t>
+            </a:r>
+            <a:r>
+              <a:rPr lang="en-US" sz="1200">
+                <a:solidFill>
+                  <a:srgbClr val="7030A0"/>
+                </a:solidFill>
+                <a:latin typeface="Bitstream Vera Sans Mono" panose="020B0609030804020204" charset="0"/>
+                <a:cs typeface="Bitstream Vera Sans Mono" panose="020B0609030804020204" charset="0"/>
+              </a:rPr>
+              <a:t>col</a:t>
+            </a:r>
+            <a:r>
+              <a:rPr lang="en-US" sz="1200">
+                <a:latin typeface="Bitstream Vera Sans Mono" panose="020B0609030804020204" charset="0"/>
+                <a:cs typeface="Bitstream Vera Sans Mono" panose="020B0609030804020204" charset="0"/>
+              </a:rPr>
+              <a:t>(N, red); </a:t>
+            </a:r>
+            <a:r>
+              <a:rPr lang="en-US" sz="1200">
+                <a:solidFill>
+                  <a:srgbClr val="7030A0"/>
+                </a:solidFill>
+                <a:latin typeface="Bitstream Vera Sans Mono" panose="020B0609030804020204" charset="0"/>
+                <a:cs typeface="Bitstream Vera Sans Mono" panose="020B0609030804020204" charset="0"/>
+              </a:rPr>
+              <a:t>col</a:t>
+            </a:r>
+            <a:r>
+              <a:rPr lang="en-US" sz="1200">
+                <a:latin typeface="Bitstream Vera Sans Mono" panose="020B0609030804020204" charset="0"/>
+                <a:cs typeface="Bitstream Vera Sans Mono" panose="020B0609030804020204" charset="0"/>
+              </a:rPr>
+              <a:t>(N, blue); </a:t>
+            </a:r>
+            <a:r>
+              <a:rPr lang="en-US" sz="1200">
+                <a:solidFill>
+                  <a:srgbClr val="7030A0"/>
+                </a:solidFill>
+                <a:latin typeface="Bitstream Vera Sans Mono" panose="020B0609030804020204" charset="0"/>
+                <a:cs typeface="Bitstream Vera Sans Mono" panose="020B0609030804020204" charset="0"/>
+              </a:rPr>
+              <a:t>col</a:t>
+            </a:r>
+            <a:r>
+              <a:rPr lang="en-US" sz="1200">
+                <a:latin typeface="Bitstream Vera Sans Mono" panose="020B0609030804020204" charset="0"/>
+                <a:cs typeface="Bitstream Vera Sans Mono" panose="020B0609030804020204" charset="0"/>
+              </a:rPr>
+              <a:t>(N, green)} 1 :- </a:t>
+            </a:r>
+            <a:r>
+              <a:rPr lang="en-US" sz="1200">
+                <a:solidFill>
+                  <a:srgbClr val="7030A0"/>
+                </a:solidFill>
+                <a:latin typeface="Bitstream Vera Sans Mono" panose="020B0609030804020204" charset="0"/>
+                <a:cs typeface="Bitstream Vera Sans Mono" panose="020B0609030804020204" charset="0"/>
+              </a:rPr>
+              <a:t>node</a:t>
+            </a:r>
+            <a:r>
+              <a:rPr lang="en-US" sz="1200">
+                <a:latin typeface="Bitstream Vera Sans Mono" panose="020B0609030804020204" charset="0"/>
+                <a:cs typeface="Bitstream Vera Sans Mono" panose="020B0609030804020204" charset="0"/>
+              </a:rPr>
+              <a:t>(N).</a:t>
+            </a:r>
+            <a:endParaRPr lang="en-US" sz="1200">
+              <a:latin typeface="Bitstream Vera Sans Mono" panose="020B0609030804020204" charset="0"/>
+              <a:cs typeface="Bitstream Vera Sans Mono" panose="020B0609030804020204" charset="0"/>
+            </a:endParaRPr>
+          </a:p>
+          <a:p>
+            <a:pPr marL="0" indent="0">
+              <a:buNone/>
+            </a:pPr>
+            <a:r>
+              <a:rPr lang="en-US" sz="1200">
+                <a:latin typeface="Bitstream Vera Sans Mono" panose="020B0609030804020204" charset="0"/>
+                <a:cs typeface="Bitstream Vera Sans Mono" panose="020B0609030804020204" charset="0"/>
+              </a:rPr>
+              <a:t>    :- </a:t>
+            </a:r>
+            <a:r>
+              <a:rPr lang="en-US" sz="1200">
+                <a:solidFill>
+                  <a:srgbClr val="7030A0"/>
+                </a:solidFill>
+                <a:latin typeface="Bitstream Vera Sans Mono" panose="020B0609030804020204" charset="0"/>
+                <a:cs typeface="Bitstream Vera Sans Mono" panose="020B0609030804020204" charset="0"/>
+              </a:rPr>
+              <a:t>col</a:t>
+            </a:r>
+            <a:r>
+              <a:rPr lang="en-US" sz="1200">
+                <a:latin typeface="Bitstream Vera Sans Mono" panose="020B0609030804020204" charset="0"/>
+                <a:cs typeface="Bitstream Vera Sans Mono" panose="020B0609030804020204" charset="0"/>
+              </a:rPr>
+              <a:t>(N1, C), </a:t>
+            </a:r>
+            <a:r>
+              <a:rPr lang="en-US" sz="1200">
+                <a:solidFill>
+                  <a:srgbClr val="7030A0"/>
+                </a:solidFill>
+                <a:latin typeface="Bitstream Vera Sans Mono" panose="020B0609030804020204" charset="0"/>
+                <a:cs typeface="Bitstream Vera Sans Mono" panose="020B0609030804020204" charset="0"/>
+              </a:rPr>
+              <a:t>col</a:t>
+            </a:r>
+            <a:r>
+              <a:rPr lang="en-US" sz="1200">
+                <a:latin typeface="Bitstream Vera Sans Mono" panose="020B0609030804020204" charset="0"/>
+                <a:cs typeface="Bitstream Vera Sans Mono" panose="020B0609030804020204" charset="0"/>
+              </a:rPr>
+              <a:t>(N2, C), </a:t>
+            </a:r>
+            <a:r>
+              <a:rPr lang="en-US" sz="1200">
+                <a:solidFill>
+                  <a:srgbClr val="7030A0"/>
+                </a:solidFill>
+                <a:latin typeface="Bitstream Vera Sans Mono" panose="020B0609030804020204" charset="0"/>
+                <a:cs typeface="Bitstream Vera Sans Mono" panose="020B0609030804020204" charset="0"/>
+              </a:rPr>
+              <a:t>edge</a:t>
+            </a:r>
+            <a:r>
+              <a:rPr lang="en-US" sz="1200">
+                <a:latin typeface="Bitstream Vera Sans Mono" panose="020B0609030804020204" charset="0"/>
+                <a:cs typeface="Bitstream Vera Sans Mono" panose="020B0609030804020204" charset="0"/>
+              </a:rPr>
+              <a:t>(N1, N2).</a:t>
+            </a:r>
+            <a:endParaRPr lang="en-US" sz="1200">
+              <a:latin typeface="Bitstream Vera Sans Mono" panose="020B0609030804020204" charset="0"/>
+              <a:cs typeface="Bitstream Vera Sans Mono" panose="020B0609030804020204" charset="0"/>
+            </a:endParaRPr>
+          </a:p>
+          <a:p>
+            <a:pPr marL="0" indent="0">
+              <a:buNone/>
+            </a:pPr>
+            <a:r>
+              <a:rPr lang="en-US" sz="1200">
+                <a:latin typeface="Bitstream Vera Sans Mono" panose="020B0609030804020204" charset="0"/>
+                <a:cs typeface="Bitstream Vera Sans Mono" panose="020B0609030804020204" charset="0"/>
+              </a:rPr>
+              <a:t>    </a:t>
+            </a:r>
+            <a:endParaRPr lang="en-US" sz="1200">
+              <a:latin typeface="Bitstream Vera Sans Mono" panose="020B0609030804020204" charset="0"/>
+              <a:cs typeface="Bitstream Vera Sans Mono" panose="020B0609030804020204" charset="0"/>
+            </a:endParaRPr>
+          </a:p>
+          <a:p>
+            <a:pPr marL="0" indent="0">
+              <a:buNone/>
+            </a:pPr>
+            <a:r>
+              <a:rPr lang="en-US" sz="1200">
+                <a:latin typeface="Bitstream Vera Sans Mono" panose="020B0609030804020204" charset="0"/>
+                <a:cs typeface="Bitstream Vera Sans Mono" panose="020B0609030804020204" charset="0"/>
+              </a:rPr>
+              <a:t>    </a:t>
+            </a:r>
+            <a:r>
+              <a:rPr lang="en-US" sz="1200">
+                <a:solidFill>
+                  <a:srgbClr val="7030A0"/>
+                </a:solidFill>
+                <a:latin typeface="Bitstream Vera Sans Mono" panose="020B0609030804020204" charset="0"/>
+                <a:cs typeface="Bitstream Vera Sans Mono" panose="020B0609030804020204" charset="0"/>
+              </a:rPr>
+              <a:t>coloring</a:t>
+            </a:r>
+            <a:r>
+              <a:rPr lang="en-US" sz="1200">
+                <a:latin typeface="Bitstream Vera Sans Mono" panose="020B0609030804020204" charset="0"/>
+                <a:cs typeface="Bitstream Vera Sans Mono" panose="020B0609030804020204" charset="0"/>
+              </a:rPr>
+              <a:t>(COL) :- COL = #</a:t>
+            </a:r>
+            <a:r>
+              <a:rPr lang="en-US" sz="1200">
+                <a:solidFill>
+                  <a:srgbClr val="C00000"/>
+                </a:solidFill>
+                <a:latin typeface="Bitstream Vera Sans Mono" panose="020B0609030804020204" charset="0"/>
+                <a:cs typeface="Bitstream Vera Sans Mono" panose="020B0609030804020204" charset="0"/>
+              </a:rPr>
+              <a:t>list-collect</a:t>
+            </a:r>
+            <a:r>
+              <a:rPr lang="en-US" sz="1200">
+                <a:latin typeface="Bitstream Vera Sans Mono" panose="020B0609030804020204" charset="0"/>
+                <a:cs typeface="Bitstream Vera Sans Mono" panose="020B0609030804020204" charset="0"/>
+              </a:rPr>
+              <a:t>{ </a:t>
+            </a:r>
+            <a:r>
+              <a:rPr lang="en-US" sz="1200">
+                <a:solidFill>
+                  <a:srgbClr val="00B050"/>
+                </a:solidFill>
+                <a:latin typeface="Bitstream Vera Sans Mono" panose="020B0609030804020204" charset="0"/>
+                <a:cs typeface="Bitstream Vera Sans Mono" panose="020B0609030804020204" charset="0"/>
+              </a:rPr>
+              <a:t>node_colored</a:t>
+            </a:r>
+            <a:r>
+              <a:rPr lang="en-US" sz="1200">
+                <a:latin typeface="Bitstream Vera Sans Mono" panose="020B0609030804020204" charset="0"/>
+                <a:cs typeface="Bitstream Vera Sans Mono" panose="020B0609030804020204" charset="0"/>
+              </a:rPr>
+              <a:t>(N, C) : col(N, C) }.   </a:t>
+            </a:r>
+            <a:endParaRPr lang="en-US" sz="1200">
+              <a:latin typeface="Bitstream Vera Sans Mono" panose="020B0609030804020204" charset="0"/>
+              <a:cs typeface="Bitstream Vera Sans Mono" panose="020B0609030804020204" charset="0"/>
+            </a:endParaRPr>
+          </a:p>
+          <a:p>
+            <a:pPr marL="0" indent="0">
+              <a:buNone/>
+            </a:pPr>
+            <a:r>
+              <a:rPr lang="en-US" sz="1200">
+                <a:latin typeface="Bitstream Vera Sans Mono" panose="020B0609030804020204" charset="0"/>
+                <a:cs typeface="Bitstream Vera Sans Mono" panose="020B0609030804020204" charset="0"/>
+              </a:rPr>
+              <a:t>}</a:t>
+            </a:r>
+            <a:endParaRPr lang="en-US" sz="1200">
+              <a:latin typeface="Bitstream Vera Sans Mono" panose="020B0609030804020204" charset="0"/>
+              <a:cs typeface="Bitstream Vera Sans Mono" panose="020B0609030804020204" charset="0"/>
+            </a:endParaRPr>
+          </a:p>
+        </p:txBody>
+      </p:sp>
+    </p:spTree>
+  </p:cSld>
+  <p:clrMapOvr>
+    <a:masterClrMapping/>
+  </p:clrMapOvr>
+</p:sld>
+</file>
+
+<file path=ppt/slides/slide11.xml><?xml version="1.0" encoding="utf-8"?>
+<p:sld xmlns:a="http://schemas.openxmlformats.org/drawingml/2006/main" xmlns:r="http://schemas.openxmlformats.org/officeDocument/2006/relationships" xmlns:p="http://schemas.openxmlformats.org/presentationml/2006/main">
+  <p:cSld>
+    <p:spTree>
+      <p:nvGrpSpPr>
+        <p:cNvPr id="1" name=""/>
+        <p:cNvGrpSpPr/>
+        <p:nvPr/>
+      </p:nvGrpSpPr>
+      <p:grpSpPr/>
+      <p:sp>
+        <p:nvSpPr>
+          <p:cNvPr id="2" name="Title 1"/>
+          <p:cNvSpPr>
+            <a:spLocks noGrp="1"/>
+          </p:cNvSpPr>
+          <p:nvPr>
+            <p:ph type="title"/>
+          </p:nvPr>
+        </p:nvSpPr>
+        <p:spPr/>
+        <p:txBody>
+          <a:bodyPr/>
+          <a:p>
+            <a:r>
+              <a:rPr lang="de-DE" altLang="en-US">
+                <a:latin typeface="Calibri" panose="020F0502020204030204" charset="0"/>
+              </a:rPr>
+              <a:t>References</a:t>
+            </a:r>
+            <a:endParaRPr lang="de-DE" altLang="en-US">
+              <a:latin typeface="Calibri" panose="020F0502020204030204" charset="0"/>
+            </a:endParaRPr>
+          </a:p>
+        </p:txBody>
+      </p:sp>
+      <p:sp>
+        <p:nvSpPr>
+          <p:cNvPr id="3" name="Content Placeholder 2"/>
+          <p:cNvSpPr>
+            <a:spLocks noGrp="1"/>
+          </p:cNvSpPr>
+          <p:nvPr>
+            <p:ph idx="1"/>
+          </p:nvPr>
+        </p:nvSpPr>
+        <p:spPr/>
+        <p:txBody>
+          <a:bodyPr/>
+          <a:p>
+            <a:r>
+              <a:rPr lang="de-DE" altLang="en-US" sz="2000">
+                <a:latin typeface="Calibri" panose="020F0502020204030204" charset="0"/>
+              </a:rPr>
+              <a:t>[alp] - Antonius Weinzierl et al. </a:t>
+            </a:r>
+            <a:br>
+              <a:rPr lang="de-DE" altLang="en-US" sz="2000">
+                <a:latin typeface="Calibri" panose="020F0502020204030204" charset="0"/>
+              </a:rPr>
+            </a:br>
+            <a:r>
+              <a:rPr lang="de-DE" altLang="en-US" sz="2000">
+                <a:latin typeface="Calibri" panose="020F0502020204030204" charset="0"/>
+              </a:rPr>
+              <a:t>The alpha solver for lazy-grounding answer-set programming. </a:t>
+            </a:r>
+            <a:br>
+              <a:rPr lang="de-DE" altLang="en-US" sz="2000">
+                <a:latin typeface="Calibri" panose="020F0502020204030204" charset="0"/>
+              </a:rPr>
+            </a:br>
+            <a:r>
+              <a:rPr lang="de-DE" altLang="en-US" sz="2000">
+                <a:latin typeface="Calibri" panose="020F0502020204030204" charset="0"/>
+              </a:rPr>
+              <a:t>2019</a:t>
+            </a:r>
+            <a:endParaRPr lang="de-DE" altLang="en-US" sz="2000">
+              <a:latin typeface="Calibri" panose="020F0502020204030204" charset="0"/>
+            </a:endParaRPr>
+          </a:p>
+          <a:p>
+            <a:r>
+              <a:rPr lang="de-DE" altLang="en-US" sz="2000">
+                <a:latin typeface="Calibri" panose="020F0502020204030204" charset="0"/>
+              </a:rPr>
+              <a:t>[ahx] - Selen Basol, Ozan Erdem, Michael Fink, and Giovambattista Ianni.</a:t>
+            </a:r>
+            <a:br>
+              <a:rPr lang="de-DE" altLang="en-US" sz="2000">
+                <a:latin typeface="Calibri" panose="020F0502020204030204" charset="0"/>
+              </a:rPr>
+            </a:br>
+            <a:r>
+              <a:rPr lang="de-DE" altLang="en-US" sz="2000">
+                <a:latin typeface="Calibri" panose="020F0502020204030204" charset="0"/>
+              </a:rPr>
+              <a:t>Hex programs with action atoms. </a:t>
+            </a:r>
+            <a:br>
+              <a:rPr lang="de-DE" altLang="en-US" sz="2000">
+                <a:latin typeface="Calibri" panose="020F0502020204030204" charset="0"/>
+              </a:rPr>
+            </a:br>
+            <a:r>
+              <a:rPr lang="de-DE" altLang="en-US" sz="2000">
+                <a:latin typeface="Calibri" panose="020F0502020204030204" charset="0"/>
+              </a:rPr>
+              <a:t>In </a:t>
+            </a:r>
+            <a:r>
+              <a:rPr lang="de-DE" altLang="en-US" sz="2000" i="1">
+                <a:latin typeface="Calibri" panose="020F0502020204030204" charset="0"/>
+              </a:rPr>
+              <a:t>Technical Communications of the 26th International Conference on Logic Programming</a:t>
+            </a:r>
+            <a:r>
+              <a:rPr lang="de-DE" altLang="en-US" sz="2000">
+                <a:latin typeface="Calibri" panose="020F0502020204030204" charset="0"/>
+              </a:rPr>
+              <a:t>. </a:t>
+            </a:r>
+            <a:br>
+              <a:rPr lang="de-DE" altLang="en-US" sz="2000">
+                <a:latin typeface="Calibri" panose="020F0502020204030204" charset="0"/>
+              </a:rPr>
+            </a:br>
+            <a:r>
+              <a:rPr lang="de-DE" altLang="en-US" sz="2000">
+                <a:latin typeface="Calibri" panose="020F0502020204030204" charset="0"/>
+              </a:rPr>
+              <a:t>SchlossDagstuhl-Leibniz-Zentrum fuer Informatik, 2010.</a:t>
+            </a:r>
+            <a:endParaRPr lang="de-DE" altLang="en-US" sz="2000">
+              <a:latin typeface="Calibri" panose="020F0502020204030204" charset="0"/>
+            </a:endParaRPr>
+          </a:p>
+          <a:p>
+            <a:r>
+              <a:rPr lang="de-DE" altLang="en-US" sz="2000">
+                <a:latin typeface="Calibri" panose="020F0502020204030204" charset="0"/>
+              </a:rPr>
+              <a:t>[ocl] - Martin Gebser, Torsten Grote, Roland Kaminski, and Torsten Schaub.</a:t>
+            </a:r>
+            <a:br>
+              <a:rPr lang="de-DE" altLang="en-US" sz="2000">
+                <a:latin typeface="Calibri" panose="020F0502020204030204" charset="0"/>
+              </a:rPr>
+            </a:br>
+            <a:r>
+              <a:rPr lang="de-DE" altLang="en-US" sz="2000">
+                <a:latin typeface="Calibri" panose="020F0502020204030204" charset="0"/>
+              </a:rPr>
+              <a:t>Reactive answer set programming.</a:t>
+            </a:r>
+            <a:br>
+              <a:rPr lang="de-DE" altLang="en-US" sz="2000">
+                <a:latin typeface="Calibri" panose="020F0502020204030204" charset="0"/>
+              </a:rPr>
+            </a:br>
+            <a:r>
+              <a:rPr lang="de-DE" altLang="en-US" sz="2000">
+                <a:latin typeface="Calibri" panose="020F0502020204030204" charset="0"/>
+              </a:rPr>
+              <a:t>In </a:t>
+            </a:r>
+            <a:r>
+              <a:rPr lang="de-DE" altLang="en-US" sz="2000" i="1">
+                <a:latin typeface="Calibri" panose="020F0502020204030204" charset="0"/>
+              </a:rPr>
+              <a:t>International Conference on Logic Programming and Nonmonotonic Reasoning</a:t>
+            </a:r>
+            <a:r>
+              <a:rPr lang="de-DE" altLang="en-US" sz="2000">
+                <a:latin typeface="Calibri" panose="020F0502020204030204" charset="0"/>
+              </a:rPr>
+              <a:t>, pages 54–66.</a:t>
+            </a:r>
+            <a:br>
+              <a:rPr lang="de-DE" altLang="en-US" sz="2000">
+                <a:latin typeface="Calibri" panose="020F0502020204030204" charset="0"/>
+              </a:rPr>
+            </a:br>
+            <a:r>
+              <a:rPr lang="de-DE" altLang="en-US" sz="2000">
+                <a:latin typeface="Calibri" panose="020F0502020204030204" charset="0"/>
+              </a:rPr>
+              <a:t>Springer, 2011.</a:t>
+            </a:r>
+            <a:endParaRPr lang="de-DE" altLang="en-US" sz="2000">
+              <a:latin typeface="Calibri" panose="020F0502020204030204" charset="0"/>
+            </a:endParaRPr>
+          </a:p>
+          <a:p>
+            <a:r>
+              <a:rPr lang="de-DE" altLang="en-US" sz="2000">
+                <a:latin typeface="Calibri" panose="020F0502020204030204" charset="0"/>
+              </a:rPr>
+              <a:t>[mlp] - Thomas Krennwallner. </a:t>
+            </a:r>
+            <a:br>
+              <a:rPr lang="de-DE" altLang="en-US" sz="2000">
+                <a:latin typeface="Calibri" panose="020F0502020204030204" charset="0"/>
+              </a:rPr>
+            </a:br>
+            <a:r>
+              <a:rPr lang="de-DE" altLang="en-US" sz="2000">
+                <a:latin typeface="Calibri" panose="020F0502020204030204" charset="0"/>
+              </a:rPr>
+              <a:t>Modular nonmonotonic logic programs. </a:t>
+            </a:r>
+            <a:br>
+              <a:rPr lang="de-DE" altLang="en-US" sz="2000">
+                <a:latin typeface="Calibri" panose="020F0502020204030204" charset="0"/>
+              </a:rPr>
+            </a:br>
+            <a:r>
+              <a:rPr lang="de-DE" altLang="en-US" sz="2000">
+                <a:latin typeface="Calibri" panose="020F0502020204030204" charset="0"/>
+              </a:rPr>
+              <a:t>PhD thesis, </a:t>
+            </a:r>
+            <a:br>
+              <a:rPr lang="de-DE" altLang="en-US" sz="2000">
+                <a:latin typeface="Calibri" panose="020F0502020204030204" charset="0"/>
+              </a:rPr>
+            </a:br>
+            <a:r>
+              <a:rPr lang="de-DE" altLang="en-US" sz="2000">
+                <a:latin typeface="Calibri" panose="020F0502020204030204" charset="0"/>
+              </a:rPr>
+              <a:t>Technical University of Vienna, 2018.</a:t>
+            </a:r>
+            <a:endParaRPr lang="de-DE" altLang="en-US" sz="2000">
+              <a:latin typeface="Calibri" panose="020F0502020204030204" charset="0"/>
+            </a:endParaRPr>
+          </a:p>
+        </p:txBody>
+      </p:sp>
+    </p:spTree>
+  </p:cSld>
+  <p:clrMapOvr>
+    <a:masterClrMapping/>
+  </p:clrMapOvr>
+</p:sld>
+</file>
+
+<file path=ppt/slides/slide12.xml><?xml version="1.0" encoding="utf-8"?>
+<p:sld xmlns:a="http://schemas.openxmlformats.org/drawingml/2006/main" xmlns:r="http://schemas.openxmlformats.org/officeDocument/2006/relationships" xmlns:p="http://schemas.openxmlformats.org/presentationml/2006/main">
+  <p:cSld>
+    <p:spTree>
+      <p:nvGrpSpPr>
+        <p:cNvPr id="1" name=""/>
+        <p:cNvGrpSpPr/>
+        <p:nvPr/>
+      </p:nvGrpSpPr>
+      <p:grpSpPr/>
+      <p:sp>
+        <p:nvSpPr>
           <p:cNvPr id="2" name="Title 1"/>
           <p:cNvSpPr>
             <a:spLocks noGrp="1"/>
@@ -4230,7 +5670,7 @@
       <p:grpSpPr/>
       <p:sp>
         <p:nvSpPr>
-          <p:cNvPr id="4" name="Title 3"/>
+          <p:cNvPr id="2" name="Title 1"/>
           <p:cNvSpPr>
             <a:spLocks noGrp="1"/>
           </p:cNvSpPr>
@@ -4246,7 +5686,7 @@
               <a:rPr lang="de-DE" altLang="en-US">
                 <a:latin typeface="Calibri" panose="020F0502020204030204" charset="0"/>
               </a:rPr>
-              <a:t>A Lofty Vision</a:t>
+              <a:t>Motivation</a:t>
             </a:r>
             <a:endParaRPr lang="de-DE" altLang="en-US">
               <a:latin typeface="Calibri" panose="020F0502020204030204" charset="0"/>
@@ -4256,7 +5696,7 @@
       </p:sp>
       <p:sp>
         <p:nvSpPr>
-          <p:cNvPr id="5" name="Content Placeholder 4"/>
+          <p:cNvPr id="3" name="Content Placeholder 2"/>
           <p:cNvSpPr>
             <a:spLocks noGrp="1"/>
           </p:cNvSpPr>
@@ -4264,12 +5704,7 @@
             <p:ph idx="1"/>
           </p:nvPr>
         </p:nvSpPr>
-        <p:spPr>
-          <a:xfrm>
-            <a:off x="609600" y="1037590"/>
-            <a:ext cx="10972800" cy="5396230"/>
-          </a:xfrm>
-        </p:spPr>
+        <p:spPr/>
         <p:txBody>
           <a:bodyPr/>
           <a:p>
@@ -4277,1123 +5712,69 @@
               <a:buNone/>
             </a:pPr>
             <a:r>
-              <a:rPr lang="en-US" sz="1200">
-                <a:solidFill>
-                  <a:schemeClr val="accent2">
-                    <a:lumMod val="75000"/>
-                  </a:schemeClr>
-                </a:solidFill>
-                <a:latin typeface="Bitstream Vera Sans Mono" panose="020B0609030804020204" charset="0"/>
-                <a:cs typeface="Bitstream Vera Sans Mono" panose="020B0609030804020204" charset="0"/>
-              </a:rPr>
-              <a:t>#import</a:t>
-            </a:r>
-            <a:r>
-              <a:rPr lang="en-US" sz="1200">
-                <a:latin typeface="Bitstream Vera Sans Mono" panose="020B0609030804020204" charset="0"/>
-                <a:cs typeface="Bitstream Vera Sans Mono" panose="020B0609030804020204" charset="0"/>
-              </a:rPr>
-              <a:t> "xml".</a:t>
-            </a:r>
-            <a:endParaRPr lang="en-US" sz="1200">
-              <a:latin typeface="Bitstream Vera Sans Mono" panose="020B0609030804020204" charset="0"/>
-              <a:cs typeface="Bitstream Vera Sans Mono" panose="020B0609030804020204" charset="0"/>
+              <a:rPr lang="de-DE" altLang="en-US">
+                <a:latin typeface="Calibri" panose="020F0502020204030204" charset="0"/>
+              </a:rPr>
+              <a:t>Answer Set Programming (ASP)</a:t>
+            </a:r>
+            <a:endParaRPr lang="de-DE" altLang="en-US">
+              <a:latin typeface="Calibri" panose="020F0502020204030204" charset="0"/>
+            </a:endParaRPr>
+          </a:p>
+          <a:p>
+            <a:r>
+              <a:rPr lang="de-DE" altLang="en-US">
+                <a:latin typeface="Calibri" panose="020F0502020204030204" charset="0"/>
+              </a:rPr>
+              <a:t>formalism for declarative problem solving</a:t>
+            </a:r>
+            <a:endParaRPr lang="de-DE" altLang="en-US">
+              <a:latin typeface="Calibri" panose="020F0502020204030204" charset="0"/>
+            </a:endParaRPr>
+          </a:p>
+          <a:p>
+            <a:r>
+              <a:rPr lang="de-DE" altLang="en-US">
+                <a:latin typeface="Calibri" panose="020F0502020204030204" charset="0"/>
+              </a:rPr>
+              <a:t>successful applications in scheduling, search, etc.</a:t>
+            </a:r>
+            <a:endParaRPr lang="de-DE" altLang="en-US">
+              <a:latin typeface="Calibri" panose="020F0502020204030204" charset="0"/>
+            </a:endParaRPr>
+          </a:p>
+          <a:p>
+            <a:r>
+              <a:rPr lang="de-DE" altLang="en-US">
+                <a:latin typeface="Calibri" panose="020F0502020204030204" charset="0"/>
+              </a:rPr>
+              <a:t>fully declarative semantics, no support for I/O etc.</a:t>
+            </a:r>
+            <a:endParaRPr lang="de-DE" altLang="en-US">
+              <a:latin typeface="Calibri" panose="020F0502020204030204" charset="0"/>
+            </a:endParaRPr>
+          </a:p>
+          <a:p>
+            <a:r>
+              <a:rPr lang="de-DE" altLang="en-US">
+                <a:latin typeface="Calibri" panose="020F0502020204030204" charset="0"/>
+              </a:rPr>
+              <a:t>no “general purpose programming language”</a:t>
+            </a:r>
+            <a:endParaRPr lang="de-DE" altLang="en-US">
+              <a:latin typeface="Calibri" panose="020F0502020204030204" charset="0"/>
+            </a:endParaRPr>
+          </a:p>
+          <a:p>
+            <a:endParaRPr lang="de-DE" altLang="en-US">
+              <a:latin typeface="Calibri" panose="020F0502020204030204" charset="0"/>
             </a:endParaRPr>
           </a:p>
           <a:p>
             <a:pPr marL="0" indent="0">
               <a:buNone/>
             </a:pPr>
-            <a:r>
-              <a:rPr lang="en-US" sz="1200">
-                <a:solidFill>
-                  <a:schemeClr val="accent2">
-                    <a:lumMod val="75000"/>
-                  </a:schemeClr>
-                </a:solidFill>
-                <a:latin typeface="Bitstream Vera Sans Mono" panose="020B0609030804020204" charset="0"/>
-                <a:cs typeface="Bitstream Vera Sans Mono" panose="020B0609030804020204" charset="0"/>
-              </a:rPr>
-              <a:t>#import</a:t>
-            </a:r>
-            <a:r>
-              <a:rPr lang="en-US" sz="1200">
-                <a:latin typeface="Bitstream Vera Sans Mono" panose="020B0609030804020204" charset="0"/>
-                <a:cs typeface="Bitstream Vera Sans Mono" panose="020B0609030804020204" charset="0"/>
-              </a:rPr>
-              <a:t> "io".</a:t>
-            </a:r>
-            <a:endParaRPr lang="en-US" sz="1200">
-              <a:latin typeface="Bitstream Vera Sans Mono" panose="020B0609030804020204" charset="0"/>
-              <a:cs typeface="Bitstream Vera Sans Mono" panose="020B0609030804020204" charset="0"/>
-            </a:endParaRPr>
-          </a:p>
-          <a:p>
-            <a:pPr marL="0" indent="0">
-              <a:buNone/>
-            </a:pPr>
-            <a:endParaRPr lang="en-US" sz="1200">
-              <a:latin typeface="Bitstream Vera Sans Mono" panose="020B0609030804020204" charset="0"/>
-              <a:cs typeface="Bitstream Vera Sans Mono" panose="020B0609030804020204" charset="0"/>
-            </a:endParaRPr>
-          </a:p>
-          <a:p>
-            <a:pPr marL="0" indent="0">
-              <a:buNone/>
-            </a:pPr>
-            <a:r>
-              <a:rPr lang="en-US" sz="1200">
-                <a:solidFill>
-                  <a:schemeClr val="accent2">
-                    <a:lumMod val="75000"/>
-                  </a:schemeClr>
-                </a:solidFill>
-                <a:latin typeface="Bitstream Vera Sans Mono" panose="020B0609030804020204" charset="0"/>
-                <a:cs typeface="Bitstream Vera Sans Mono" panose="020B0609030804020204" charset="0"/>
-              </a:rPr>
-              <a:t>action</a:t>
-            </a:r>
-            <a:r>
-              <a:rPr lang="en-US" sz="1200">
-                <a:latin typeface="Bitstream Vera Sans Mono" panose="020B0609030804020204" charset="0"/>
-                <a:cs typeface="Bitstream Vera Sans Mono" panose="020B0609030804020204" charset="0"/>
-              </a:rPr>
-              <a:t> main(</a:t>
-            </a:r>
-            <a:r>
-              <a:rPr lang="en-US" sz="1200">
-                <a:solidFill>
-                  <a:schemeClr val="accent2">
-                    <a:lumMod val="75000"/>
-                  </a:schemeClr>
-                </a:solidFill>
-                <a:latin typeface="Bitstream Vera Sans Mono" panose="020B0609030804020204" charset="0"/>
-                <a:cs typeface="Bitstream Vera Sans Mono" panose="020B0609030804020204" charset="0"/>
-              </a:rPr>
-              <a:t>in</a:t>
-            </a:r>
-            <a:r>
-              <a:rPr lang="en-US" sz="1200">
-                <a:latin typeface="Bitstream Vera Sans Mono" panose="020B0609030804020204" charset="0"/>
-                <a:cs typeface="Bitstream Vera Sans Mono" panose="020B0609030804020204" charset="0"/>
-              </a:rPr>
-              <a:t>: </a:t>
-            </a:r>
-            <a:r>
-              <a:rPr lang="en-US" sz="1200">
-                <a:solidFill>
-                  <a:srgbClr val="7030A0"/>
-                </a:solidFill>
-                <a:latin typeface="Bitstream Vera Sans Mono" panose="020B0609030804020204" charset="0"/>
-                <a:cs typeface="Bitstream Vera Sans Mono" panose="020B0609030804020204" charset="0"/>
-              </a:rPr>
-              <a:t>arg</a:t>
-            </a:r>
-            <a:r>
-              <a:rPr lang="en-US" sz="1200">
-                <a:latin typeface="Bitstream Vera Sans Mono" panose="020B0609030804020204" charset="0"/>
-                <a:cs typeface="Bitstream Vera Sans Mono" panose="020B0609030804020204" charset="0"/>
-              </a:rPr>
-              <a:t>/1, </a:t>
-            </a:r>
-            <a:r>
-              <a:rPr lang="en-US" sz="1200">
-                <a:solidFill>
-                  <a:schemeClr val="accent2">
-                    <a:lumMod val="75000"/>
-                  </a:schemeClr>
-                </a:solidFill>
-                <a:latin typeface="Bitstream Vera Sans Mono" panose="020B0609030804020204" charset="0"/>
-                <a:cs typeface="Bitstream Vera Sans Mono" panose="020B0609030804020204" charset="0"/>
-              </a:rPr>
-              <a:t>out</a:t>
-            </a:r>
-            <a:r>
-              <a:rPr lang="en-US" sz="1200">
-                <a:latin typeface="Bitstream Vera Sans Mono" panose="020B0609030804020204" charset="0"/>
-                <a:cs typeface="Bitstream Vera Sans Mono" panose="020B0609030804020204" charset="0"/>
-              </a:rPr>
-              <a:t>: empty) {</a:t>
-            </a:r>
-            <a:endParaRPr lang="en-US" sz="1200">
-              <a:latin typeface="Bitstream Vera Sans Mono" panose="020B0609030804020204" charset="0"/>
-              <a:cs typeface="Bitstream Vera Sans Mono" panose="020B0609030804020204" charset="0"/>
-            </a:endParaRPr>
-          </a:p>
-          <a:p>
-            <a:pPr marL="0" indent="0">
-              <a:buNone/>
-            </a:pPr>
-            <a:r>
-              <a:rPr lang="en-US" sz="1200">
-                <a:latin typeface="Bitstream Vera Sans Mono" panose="020B0609030804020204" charset="0"/>
-                <a:cs typeface="Bitstream Vera Sans Mono" panose="020B0609030804020204" charset="0"/>
-              </a:rPr>
-              <a:t>    </a:t>
-            </a:r>
-            <a:r>
-              <a:rPr lang="en-US" sz="1200">
-                <a:solidFill>
-                  <a:srgbClr val="7030A0"/>
-                </a:solidFill>
-                <a:latin typeface="Bitstream Vera Sans Mono" panose="020B0609030804020204" charset="0"/>
-                <a:cs typeface="Bitstream Vera Sans Mono" panose="020B0609030804020204" charset="0"/>
-              </a:rPr>
-              <a:t>infile</a:t>
-            </a:r>
-            <a:r>
-              <a:rPr lang="en-US" sz="1200">
-                <a:latin typeface="Bitstream Vera Sans Mono" panose="020B0609030804020204" charset="0"/>
-                <a:cs typeface="Bitstream Vera Sans Mono" panose="020B0609030804020204" charset="0"/>
-              </a:rPr>
-              <a:t>(X) :- </a:t>
-            </a:r>
-            <a:r>
-              <a:rPr lang="en-US" sz="1200">
-                <a:solidFill>
-                  <a:srgbClr val="7030A0"/>
-                </a:solidFill>
-                <a:latin typeface="Bitstream Vera Sans Mono" panose="020B0609030804020204" charset="0"/>
-                <a:cs typeface="Bitstream Vera Sans Mono" panose="020B0609030804020204" charset="0"/>
-              </a:rPr>
-              <a:t>arg</a:t>
-            </a:r>
-            <a:r>
-              <a:rPr lang="en-US" sz="1200">
-                <a:latin typeface="Bitstream Vera Sans Mono" panose="020B0609030804020204" charset="0"/>
-                <a:cs typeface="Bitstream Vera Sans Mono" panose="020B0609030804020204" charset="0"/>
-              </a:rPr>
-              <a:t>(X).</a:t>
-            </a:r>
-            <a:endParaRPr lang="en-US" sz="1200">
-              <a:latin typeface="Bitstream Vera Sans Mono" panose="020B0609030804020204" charset="0"/>
-              <a:cs typeface="Bitstream Vera Sans Mono" panose="020B0609030804020204" charset="0"/>
-            </a:endParaRPr>
-          </a:p>
-          <a:p>
-            <a:pPr marL="0" indent="0">
-              <a:buNone/>
-            </a:pPr>
-            <a:r>
-              <a:rPr lang="en-US" sz="1200">
-                <a:latin typeface="Bitstream Vera Sans Mono" panose="020B0609030804020204" charset="0"/>
-                <a:cs typeface="Bitstream Vera Sans Mono" panose="020B0609030804020204" charset="0"/>
-              </a:rPr>
-              <a:t>    </a:t>
-            </a:r>
-            <a:r>
-              <a:rPr lang="en-US" sz="1200">
-                <a:solidFill>
-                  <a:srgbClr val="7030A0"/>
-                </a:solidFill>
-                <a:latin typeface="Bitstream Vera Sans Mono" panose="020B0609030804020204" charset="0"/>
-                <a:cs typeface="Bitstream Vera Sans Mono" panose="020B0609030804020204" charset="0"/>
-              </a:rPr>
-              <a:t>graph_parse_result</a:t>
-            </a:r>
-            <a:r>
-              <a:rPr lang="en-US" sz="1200">
-                <a:latin typeface="Bitstream Vera Sans Mono" panose="020B0609030804020204" charset="0"/>
-                <a:cs typeface="Bitstream Vera Sans Mono" panose="020B0609030804020204" charset="0"/>
-              </a:rPr>
-              <a:t>(R) : @</a:t>
-            </a:r>
-            <a:r>
-              <a:rPr lang="en-US" sz="1200">
-                <a:solidFill>
-                  <a:srgbClr val="C00000"/>
-                </a:solidFill>
-                <a:latin typeface="Bitstream Vera Sans Mono" panose="020B0609030804020204" charset="0"/>
-                <a:cs typeface="Bitstream Vera Sans Mono" panose="020B0609030804020204" charset="0"/>
-              </a:rPr>
-              <a:t>xml::parse_graph</a:t>
-            </a:r>
-            <a:r>
-              <a:rPr lang="en-US" sz="1200">
-                <a:latin typeface="Bitstream Vera Sans Mono" panose="020B0609030804020204" charset="0"/>
-                <a:cs typeface="Bitstream Vera Sans Mono" panose="020B0609030804020204" charset="0"/>
-              </a:rPr>
-              <a:t>[X] = R :- </a:t>
-            </a:r>
-            <a:r>
-              <a:rPr lang="en-US" sz="1200">
-                <a:solidFill>
-                  <a:srgbClr val="7030A0"/>
-                </a:solidFill>
-                <a:latin typeface="Bitstream Vera Sans Mono" panose="020B0609030804020204" charset="0"/>
-                <a:cs typeface="Bitstream Vera Sans Mono" panose="020B0609030804020204" charset="0"/>
-              </a:rPr>
-              <a:t>infile</a:t>
-            </a:r>
-            <a:r>
-              <a:rPr lang="en-US" sz="1200">
-                <a:latin typeface="Bitstream Vera Sans Mono" panose="020B0609030804020204" charset="0"/>
-                <a:cs typeface="Bitstream Vera Sans Mono" panose="020B0609030804020204" charset="0"/>
-              </a:rPr>
-              <a:t>(X).</a:t>
-            </a:r>
-            <a:endParaRPr lang="en-US" sz="1200">
-              <a:latin typeface="Bitstream Vera Sans Mono" panose="020B0609030804020204" charset="0"/>
-              <a:cs typeface="Bitstream Vera Sans Mono" panose="020B0609030804020204" charset="0"/>
-            </a:endParaRPr>
-          </a:p>
-          <a:p>
-            <a:pPr marL="0" indent="0">
-              <a:buNone/>
-            </a:pPr>
-            <a:r>
-              <a:rPr lang="en-US" sz="1200">
-                <a:latin typeface="Bitstream Vera Sans Mono" panose="020B0609030804020204" charset="0"/>
-                <a:cs typeface="Bitstream Vera Sans Mono" panose="020B0609030804020204" charset="0"/>
-              </a:rPr>
-              <a:t>    </a:t>
-            </a:r>
-            <a:endParaRPr lang="en-US" sz="1200">
-              <a:latin typeface="Bitstream Vera Sans Mono" panose="020B0609030804020204" charset="0"/>
-              <a:cs typeface="Bitstream Vera Sans Mono" panose="020B0609030804020204" charset="0"/>
-            </a:endParaRPr>
-          </a:p>
-          <a:p>
-            <a:pPr marL="0" indent="0">
-              <a:buNone/>
-            </a:pPr>
-            <a:r>
-              <a:rPr lang="en-US" sz="1200">
-                <a:latin typeface="Bitstream Vera Sans Mono" panose="020B0609030804020204" charset="0"/>
-                <a:cs typeface="Bitstream Vera Sans Mono" panose="020B0609030804020204" charset="0"/>
-              </a:rPr>
-              <a:t>    </a:t>
-            </a:r>
-            <a:r>
-              <a:rPr lang="en-US" sz="1200">
-                <a:solidFill>
-                  <a:srgbClr val="7030A0"/>
-                </a:solidFill>
-                <a:latin typeface="Bitstream Vera Sans Mono" panose="020B0609030804020204" charset="0"/>
-                <a:cs typeface="Bitstream Vera Sans Mono" panose="020B0609030804020204" charset="0"/>
-              </a:rPr>
-              <a:t>graph</a:t>
-            </a:r>
-            <a:r>
-              <a:rPr lang="en-US" sz="1200">
-                <a:latin typeface="Bitstream Vera Sans Mono" panose="020B0609030804020204" charset="0"/>
-                <a:cs typeface="Bitstream Vera Sans Mono" panose="020B0609030804020204" charset="0"/>
-              </a:rPr>
-              <a:t>(G) :- </a:t>
-            </a:r>
-            <a:r>
-              <a:rPr lang="en-US" sz="1200">
-                <a:solidFill>
-                  <a:srgbClr val="7030A0"/>
-                </a:solidFill>
-                <a:latin typeface="Bitstream Vera Sans Mono" panose="020B0609030804020204" charset="0"/>
-                <a:cs typeface="Bitstream Vera Sans Mono" panose="020B0609030804020204" charset="0"/>
-              </a:rPr>
-              <a:t>graph_parse_result</a:t>
-            </a:r>
-            <a:r>
-              <a:rPr lang="en-US" sz="1200">
-                <a:latin typeface="Bitstream Vera Sans Mono" panose="020B0609030804020204" charset="0"/>
-                <a:cs typeface="Bitstream Vera Sans Mono" panose="020B0609030804020204" charset="0"/>
-              </a:rPr>
-              <a:t>(graph(G)).</a:t>
-            </a:r>
-            <a:endParaRPr lang="en-US" sz="1200">
-              <a:latin typeface="Bitstream Vera Sans Mono" panose="020B0609030804020204" charset="0"/>
-              <a:cs typeface="Bitstream Vera Sans Mono" panose="020B0609030804020204" charset="0"/>
-            </a:endParaRPr>
-          </a:p>
-          <a:p>
-            <a:pPr marL="0" indent="0">
-              <a:buNone/>
-            </a:pPr>
-            <a:r>
-              <a:rPr lang="en-US" sz="1200">
-                <a:latin typeface="Bitstream Vera Sans Mono" panose="020B0609030804020204" charset="0"/>
-                <a:cs typeface="Bitstream Vera Sans Mono" panose="020B0609030804020204" charset="0"/>
-              </a:rPr>
-              <a:t>    </a:t>
-            </a:r>
-            <a:r>
-              <a:rPr lang="en-US" sz="1200">
-                <a:solidFill>
-                  <a:srgbClr val="7030A0"/>
-                </a:solidFill>
-                <a:latin typeface="Bitstream Vera Sans Mono" panose="020B0609030804020204" charset="0"/>
-                <a:cs typeface="Bitstream Vera Sans Mono" panose="020B0609030804020204" charset="0"/>
-              </a:rPr>
-              <a:t>parsing_error</a:t>
-            </a:r>
-            <a:r>
-              <a:rPr lang="en-US" sz="1200">
-                <a:latin typeface="Bitstream Vera Sans Mono" panose="020B0609030804020204" charset="0"/>
-                <a:cs typeface="Bitstream Vera Sans Mono" panose="020B0609030804020204" charset="0"/>
-              </a:rPr>
-              <a:t>(MSG) :- </a:t>
-            </a:r>
-            <a:r>
-              <a:rPr lang="en-US" sz="1200">
-                <a:solidFill>
-                  <a:srgbClr val="7030A0"/>
-                </a:solidFill>
-                <a:latin typeface="Bitstream Vera Sans Mono" panose="020B0609030804020204" charset="0"/>
-                <a:cs typeface="Bitstream Vera Sans Mono" panose="020B0609030804020204" charset="0"/>
-              </a:rPr>
-              <a:t>graph_parse_result</a:t>
-            </a:r>
-            <a:r>
-              <a:rPr lang="en-US" sz="1200">
-                <a:latin typeface="Bitstream Vera Sans Mono" panose="020B0609030804020204" charset="0"/>
-                <a:cs typeface="Bitstream Vera Sans Mono" panose="020B0609030804020204" charset="0"/>
-              </a:rPr>
-              <a:t>(err(MSG)).</a:t>
-            </a:r>
-            <a:endParaRPr lang="en-US" sz="1200">
-              <a:latin typeface="Bitstream Vera Sans Mono" panose="020B0609030804020204" charset="0"/>
-              <a:cs typeface="Bitstream Vera Sans Mono" panose="020B0609030804020204" charset="0"/>
-            </a:endParaRPr>
-          </a:p>
-          <a:p>
-            <a:pPr marL="0" indent="0">
-              <a:buNone/>
-            </a:pPr>
-            <a:r>
-              <a:rPr lang="en-US" sz="1200">
-                <a:latin typeface="Bitstream Vera Sans Mono" panose="020B0609030804020204" charset="0"/>
-                <a:cs typeface="Bitstream Vera Sans Mono" panose="020B0609030804020204" charset="0"/>
-              </a:rPr>
-              <a:t>    </a:t>
-            </a:r>
-            <a:endParaRPr lang="en-US" sz="1200">
-              <a:latin typeface="Bitstream Vera Sans Mono" panose="020B0609030804020204" charset="0"/>
-              <a:cs typeface="Bitstream Vera Sans Mono" panose="020B0609030804020204" charset="0"/>
-            </a:endParaRPr>
-          </a:p>
-          <a:p>
-            <a:pPr marL="0" indent="0">
-              <a:buNone/>
-            </a:pPr>
-            <a:r>
-              <a:rPr lang="en-US" sz="1200">
-                <a:latin typeface="Bitstream Vera Sans Mono" panose="020B0609030804020204" charset="0"/>
-                <a:cs typeface="Bitstream Vera Sans Mono" panose="020B0609030804020204" charset="0"/>
-              </a:rPr>
-              <a:t>    </a:t>
-            </a:r>
-            <a:r>
-              <a:rPr lang="en-US" sz="1200">
-                <a:solidFill>
-                  <a:srgbClr val="7030A0"/>
-                </a:solidFill>
-                <a:latin typeface="Bitstream Vera Sans Mono" panose="020B0609030804020204" charset="0"/>
-                <a:cs typeface="Bitstream Vera Sans Mono" panose="020B0609030804020204" charset="0"/>
-              </a:rPr>
-              <a:t>graph_coloring</a:t>
-            </a:r>
-            <a:r>
-              <a:rPr lang="en-US" sz="1200">
-                <a:latin typeface="Bitstream Vera Sans Mono" panose="020B0609030804020204" charset="0"/>
-                <a:cs typeface="Bitstream Vera Sans Mono" panose="020B0609030804020204" charset="0"/>
-              </a:rPr>
-              <a:t>(G, COL) :- </a:t>
-            </a:r>
-            <a:r>
-              <a:rPr lang="en-US" sz="1200">
-                <a:solidFill>
-                  <a:srgbClr val="7030A0"/>
-                </a:solidFill>
-                <a:latin typeface="Bitstream Vera Sans Mono" panose="020B0609030804020204" charset="0"/>
-                <a:cs typeface="Bitstream Vera Sans Mono" panose="020B0609030804020204" charset="0"/>
-              </a:rPr>
-              <a:t>graph</a:t>
-            </a:r>
-            <a:r>
-              <a:rPr lang="en-US" sz="1200">
-                <a:latin typeface="Bitstream Vera Sans Mono" panose="020B0609030804020204" charset="0"/>
-                <a:cs typeface="Bitstream Vera Sans Mono" panose="020B0609030804020204" charset="0"/>
-              </a:rPr>
-              <a:t>(G), {</a:t>
-            </a:r>
-            <a:r>
-              <a:rPr lang="en-US" sz="1200">
-                <a:solidFill>
-                  <a:schemeClr val="accent2">
-                    <a:lumMod val="75000"/>
-                  </a:schemeClr>
-                </a:solidFill>
-                <a:latin typeface="Bitstream Vera Sans Mono" panose="020B0609030804020204" charset="0"/>
-                <a:cs typeface="Bitstream Vera Sans Mono" panose="020B0609030804020204" charset="0"/>
-              </a:rPr>
-              <a:t>all</a:t>
-            </a:r>
-            <a:r>
-              <a:rPr lang="en-US" sz="1200">
-                <a:latin typeface="Bitstream Vera Sans Mono" panose="020B0609030804020204" charset="0"/>
-                <a:cs typeface="Bitstream Vera Sans Mono" panose="020B0609030804020204" charset="0"/>
-              </a:rPr>
-              <a:t>}@</a:t>
-            </a:r>
-            <a:r>
-              <a:rPr lang="en-US" sz="1200">
-                <a:solidFill>
-                  <a:srgbClr val="C00000"/>
-                </a:solidFill>
-                <a:latin typeface="Bitstream Vera Sans Mono" panose="020B0609030804020204" charset="0"/>
-                <a:cs typeface="Bitstream Vera Sans Mono" panose="020B0609030804020204" charset="0"/>
-              </a:rPr>
-              <a:t>3col</a:t>
-            </a:r>
-            <a:r>
-              <a:rPr lang="en-US" sz="1200">
-                <a:latin typeface="Bitstream Vera Sans Mono" panose="020B0609030804020204" charset="0"/>
-                <a:cs typeface="Bitstream Vera Sans Mono" panose="020B0609030804020204" charset="0"/>
-              </a:rPr>
-              <a:t>[G](COL).</a:t>
-            </a:r>
-            <a:endParaRPr lang="en-US" sz="1200">
-              <a:latin typeface="Bitstream Vera Sans Mono" panose="020B0609030804020204" charset="0"/>
-              <a:cs typeface="Bitstream Vera Sans Mono" panose="020B0609030804020204" charset="0"/>
-            </a:endParaRPr>
-          </a:p>
-          <a:p>
-            <a:pPr marL="0" indent="0">
-              <a:buNone/>
-            </a:pPr>
-            <a:r>
-              <a:rPr lang="en-US" sz="1200">
-                <a:latin typeface="Bitstream Vera Sans Mono" panose="020B0609030804020204" charset="0"/>
-                <a:cs typeface="Bitstream Vera Sans Mono" panose="020B0609030804020204" charset="0"/>
-              </a:rPr>
-              <a:t>    </a:t>
-            </a:r>
-            <a:r>
-              <a:rPr lang="en-US" sz="1200">
-                <a:solidFill>
-                  <a:srgbClr val="7030A0"/>
-                </a:solidFill>
-                <a:latin typeface="Bitstream Vera Sans Mono" panose="020B0609030804020204" charset="0"/>
-                <a:cs typeface="Bitstream Vera Sans Mono" panose="020B0609030804020204" charset="0"/>
-              </a:rPr>
-              <a:t>write_result</a:t>
-            </a:r>
-            <a:r>
-              <a:rPr lang="en-US" sz="1200">
-                <a:latin typeface="Bitstream Vera Sans Mono" panose="020B0609030804020204" charset="0"/>
-                <a:cs typeface="Bitstream Vera Sans Mono" panose="020B0609030804020204" charset="0"/>
-              </a:rPr>
-              <a:t>(R) : @</a:t>
-            </a:r>
-            <a:r>
-              <a:rPr lang="en-US" sz="1200">
-                <a:solidFill>
-                  <a:srgbClr val="C00000"/>
-                </a:solidFill>
-                <a:latin typeface="Bitstream Vera Sans Mono" panose="020B0609030804020204" charset="0"/>
-                <a:cs typeface="Bitstream Vera Sans Mono" panose="020B0609030804020204" charset="0"/>
-              </a:rPr>
-              <a:t>io::write_list</a:t>
-            </a:r>
-            <a:r>
-              <a:rPr lang="en-US" sz="1200">
-                <a:latin typeface="Bitstream Vera Sans Mono" panose="020B0609030804020204" charset="0"/>
-                <a:cs typeface="Bitstream Vera Sans Mono" panose="020B0609030804020204" charset="0"/>
-              </a:rPr>
-              <a:t>[OUT, COL] = R :- </a:t>
-            </a:r>
-            <a:endParaRPr lang="en-US" sz="1200">
-              <a:latin typeface="Bitstream Vera Sans Mono" panose="020B0609030804020204" charset="0"/>
-              <a:cs typeface="Bitstream Vera Sans Mono" panose="020B0609030804020204" charset="0"/>
-            </a:endParaRPr>
-          </a:p>
-          <a:p>
-            <a:pPr marL="0" indent="0">
-              <a:buNone/>
-            </a:pPr>
-            <a:r>
-              <a:rPr lang="en-US" sz="1200">
-                <a:latin typeface="Bitstream Vera Sans Mono" panose="020B0609030804020204" charset="0"/>
-                <a:cs typeface="Bitstream Vera Sans Mono" panose="020B0609030804020204" charset="0"/>
-              </a:rPr>
-              <a:t>        OUT = "col-" + IDX, </a:t>
-            </a:r>
-            <a:r>
-              <a:rPr lang="en-US" sz="1200">
-                <a:solidFill>
-                  <a:srgbClr val="7030A0"/>
-                </a:solidFill>
-                <a:latin typeface="Bitstream Vera Sans Mono" panose="020B0609030804020204" charset="0"/>
-                <a:cs typeface="Bitstream Vera Sans Mono" panose="020B0609030804020204" charset="0"/>
-              </a:rPr>
-              <a:t>graph_coloring</a:t>
-            </a:r>
-            <a:r>
-              <a:rPr lang="en-US" sz="1200">
-                <a:latin typeface="Bitstream Vera Sans Mono" panose="020B0609030804020204" charset="0"/>
-                <a:cs typeface="Bitstream Vera Sans Mono" panose="020B0609030804020204" charset="0"/>
-              </a:rPr>
-              <a:t>(G, </a:t>
-            </a:r>
-            <a:r>
-              <a:rPr lang="en-US" sz="1200">
-                <a:solidFill>
-                  <a:srgbClr val="00B050"/>
-                </a:solidFill>
-                <a:latin typeface="Bitstream Vera Sans Mono" panose="020B0609030804020204" charset="0"/>
-                <a:cs typeface="Bitstream Vera Sans Mono" panose="020B0609030804020204" charset="0"/>
-              </a:rPr>
-              <a:t>coloring</a:t>
-            </a:r>
-            <a:r>
-              <a:rPr lang="en-US" sz="1200">
-                <a:latin typeface="Bitstream Vera Sans Mono" panose="020B0609030804020204" charset="0"/>
-                <a:cs typeface="Bitstream Vera Sans Mono" panose="020B0609030804020204" charset="0"/>
-              </a:rPr>
-              <a:t>(IDX, COL)).</a:t>
-            </a:r>
-            <a:endParaRPr lang="en-US" sz="1200">
-              <a:latin typeface="Bitstream Vera Sans Mono" panose="020B0609030804020204" charset="0"/>
-              <a:cs typeface="Bitstream Vera Sans Mono" panose="020B0609030804020204" charset="0"/>
-            </a:endParaRPr>
-          </a:p>
-          <a:p>
-            <a:pPr marL="0" indent="0">
-              <a:buNone/>
-            </a:pPr>
-            <a:r>
-              <a:rPr lang="en-US" sz="1200">
-                <a:latin typeface="Bitstream Vera Sans Mono" panose="020B0609030804020204" charset="0"/>
-                <a:cs typeface="Bitstream Vera Sans Mono" panose="020B0609030804020204" charset="0"/>
-              </a:rPr>
-              <a:t>}</a:t>
-            </a:r>
-            <a:endParaRPr lang="en-US" sz="1200">
-              <a:latin typeface="Bitstream Vera Sans Mono" panose="020B0609030804020204" charset="0"/>
-              <a:cs typeface="Bitstream Vera Sans Mono" panose="020B0609030804020204" charset="0"/>
-            </a:endParaRPr>
-          </a:p>
-          <a:p>
-            <a:pPr marL="0" indent="0">
-              <a:buNone/>
-            </a:pPr>
-            <a:endParaRPr lang="en-US" sz="1200">
-              <a:latin typeface="Bitstream Vera Sans Mono" panose="020B0609030804020204" charset="0"/>
-              <a:cs typeface="Bitstream Vera Sans Mono" panose="020B0609030804020204" charset="0"/>
-            </a:endParaRPr>
-          </a:p>
-          <a:p>
-            <a:pPr marL="0" indent="0">
-              <a:buNone/>
-            </a:pPr>
-            <a:r>
-              <a:rPr lang="en-US" sz="1200">
-                <a:solidFill>
-                  <a:schemeClr val="accent2">
-                    <a:lumMod val="75000"/>
-                  </a:schemeClr>
-                </a:solidFill>
-                <a:latin typeface="Bitstream Vera Sans Mono" panose="020B0609030804020204" charset="0"/>
-                <a:cs typeface="Bitstream Vera Sans Mono" panose="020B0609030804020204" charset="0"/>
-              </a:rPr>
-              <a:t>predicate</a:t>
-            </a:r>
-            <a:r>
-              <a:rPr lang="en-US" sz="1200">
-                <a:latin typeface="Bitstream Vera Sans Mono" panose="020B0609030804020204" charset="0"/>
-                <a:cs typeface="Bitstream Vera Sans Mono" panose="020B0609030804020204" charset="0"/>
-              </a:rPr>
-              <a:t> 3col(</a:t>
-            </a:r>
-            <a:r>
-              <a:rPr lang="en-US" sz="1200">
-                <a:solidFill>
-                  <a:schemeClr val="accent2">
-                    <a:lumMod val="75000"/>
-                  </a:schemeClr>
-                </a:solidFill>
-                <a:latin typeface="Bitstream Vera Sans Mono" panose="020B0609030804020204" charset="0"/>
-                <a:cs typeface="Bitstream Vera Sans Mono" panose="020B0609030804020204" charset="0"/>
-              </a:rPr>
-              <a:t>in</a:t>
-            </a:r>
-            <a:r>
-              <a:rPr lang="de-DE" altLang="en-US" sz="1200">
-                <a:latin typeface="Bitstream Vera Sans Mono" panose="020B0609030804020204" charset="0"/>
-                <a:cs typeface="Bitstream Vera Sans Mono" panose="020B0609030804020204" charset="0"/>
-              </a:rPr>
-              <a:t>:</a:t>
-            </a:r>
-            <a:r>
-              <a:rPr lang="de-DE" altLang="en-US" sz="1200">
-                <a:latin typeface="Calibri" panose="020F0502020204030204" charset="0"/>
-                <a:cs typeface="Bitstream Vera Sans Mono" panose="020B0609030804020204" charset="0"/>
-              </a:rPr>
-              <a:t> </a:t>
-            </a:r>
-            <a:r>
-              <a:rPr lang="en-US" sz="1200">
-                <a:latin typeface="Bitstream Vera Sans Mono" panose="020B0609030804020204" charset="0"/>
-                <a:cs typeface="Bitstream Vera Sans Mono" panose="020B0609030804020204" charset="0"/>
-              </a:rPr>
-              <a:t>graph/1, </a:t>
-            </a:r>
-            <a:r>
-              <a:rPr lang="en-US" sz="1200">
-                <a:solidFill>
-                  <a:schemeClr val="accent2">
-                    <a:lumMod val="75000"/>
-                  </a:schemeClr>
-                </a:solidFill>
-                <a:latin typeface="Bitstream Vera Sans Mono" panose="020B0609030804020204" charset="0"/>
-                <a:cs typeface="Bitstream Vera Sans Mono" panose="020B0609030804020204" charset="0"/>
-              </a:rPr>
-              <a:t>out</a:t>
-            </a:r>
-            <a:r>
-              <a:rPr lang="en-US" sz="1200">
-                <a:latin typeface="Bitstream Vera Sans Mono" panose="020B0609030804020204" charset="0"/>
-                <a:cs typeface="Bitstream Vera Sans Mono" panose="020B0609030804020204" charset="0"/>
-              </a:rPr>
-              <a:t>: coloring/1) {</a:t>
-            </a:r>
-            <a:endParaRPr lang="en-US" sz="1200">
-              <a:latin typeface="Bitstream Vera Sans Mono" panose="020B0609030804020204" charset="0"/>
-              <a:cs typeface="Bitstream Vera Sans Mono" panose="020B0609030804020204" charset="0"/>
-            </a:endParaRPr>
-          </a:p>
-          <a:p>
-            <a:pPr marL="0" indent="0">
-              <a:buNone/>
-            </a:pPr>
-            <a:r>
-              <a:rPr lang="en-US" sz="1200">
-                <a:latin typeface="Bitstream Vera Sans Mono" panose="020B0609030804020204" charset="0"/>
-                <a:cs typeface="Bitstream Vera Sans Mono" panose="020B0609030804020204" charset="0"/>
-              </a:rPr>
-              <a:t>    </a:t>
-            </a:r>
-            <a:r>
-              <a:rPr lang="en-US" sz="1200">
-                <a:solidFill>
-                  <a:srgbClr val="7030A0"/>
-                </a:solidFill>
-                <a:latin typeface="Bitstream Vera Sans Mono" panose="020B0609030804020204" charset="0"/>
-                <a:cs typeface="Bitstream Vera Sans Mono" panose="020B0609030804020204" charset="0"/>
-              </a:rPr>
-              <a:t>node</a:t>
-            </a:r>
-            <a:r>
-              <a:rPr lang="en-US" sz="1200">
-                <a:latin typeface="Bitstream Vera Sans Mono" panose="020B0609030804020204" charset="0"/>
-                <a:cs typeface="Bitstream Vera Sans Mono" panose="020B0609030804020204" charset="0"/>
-              </a:rPr>
-              <a:t>(N) :- [ </a:t>
-            </a:r>
-            <a:r>
-              <a:rPr lang="en-US" sz="1200">
-                <a:solidFill>
-                  <a:srgbClr val="00B050"/>
-                </a:solidFill>
-                <a:latin typeface="Bitstream Vera Sans Mono" panose="020B0609030804020204" charset="0"/>
-                <a:cs typeface="Bitstream Vera Sans Mono" panose="020B0609030804020204" charset="0"/>
-              </a:rPr>
-              <a:t>node</a:t>
-            </a:r>
-            <a:r>
-              <a:rPr lang="en-US" sz="1200">
-                <a:latin typeface="Bitstream Vera Sans Mono" panose="020B0609030804020204" charset="0"/>
-                <a:cs typeface="Bitstream Vera Sans Mono" panose="020B0609030804020204" charset="0"/>
-              </a:rPr>
-              <a:t>(N) </a:t>
-            </a:r>
-            <a:r>
-              <a:rPr lang="en-US" sz="1200">
-                <a:solidFill>
-                  <a:schemeClr val="accent2">
-                    <a:lumMod val="75000"/>
-                  </a:schemeClr>
-                </a:solidFill>
-                <a:latin typeface="Bitstream Vera Sans Mono" panose="020B0609030804020204" charset="0"/>
-                <a:cs typeface="Bitstream Vera Sans Mono" panose="020B0609030804020204" charset="0"/>
-              </a:rPr>
-              <a:t>in</a:t>
-            </a:r>
-            <a:r>
-              <a:rPr lang="en-US" sz="1200">
-                <a:latin typeface="Bitstream Vera Sans Mono" panose="020B0609030804020204" charset="0"/>
-                <a:cs typeface="Bitstream Vera Sans Mono" panose="020B0609030804020204" charset="0"/>
-              </a:rPr>
-              <a:t> G : </a:t>
-            </a:r>
-            <a:r>
-              <a:rPr lang="en-US" sz="1200">
-                <a:solidFill>
-                  <a:srgbClr val="7030A0"/>
-                </a:solidFill>
-                <a:latin typeface="Bitstream Vera Sans Mono" panose="020B0609030804020204" charset="0"/>
-                <a:cs typeface="Bitstream Vera Sans Mono" panose="020B0609030804020204" charset="0"/>
-              </a:rPr>
-              <a:t>graph</a:t>
-            </a:r>
-            <a:r>
-              <a:rPr lang="en-US" sz="1200">
-                <a:latin typeface="Bitstream Vera Sans Mono" panose="020B0609030804020204" charset="0"/>
-                <a:cs typeface="Bitstream Vera Sans Mono" panose="020B0609030804020204" charset="0"/>
-              </a:rPr>
-              <a:t>(G) ]. </a:t>
-            </a:r>
-            <a:endParaRPr lang="en-US" sz="1200">
-              <a:latin typeface="Bitstream Vera Sans Mono" panose="020B0609030804020204" charset="0"/>
-              <a:cs typeface="Bitstream Vera Sans Mono" panose="020B0609030804020204" charset="0"/>
-            </a:endParaRPr>
-          </a:p>
-          <a:p>
-            <a:pPr marL="0" indent="0">
-              <a:buNone/>
-            </a:pPr>
-            <a:r>
-              <a:rPr lang="en-US" sz="1200">
-                <a:latin typeface="Bitstream Vera Sans Mono" panose="020B0609030804020204" charset="0"/>
-                <a:cs typeface="Bitstream Vera Sans Mono" panose="020B0609030804020204" charset="0"/>
-              </a:rPr>
-              <a:t>    </a:t>
-            </a:r>
-            <a:r>
-              <a:rPr lang="en-US" sz="1200">
-                <a:solidFill>
-                  <a:srgbClr val="7030A0"/>
-                </a:solidFill>
-                <a:latin typeface="Bitstream Vera Sans Mono" panose="020B0609030804020204" charset="0"/>
-                <a:cs typeface="Bitstream Vera Sans Mono" panose="020B0609030804020204" charset="0"/>
-              </a:rPr>
-              <a:t>edge</a:t>
-            </a:r>
-            <a:r>
-              <a:rPr lang="en-US" sz="1200">
-                <a:latin typeface="Bitstream Vera Sans Mono" panose="020B0609030804020204" charset="0"/>
-                <a:cs typeface="Bitstream Vera Sans Mono" panose="020B0609030804020204" charset="0"/>
-              </a:rPr>
-              <a:t>(N1, N2) :- [ </a:t>
-            </a:r>
-            <a:r>
-              <a:rPr lang="en-US" sz="1200">
-                <a:solidFill>
-                  <a:srgbClr val="00B050"/>
-                </a:solidFill>
-                <a:latin typeface="Bitstream Vera Sans Mono" panose="020B0609030804020204" charset="0"/>
-                <a:cs typeface="Bitstream Vera Sans Mono" panose="020B0609030804020204" charset="0"/>
-              </a:rPr>
-              <a:t>edge</a:t>
-            </a:r>
-            <a:r>
-              <a:rPr lang="en-US" sz="1200">
-                <a:latin typeface="Bitstream Vera Sans Mono" panose="020B0609030804020204" charset="0"/>
-                <a:cs typeface="Bitstream Vera Sans Mono" panose="020B0609030804020204" charset="0"/>
-              </a:rPr>
-              <a:t>(N1, N2) </a:t>
-            </a:r>
-            <a:r>
-              <a:rPr lang="en-US" sz="1200">
-                <a:solidFill>
-                  <a:schemeClr val="accent2">
-                    <a:lumMod val="75000"/>
-                  </a:schemeClr>
-                </a:solidFill>
-                <a:latin typeface="Bitstream Vera Sans Mono" panose="020B0609030804020204" charset="0"/>
-                <a:cs typeface="Bitstream Vera Sans Mono" panose="020B0609030804020204" charset="0"/>
-              </a:rPr>
-              <a:t>in</a:t>
-            </a:r>
-            <a:r>
-              <a:rPr lang="en-US" sz="1200">
-                <a:latin typeface="Bitstream Vera Sans Mono" panose="020B0609030804020204" charset="0"/>
-                <a:cs typeface="Bitstream Vera Sans Mono" panose="020B0609030804020204" charset="0"/>
-              </a:rPr>
-              <a:t> G : </a:t>
-            </a:r>
-            <a:r>
-              <a:rPr lang="en-US" sz="1200">
-                <a:solidFill>
-                  <a:srgbClr val="7030A0"/>
-                </a:solidFill>
-                <a:latin typeface="Bitstream Vera Sans Mono" panose="020B0609030804020204" charset="0"/>
-                <a:cs typeface="Bitstream Vera Sans Mono" panose="020B0609030804020204" charset="0"/>
-              </a:rPr>
-              <a:t>graph</a:t>
-            </a:r>
-            <a:r>
-              <a:rPr lang="en-US" sz="1200">
-                <a:latin typeface="Bitstream Vera Sans Mono" panose="020B0609030804020204" charset="0"/>
-                <a:cs typeface="Bitstream Vera Sans Mono" panose="020B0609030804020204" charset="0"/>
-              </a:rPr>
-              <a:t>(G) ].</a:t>
-            </a:r>
-            <a:endParaRPr lang="en-US" sz="1200">
-              <a:latin typeface="Bitstream Vera Sans Mono" panose="020B0609030804020204" charset="0"/>
-              <a:cs typeface="Bitstream Vera Sans Mono" panose="020B0609030804020204" charset="0"/>
-            </a:endParaRPr>
-          </a:p>
-          <a:p>
-            <a:pPr marL="0" indent="0">
-              <a:buNone/>
-            </a:pPr>
-            <a:r>
-              <a:rPr lang="en-US" sz="1200">
-                <a:latin typeface="Bitstream Vera Sans Mono" panose="020B0609030804020204" charset="0"/>
-                <a:cs typeface="Bitstream Vera Sans Mono" panose="020B0609030804020204" charset="0"/>
-              </a:rPr>
-              <a:t>    </a:t>
-            </a:r>
-            <a:endParaRPr lang="en-US" sz="1200">
-              <a:latin typeface="Bitstream Vera Sans Mono" panose="020B0609030804020204" charset="0"/>
-              <a:cs typeface="Bitstream Vera Sans Mono" panose="020B0609030804020204" charset="0"/>
-            </a:endParaRPr>
-          </a:p>
-          <a:p>
-            <a:pPr marL="0" indent="0">
-              <a:buNone/>
-            </a:pPr>
-            <a:r>
-              <a:rPr lang="en-US" sz="1200">
-                <a:latin typeface="Bitstream Vera Sans Mono" panose="020B0609030804020204" charset="0"/>
-                <a:cs typeface="Bitstream Vera Sans Mono" panose="020B0609030804020204" charset="0"/>
-              </a:rPr>
-              <a:t>    1 {</a:t>
-            </a:r>
-            <a:r>
-              <a:rPr lang="en-US" sz="1200">
-                <a:solidFill>
-                  <a:srgbClr val="7030A0"/>
-                </a:solidFill>
-                <a:latin typeface="Bitstream Vera Sans Mono" panose="020B0609030804020204" charset="0"/>
-                <a:cs typeface="Bitstream Vera Sans Mono" panose="020B0609030804020204" charset="0"/>
-              </a:rPr>
-              <a:t>col</a:t>
-            </a:r>
-            <a:r>
-              <a:rPr lang="en-US" sz="1200">
-                <a:latin typeface="Bitstream Vera Sans Mono" panose="020B0609030804020204" charset="0"/>
-                <a:cs typeface="Bitstream Vera Sans Mono" panose="020B0609030804020204" charset="0"/>
-              </a:rPr>
-              <a:t>(N, red); </a:t>
-            </a:r>
-            <a:r>
-              <a:rPr lang="en-US" sz="1200">
-                <a:solidFill>
-                  <a:srgbClr val="7030A0"/>
-                </a:solidFill>
-                <a:latin typeface="Bitstream Vera Sans Mono" panose="020B0609030804020204" charset="0"/>
-                <a:cs typeface="Bitstream Vera Sans Mono" panose="020B0609030804020204" charset="0"/>
-              </a:rPr>
-              <a:t>col</a:t>
-            </a:r>
-            <a:r>
-              <a:rPr lang="en-US" sz="1200">
-                <a:latin typeface="Bitstream Vera Sans Mono" panose="020B0609030804020204" charset="0"/>
-                <a:cs typeface="Bitstream Vera Sans Mono" panose="020B0609030804020204" charset="0"/>
-              </a:rPr>
-              <a:t>(N, blue); </a:t>
-            </a:r>
-            <a:r>
-              <a:rPr lang="en-US" sz="1200">
-                <a:solidFill>
-                  <a:srgbClr val="7030A0"/>
-                </a:solidFill>
-                <a:latin typeface="Bitstream Vera Sans Mono" panose="020B0609030804020204" charset="0"/>
-                <a:cs typeface="Bitstream Vera Sans Mono" panose="020B0609030804020204" charset="0"/>
-              </a:rPr>
-              <a:t>col</a:t>
-            </a:r>
-            <a:r>
-              <a:rPr lang="en-US" sz="1200">
-                <a:latin typeface="Bitstream Vera Sans Mono" panose="020B0609030804020204" charset="0"/>
-                <a:cs typeface="Bitstream Vera Sans Mono" panose="020B0609030804020204" charset="0"/>
-              </a:rPr>
-              <a:t>(N, green)} 1 :- </a:t>
-            </a:r>
-            <a:r>
-              <a:rPr lang="en-US" sz="1200">
-                <a:solidFill>
-                  <a:srgbClr val="7030A0"/>
-                </a:solidFill>
-                <a:latin typeface="Bitstream Vera Sans Mono" panose="020B0609030804020204" charset="0"/>
-                <a:cs typeface="Bitstream Vera Sans Mono" panose="020B0609030804020204" charset="0"/>
-              </a:rPr>
-              <a:t>node</a:t>
-            </a:r>
-            <a:r>
-              <a:rPr lang="en-US" sz="1200">
-                <a:latin typeface="Bitstream Vera Sans Mono" panose="020B0609030804020204" charset="0"/>
-                <a:cs typeface="Bitstream Vera Sans Mono" panose="020B0609030804020204" charset="0"/>
-              </a:rPr>
-              <a:t>(N).</a:t>
-            </a:r>
-            <a:endParaRPr lang="en-US" sz="1200">
-              <a:latin typeface="Bitstream Vera Sans Mono" panose="020B0609030804020204" charset="0"/>
-              <a:cs typeface="Bitstream Vera Sans Mono" panose="020B0609030804020204" charset="0"/>
-            </a:endParaRPr>
-          </a:p>
-          <a:p>
-            <a:pPr marL="0" indent="0">
-              <a:buNone/>
-            </a:pPr>
-            <a:r>
-              <a:rPr lang="en-US" sz="1200">
-                <a:latin typeface="Bitstream Vera Sans Mono" panose="020B0609030804020204" charset="0"/>
-                <a:cs typeface="Bitstream Vera Sans Mono" panose="020B0609030804020204" charset="0"/>
-              </a:rPr>
-              <a:t>    :- </a:t>
-            </a:r>
-            <a:r>
-              <a:rPr lang="en-US" sz="1200">
-                <a:solidFill>
-                  <a:srgbClr val="7030A0"/>
-                </a:solidFill>
-                <a:latin typeface="Bitstream Vera Sans Mono" panose="020B0609030804020204" charset="0"/>
-                <a:cs typeface="Bitstream Vera Sans Mono" panose="020B0609030804020204" charset="0"/>
-              </a:rPr>
-              <a:t>col</a:t>
-            </a:r>
-            <a:r>
-              <a:rPr lang="en-US" sz="1200">
-                <a:latin typeface="Bitstream Vera Sans Mono" panose="020B0609030804020204" charset="0"/>
-                <a:cs typeface="Bitstream Vera Sans Mono" panose="020B0609030804020204" charset="0"/>
-              </a:rPr>
-              <a:t>(N1, C), </a:t>
-            </a:r>
-            <a:r>
-              <a:rPr lang="en-US" sz="1200">
-                <a:solidFill>
-                  <a:srgbClr val="7030A0"/>
-                </a:solidFill>
-                <a:latin typeface="Bitstream Vera Sans Mono" panose="020B0609030804020204" charset="0"/>
-                <a:cs typeface="Bitstream Vera Sans Mono" panose="020B0609030804020204" charset="0"/>
-              </a:rPr>
-              <a:t>col</a:t>
-            </a:r>
-            <a:r>
-              <a:rPr lang="en-US" sz="1200">
-                <a:latin typeface="Bitstream Vera Sans Mono" panose="020B0609030804020204" charset="0"/>
-                <a:cs typeface="Bitstream Vera Sans Mono" panose="020B0609030804020204" charset="0"/>
-              </a:rPr>
-              <a:t>(N2, C), </a:t>
-            </a:r>
-            <a:r>
-              <a:rPr lang="en-US" sz="1200">
-                <a:solidFill>
-                  <a:srgbClr val="7030A0"/>
-                </a:solidFill>
-                <a:latin typeface="Bitstream Vera Sans Mono" panose="020B0609030804020204" charset="0"/>
-                <a:cs typeface="Bitstream Vera Sans Mono" panose="020B0609030804020204" charset="0"/>
-              </a:rPr>
-              <a:t>edge</a:t>
-            </a:r>
-            <a:r>
-              <a:rPr lang="en-US" sz="1200">
-                <a:latin typeface="Bitstream Vera Sans Mono" panose="020B0609030804020204" charset="0"/>
-                <a:cs typeface="Bitstream Vera Sans Mono" panose="020B0609030804020204" charset="0"/>
-              </a:rPr>
-              <a:t>(N1, N2).</a:t>
-            </a:r>
-            <a:endParaRPr lang="en-US" sz="1200">
-              <a:latin typeface="Bitstream Vera Sans Mono" panose="020B0609030804020204" charset="0"/>
-              <a:cs typeface="Bitstream Vera Sans Mono" panose="020B0609030804020204" charset="0"/>
-            </a:endParaRPr>
-          </a:p>
-          <a:p>
-            <a:pPr marL="0" indent="0">
-              <a:buNone/>
-            </a:pPr>
-            <a:r>
-              <a:rPr lang="en-US" sz="1200">
-                <a:latin typeface="Bitstream Vera Sans Mono" panose="020B0609030804020204" charset="0"/>
-                <a:cs typeface="Bitstream Vera Sans Mono" panose="020B0609030804020204" charset="0"/>
-              </a:rPr>
-              <a:t>    </a:t>
-            </a:r>
-            <a:endParaRPr lang="en-US" sz="1200">
-              <a:latin typeface="Bitstream Vera Sans Mono" panose="020B0609030804020204" charset="0"/>
-              <a:cs typeface="Bitstream Vera Sans Mono" panose="020B0609030804020204" charset="0"/>
-            </a:endParaRPr>
-          </a:p>
-          <a:p>
-            <a:pPr marL="0" indent="0">
-              <a:buNone/>
-            </a:pPr>
-            <a:r>
-              <a:rPr lang="en-US" sz="1200">
-                <a:latin typeface="Bitstream Vera Sans Mono" panose="020B0609030804020204" charset="0"/>
-                <a:cs typeface="Bitstream Vera Sans Mono" panose="020B0609030804020204" charset="0"/>
-              </a:rPr>
-              <a:t>    </a:t>
-            </a:r>
-            <a:r>
-              <a:rPr lang="en-US" sz="1200">
-                <a:solidFill>
-                  <a:srgbClr val="7030A0"/>
-                </a:solidFill>
-                <a:latin typeface="Bitstream Vera Sans Mono" panose="020B0609030804020204" charset="0"/>
-                <a:cs typeface="Bitstream Vera Sans Mono" panose="020B0609030804020204" charset="0"/>
-              </a:rPr>
-              <a:t>coloring</a:t>
-            </a:r>
-            <a:r>
-              <a:rPr lang="en-US" sz="1200">
-                <a:latin typeface="Bitstream Vera Sans Mono" panose="020B0609030804020204" charset="0"/>
-                <a:cs typeface="Bitstream Vera Sans Mono" panose="020B0609030804020204" charset="0"/>
-              </a:rPr>
-              <a:t>(COL) :- COL = #</a:t>
-            </a:r>
-            <a:r>
-              <a:rPr lang="en-US" sz="1200">
-                <a:solidFill>
-                  <a:srgbClr val="C00000"/>
-                </a:solidFill>
-                <a:latin typeface="Bitstream Vera Sans Mono" panose="020B0609030804020204" charset="0"/>
-                <a:cs typeface="Bitstream Vera Sans Mono" panose="020B0609030804020204" charset="0"/>
-              </a:rPr>
-              <a:t>list-collect</a:t>
-            </a:r>
-            <a:r>
-              <a:rPr lang="en-US" sz="1200">
-                <a:latin typeface="Bitstream Vera Sans Mono" panose="020B0609030804020204" charset="0"/>
-                <a:cs typeface="Bitstream Vera Sans Mono" panose="020B0609030804020204" charset="0"/>
-              </a:rPr>
-              <a:t>{ </a:t>
-            </a:r>
-            <a:r>
-              <a:rPr lang="en-US" sz="1200">
-                <a:solidFill>
-                  <a:srgbClr val="00B050"/>
-                </a:solidFill>
-                <a:latin typeface="Bitstream Vera Sans Mono" panose="020B0609030804020204" charset="0"/>
-                <a:cs typeface="Bitstream Vera Sans Mono" panose="020B0609030804020204" charset="0"/>
-              </a:rPr>
-              <a:t>node_colored</a:t>
-            </a:r>
-            <a:r>
-              <a:rPr lang="en-US" sz="1200">
-                <a:latin typeface="Bitstream Vera Sans Mono" panose="020B0609030804020204" charset="0"/>
-                <a:cs typeface="Bitstream Vera Sans Mono" panose="020B0609030804020204" charset="0"/>
-              </a:rPr>
-              <a:t>(N, C) : col(N, C) }.   </a:t>
-            </a:r>
-            <a:endParaRPr lang="en-US" sz="1200">
-              <a:latin typeface="Bitstream Vera Sans Mono" panose="020B0609030804020204" charset="0"/>
-              <a:cs typeface="Bitstream Vera Sans Mono" panose="020B0609030804020204" charset="0"/>
-            </a:endParaRPr>
-          </a:p>
-          <a:p>
-            <a:pPr marL="0" indent="0">
-              <a:buNone/>
-            </a:pPr>
-            <a:r>
-              <a:rPr lang="en-US" sz="1200">
-                <a:latin typeface="Bitstream Vera Sans Mono" panose="020B0609030804020204" charset="0"/>
-                <a:cs typeface="Bitstream Vera Sans Mono" panose="020B0609030804020204" charset="0"/>
-              </a:rPr>
-              <a:t>}</a:t>
-            </a:r>
-            <a:endParaRPr lang="en-US" sz="1200">
+            <a:endParaRPr lang="de-DE" altLang="en-US" sz="1000">
               <a:latin typeface="Bitstream Vera Sans Mono" panose="020B0609030804020204" charset="0"/>
               <a:cs typeface="Bitstream Vera Sans Mono" panose="020B0609030804020204" charset="0"/>
             </a:endParaRPr>
@@ -5420,7 +5801,7 @@
       <p:grpSpPr/>
       <p:sp>
         <p:nvSpPr>
-          <p:cNvPr id="4" name="Title 3"/>
+          <p:cNvPr id="2" name="Title 1"/>
           <p:cNvSpPr>
             <a:spLocks noGrp="1"/>
           </p:cNvSpPr>
@@ -5436,7 +5817,7 @@
               <a:rPr lang="de-DE" altLang="en-US">
                 <a:latin typeface="Calibri" panose="020F0502020204030204" charset="0"/>
               </a:rPr>
-              <a:t>A Lofty Vision</a:t>
+              <a:t>ASP Example (n-queens)</a:t>
             </a:r>
             <a:endParaRPr lang="de-DE" altLang="en-US">
               <a:latin typeface="Calibri" panose="020F0502020204030204" charset="0"/>
@@ -5446,7 +5827,7 @@
       </p:sp>
       <p:sp>
         <p:nvSpPr>
-          <p:cNvPr id="5" name="Content Placeholder 4"/>
+          <p:cNvPr id="3" name="Content Placeholder 2"/>
           <p:cNvSpPr>
             <a:spLocks noGrp="1"/>
           </p:cNvSpPr>
@@ -5454,38 +5835,27 @@
             <p:ph idx="1"/>
           </p:nvPr>
         </p:nvSpPr>
-        <p:spPr>
-          <a:xfrm>
-            <a:off x="609600" y="1037590"/>
-            <a:ext cx="10972800" cy="5396230"/>
-          </a:xfrm>
-        </p:spPr>
+        <p:spPr/>
         <p:txBody>
           <a:bodyPr/>
           <a:p>
             <a:pPr marL="0" indent="0">
               <a:buNone/>
             </a:pPr>
-            <a:r>
-              <a:rPr lang="en-US" sz="1200">
-                <a:solidFill>
-                  <a:schemeClr val="accent2">
-                    <a:lumMod val="75000"/>
-                  </a:schemeClr>
-                </a:solidFill>
-                <a:latin typeface="Bitstream Vera Sans Mono" panose="020B0609030804020204" charset="0"/>
-                <a:cs typeface="Bitstream Vera Sans Mono" panose="020B0609030804020204" charset="0"/>
-              </a:rPr>
-              <a:t>#import</a:t>
-            </a:r>
-            <a:r>
-              <a:rPr lang="en-US" sz="1200">
-                <a:latin typeface="Bitstream Vera Sans Mono" panose="020B0609030804020204" charset="0"/>
-                <a:cs typeface="Bitstream Vera Sans Mono" panose="020B0609030804020204" charset="0"/>
-              </a:rPr>
-              <a:t> "xml".</a:t>
-            </a:r>
-            <a:endParaRPr lang="en-US" sz="1200">
+            <a:br>
+              <a:rPr lang="de-DE" altLang="en-US" sz="1800">
+                <a:latin typeface="Bitstream Vera Sans Mono" panose="020B0609030804020204" charset="0"/>
+                <a:cs typeface="Bitstream Vera Sans Mono" panose="020B0609030804020204" charset="0"/>
+              </a:rPr>
+            </a:br>
+            <a:r>
+              <a:rPr lang="de-DE" altLang="en-US" sz="1800">
+                <a:latin typeface="Bitstream Vera Sans Mono" panose="020B0609030804020204" charset="0"/>
+                <a:cs typeface="Bitstream Vera Sans Mono" panose="020B0609030804020204" charset="0"/>
+              </a:rPr>
+              <a:t>% place N queens on the board so that they don't threaten each other</a:t>
+            </a:r>
+            <a:endParaRPr lang="de-DE" altLang="en-US" sz="1800">
               <a:latin typeface="Bitstream Vera Sans Mono" panose="020B0609030804020204" charset="0"/>
               <a:cs typeface="Bitstream Vera Sans Mono" panose="020B0609030804020204" charset="0"/>
             </a:endParaRPr>
@@ -5495,25 +5865,13 @@
               <a:buNone/>
             </a:pPr>
             <a:r>
-              <a:rPr lang="en-US" sz="1200">
-                <a:solidFill>
-                  <a:schemeClr val="accent2">
-                    <a:lumMod val="75000"/>
-                  </a:schemeClr>
-                </a:solidFill>
-                <a:latin typeface="Bitstream Vera Sans Mono" panose="020B0609030804020204" charset="0"/>
-                <a:cs typeface="Bitstream Vera Sans Mono" panose="020B0609030804020204" charset="0"/>
-              </a:rPr>
-              <a:t>#import</a:t>
-            </a:r>
-            <a:r>
-              <a:rPr lang="en-US" sz="1200">
-                <a:latin typeface="Bitstream Vera Sans Mono" panose="020B0609030804020204" charset="0"/>
-                <a:cs typeface="Bitstream Vera Sans Mono" panose="020B0609030804020204" charset="0"/>
-              </a:rPr>
-              <a:t> "io".</a:t>
-            </a:r>
-            <a:endParaRPr lang="en-US" sz="1200">
+              <a:rPr lang="de-DE" altLang="en-US" sz="1800">
+                <a:latin typeface="Bitstream Vera Sans Mono" panose="020B0609030804020204" charset="0"/>
+                <a:cs typeface="Bitstream Vera Sans Mono" panose="020B0609030804020204" charset="0"/>
+              </a:rPr>
+              <a:t>% queen placed is expressed by queen(X,Y)</a:t>
+            </a:r>
+            <a:endParaRPr lang="de-DE" altLang="en-US" sz="1800">
               <a:latin typeface="Bitstream Vera Sans Mono" panose="020B0609030804020204" charset="0"/>
               <a:cs typeface="Bitstream Vera Sans Mono" panose="020B0609030804020204" charset="0"/>
             </a:endParaRPr>
@@ -5522,7 +5880,7 @@
             <a:pPr marL="0" indent="0">
               <a:buNone/>
             </a:pPr>
-            <a:endParaRPr lang="en-US" sz="1200">
+            <a:endParaRPr lang="de-DE" altLang="en-US" sz="1800">
               <a:latin typeface="Bitstream Vera Sans Mono" panose="020B0609030804020204" charset="0"/>
               <a:cs typeface="Bitstream Vera Sans Mono" panose="020B0609030804020204" charset="0"/>
             </a:endParaRPr>
@@ -5532,1144 +5890,303 @@
               <a:buNone/>
             </a:pPr>
             <a:r>
-              <a:rPr lang="en-US" sz="1200">
-                <a:solidFill>
-                  <a:schemeClr val="accent2">
-                    <a:lumMod val="75000"/>
-                  </a:schemeClr>
-                </a:solidFill>
-                <a:latin typeface="Bitstream Vera Sans Mono" panose="020B0609030804020204" charset="0"/>
-                <a:cs typeface="Bitstream Vera Sans Mono" panose="020B0609030804020204" charset="0"/>
-              </a:rPr>
-              <a:t>action</a:t>
-            </a:r>
-            <a:r>
-              <a:rPr lang="en-US" sz="1200">
-                <a:latin typeface="Bitstream Vera Sans Mono" panose="020B0609030804020204" charset="0"/>
-                <a:cs typeface="Bitstream Vera Sans Mono" panose="020B0609030804020204" charset="0"/>
-              </a:rPr>
-              <a:t> main(</a:t>
-            </a:r>
-            <a:r>
-              <a:rPr lang="en-US" sz="1200">
-                <a:solidFill>
-                  <a:schemeClr val="accent2">
-                    <a:lumMod val="75000"/>
-                  </a:schemeClr>
-                </a:solidFill>
-                <a:latin typeface="Bitstream Vera Sans Mono" panose="020B0609030804020204" charset="0"/>
-                <a:cs typeface="Bitstream Vera Sans Mono" panose="020B0609030804020204" charset="0"/>
-              </a:rPr>
-              <a:t>in</a:t>
-            </a:r>
-            <a:r>
-              <a:rPr lang="en-US" sz="1200">
-                <a:latin typeface="Bitstream Vera Sans Mono" panose="020B0609030804020204" charset="0"/>
-                <a:cs typeface="Bitstream Vera Sans Mono" panose="020B0609030804020204" charset="0"/>
-              </a:rPr>
-              <a:t>: </a:t>
-            </a:r>
-            <a:r>
-              <a:rPr lang="en-US" sz="1200">
+              <a:rPr lang="de-DE" altLang="en-US" sz="1800">
+                <a:latin typeface="Bitstream Vera Sans Mono" panose="020B0609030804020204" charset="0"/>
+                <a:cs typeface="Bitstream Vera Sans Mono" panose="020B0609030804020204" charset="0"/>
+              </a:rPr>
+              <a:t>% place one queen in each column, guess the rows</a:t>
+            </a:r>
+            <a:endParaRPr lang="de-DE" altLang="en-US" sz="1800">
+              <a:latin typeface="Bitstream Vera Sans Mono" panose="020B0609030804020204" charset="0"/>
+              <a:cs typeface="Bitstream Vera Sans Mono" panose="020B0609030804020204" charset="0"/>
+            </a:endParaRPr>
+          </a:p>
+          <a:p>
+            <a:pPr marL="0" indent="0">
+              <a:buNone/>
+            </a:pPr>
+            <a:r>
+              <a:rPr lang="de-DE" altLang="en-US" sz="1800">
+                <a:latin typeface="Bitstream Vera Sans Mono" panose="020B0609030804020204" charset="0"/>
+                <a:cs typeface="Bitstream Vera Sans Mono" panose="020B0609030804020204" charset="0"/>
+              </a:rPr>
+              <a:t>1 { </a:t>
+            </a:r>
+            <a:r>
+              <a:rPr lang="de-DE" altLang="en-US" sz="1800">
                 <a:solidFill>
                   <a:srgbClr val="7030A0"/>
                 </a:solidFill>
                 <a:latin typeface="Bitstream Vera Sans Mono" panose="020B0609030804020204" charset="0"/>
                 <a:cs typeface="Bitstream Vera Sans Mono" panose="020B0609030804020204" charset="0"/>
               </a:rPr>
-              <a:t>arg</a:t>
-            </a:r>
-            <a:r>
-              <a:rPr lang="en-US" sz="1200">
-                <a:latin typeface="Bitstream Vera Sans Mono" panose="020B0609030804020204" charset="0"/>
-                <a:cs typeface="Bitstream Vera Sans Mono" panose="020B0609030804020204" charset="0"/>
-              </a:rPr>
-              <a:t>/1, </a:t>
-            </a:r>
-            <a:r>
-              <a:rPr lang="en-US" sz="1200">
-                <a:solidFill>
-                  <a:schemeClr val="accent2">
-                    <a:lumMod val="75000"/>
-                  </a:schemeClr>
-                </a:solidFill>
-                <a:latin typeface="Bitstream Vera Sans Mono" panose="020B0609030804020204" charset="0"/>
-                <a:cs typeface="Bitstream Vera Sans Mono" panose="020B0609030804020204" charset="0"/>
-              </a:rPr>
-              <a:t>out</a:t>
-            </a:r>
-            <a:r>
-              <a:rPr lang="en-US" sz="1200">
-                <a:latin typeface="Bitstream Vera Sans Mono" panose="020B0609030804020204" charset="0"/>
-                <a:cs typeface="Bitstream Vera Sans Mono" panose="020B0609030804020204" charset="0"/>
-              </a:rPr>
-              <a:t>: empty) {</a:t>
-            </a:r>
-            <a:endParaRPr lang="en-US" sz="1200">
-              <a:latin typeface="Bitstream Vera Sans Mono" panose="020B0609030804020204" charset="0"/>
-              <a:cs typeface="Bitstream Vera Sans Mono" panose="020B0609030804020204" charset="0"/>
-            </a:endParaRPr>
-          </a:p>
-          <a:p>
-            <a:pPr marL="0" indent="0">
-              <a:buNone/>
-            </a:pPr>
-            <a:r>
-              <a:rPr lang="en-US" sz="1200">
-                <a:latin typeface="Bitstream Vera Sans Mono" panose="020B0609030804020204" charset="0"/>
-                <a:cs typeface="Bitstream Vera Sans Mono" panose="020B0609030804020204" charset="0"/>
-              </a:rPr>
-              <a:t>    </a:t>
-            </a:r>
-            <a:r>
-              <a:rPr lang="en-US" sz="1200">
+              <a:t>queen</a:t>
+            </a:r>
+            <a:r>
+              <a:rPr lang="de-DE" altLang="en-US" sz="1800">
+                <a:latin typeface="Bitstream Vera Sans Mono" panose="020B0609030804020204" charset="0"/>
+                <a:cs typeface="Bitstream Vera Sans Mono" panose="020B0609030804020204" charset="0"/>
+              </a:rPr>
+              <a:t>(X, 1..N) } 1 :- X = 1..N, </a:t>
+            </a:r>
+            <a:r>
+              <a:rPr lang="de-DE" altLang="en-US" sz="1800">
                 <a:solidFill>
                   <a:srgbClr val="7030A0"/>
                 </a:solidFill>
                 <a:latin typeface="Bitstream Vera Sans Mono" panose="020B0609030804020204" charset="0"/>
                 <a:cs typeface="Bitstream Vera Sans Mono" panose="020B0609030804020204" charset="0"/>
               </a:rPr>
-              <a:t>infile</a:t>
-            </a:r>
-            <a:r>
-              <a:rPr lang="en-US" sz="1200">
-                <a:latin typeface="Bitstream Vera Sans Mono" panose="020B0609030804020204" charset="0"/>
-                <a:cs typeface="Bitstream Vera Sans Mono" panose="020B0609030804020204" charset="0"/>
-              </a:rPr>
-              <a:t>(X) :- </a:t>
-            </a:r>
-            <a:r>
-              <a:rPr lang="en-US" sz="1200">
+              <a:t>nqueens</a:t>
+            </a:r>
+            <a:r>
+              <a:rPr lang="de-DE" altLang="en-US" sz="1800">
+                <a:latin typeface="Bitstream Vera Sans Mono" panose="020B0609030804020204" charset="0"/>
+                <a:cs typeface="Bitstream Vera Sans Mono" panose="020B0609030804020204" charset="0"/>
+              </a:rPr>
+              <a:t>(N).</a:t>
+            </a:r>
+            <a:endParaRPr lang="de-DE" altLang="en-US" sz="1800">
+              <a:latin typeface="Bitstream Vera Sans Mono" panose="020B0609030804020204" charset="0"/>
+              <a:cs typeface="Bitstream Vera Sans Mono" panose="020B0609030804020204" charset="0"/>
+            </a:endParaRPr>
+          </a:p>
+          <a:p>
+            <a:pPr marL="0" indent="0">
+              <a:buNone/>
+            </a:pPr>
+            <a:endParaRPr lang="de-DE" altLang="en-US" sz="1800">
+              <a:latin typeface="Bitstream Vera Sans Mono" panose="020B0609030804020204" charset="0"/>
+              <a:cs typeface="Bitstream Vera Sans Mono" panose="020B0609030804020204" charset="0"/>
+            </a:endParaRPr>
+          </a:p>
+          <a:p>
+            <a:pPr marL="0" indent="0">
+              <a:buNone/>
+            </a:pPr>
+            <a:r>
+              <a:rPr lang="de-DE" altLang="en-US" sz="1800">
+                <a:latin typeface="Bitstream Vera Sans Mono" panose="020B0609030804020204" charset="0"/>
+                <a:cs typeface="Bitstream Vera Sans Mono" panose="020B0609030804020204" charset="0"/>
+              </a:rPr>
+              <a:t>% no two queens in the same column</a:t>
+            </a:r>
+            <a:endParaRPr lang="de-DE" altLang="en-US" sz="1800">
+              <a:latin typeface="Bitstream Vera Sans Mono" panose="020B0609030804020204" charset="0"/>
+              <a:cs typeface="Bitstream Vera Sans Mono" panose="020B0609030804020204" charset="0"/>
+            </a:endParaRPr>
+          </a:p>
+          <a:p>
+            <a:pPr marL="0" indent="0">
+              <a:buNone/>
+            </a:pPr>
+            <a:r>
+              <a:rPr lang="de-DE" altLang="en-US" sz="1800">
+                <a:latin typeface="Bitstream Vera Sans Mono" panose="020B0609030804020204" charset="0"/>
+                <a:cs typeface="Bitstream Vera Sans Mono" panose="020B0609030804020204" charset="0"/>
+              </a:rPr>
+              <a:t>:- </a:t>
+            </a:r>
+            <a:r>
+              <a:rPr lang="de-DE" altLang="en-US" sz="1800">
                 <a:solidFill>
                   <a:srgbClr val="7030A0"/>
                 </a:solidFill>
                 <a:latin typeface="Bitstream Vera Sans Mono" panose="020B0609030804020204" charset="0"/>
                 <a:cs typeface="Bitstream Vera Sans Mono" panose="020B0609030804020204" charset="0"/>
               </a:rPr>
-              <a:t>arg</a:t>
-            </a:r>
-            <a:r>
-              <a:rPr lang="en-US" sz="1200">
-                <a:latin typeface="Bitstream Vera Sans Mono" panose="020B0609030804020204" charset="0"/>
-                <a:cs typeface="Bitstream Vera Sans Mono" panose="020B0609030804020204" charset="0"/>
-              </a:rPr>
-              <a:t>(X).</a:t>
-            </a:r>
-            <a:endParaRPr lang="en-US" sz="1200">
-              <a:latin typeface="Bitstream Vera Sans Mono" panose="020B0609030804020204" charset="0"/>
-              <a:cs typeface="Bitstream Vera Sans Mono" panose="020B0609030804020204" charset="0"/>
-            </a:endParaRPr>
-          </a:p>
-          <a:p>
-            <a:pPr marL="0" indent="0">
-              <a:buNone/>
-            </a:pPr>
-            <a:r>
-              <a:rPr lang="en-US" sz="1200">
-                <a:latin typeface="Bitstream Vera Sans Mono" panose="020B0609030804020204" charset="0"/>
-                <a:cs typeface="Bitstream Vera Sans Mono" panose="020B0609030804020204" charset="0"/>
-              </a:rPr>
-              <a:t>    </a:t>
-            </a:r>
-            <a:r>
-              <a:rPr lang="en-US" sz="1200">
+              <a:t>queen</a:t>
+            </a:r>
+            <a:r>
+              <a:rPr lang="de-DE" altLang="en-US" sz="1800">
+                <a:latin typeface="Bitstream Vera Sans Mono" panose="020B0609030804020204" charset="0"/>
+                <a:cs typeface="Bitstream Vera Sans Mono" panose="020B0609030804020204" charset="0"/>
+              </a:rPr>
+              <a:t>(X, Y1), </a:t>
+            </a:r>
+            <a:r>
+              <a:rPr lang="de-DE" altLang="en-US" sz="1800">
                 <a:solidFill>
                   <a:srgbClr val="7030A0"/>
                 </a:solidFill>
                 <a:latin typeface="Bitstream Vera Sans Mono" panose="020B0609030804020204" charset="0"/>
                 <a:cs typeface="Bitstream Vera Sans Mono" panose="020B0609030804020204" charset="0"/>
               </a:rPr>
-              <a:t>graph_parse_result</a:t>
-            </a:r>
-            <a:r>
-              <a:rPr lang="en-US" sz="1200">
-                <a:latin typeface="Bitstream Vera Sans Mono" panose="020B0609030804020204" charset="0"/>
-                <a:cs typeface="Bitstream Vera Sans Mono" panose="020B0609030804020204" charset="0"/>
-              </a:rPr>
-              <a:t>(R) : @</a:t>
-            </a:r>
-            <a:r>
-              <a:rPr lang="en-US" sz="1200">
-                <a:solidFill>
-                  <a:srgbClr val="C00000"/>
-                </a:solidFill>
-                <a:latin typeface="Bitstream Vera Sans Mono" panose="020B0609030804020204" charset="0"/>
-                <a:cs typeface="Bitstream Vera Sans Mono" panose="020B0609030804020204" charset="0"/>
-              </a:rPr>
-              <a:t>xml::parse_graph</a:t>
-            </a:r>
-            <a:r>
-              <a:rPr lang="en-US" sz="1200">
-                <a:latin typeface="Bitstream Vera Sans Mono" panose="020B0609030804020204" charset="0"/>
-                <a:cs typeface="Bitstream Vera Sans Mono" panose="020B0609030804020204" charset="0"/>
-              </a:rPr>
-              <a:t>[X] = R :- </a:t>
-            </a:r>
-            <a:r>
-              <a:rPr lang="en-US" sz="1200">
+              <a:t>queen</a:t>
+            </a:r>
+            <a:r>
+              <a:rPr lang="de-DE" altLang="en-US" sz="1800">
+                <a:latin typeface="Bitstream Vera Sans Mono" panose="020B0609030804020204" charset="0"/>
+                <a:cs typeface="Bitstream Vera Sans Mono" panose="020B0609030804020204" charset="0"/>
+              </a:rPr>
+              <a:t>(X, Y2), Y1 != Y2.</a:t>
+            </a:r>
+            <a:endParaRPr lang="de-DE" altLang="en-US" sz="1800">
+              <a:latin typeface="Bitstream Vera Sans Mono" panose="020B0609030804020204" charset="0"/>
+              <a:cs typeface="Bitstream Vera Sans Mono" panose="020B0609030804020204" charset="0"/>
+            </a:endParaRPr>
+          </a:p>
+          <a:p>
+            <a:pPr marL="0" indent="0">
+              <a:buNone/>
+            </a:pPr>
+            <a:endParaRPr lang="de-DE" altLang="en-US" sz="1800">
+              <a:latin typeface="Bitstream Vera Sans Mono" panose="020B0609030804020204" charset="0"/>
+              <a:cs typeface="Bitstream Vera Sans Mono" panose="020B0609030804020204" charset="0"/>
+            </a:endParaRPr>
+          </a:p>
+          <a:p>
+            <a:pPr marL="0" indent="0">
+              <a:buNone/>
+            </a:pPr>
+            <a:r>
+              <a:rPr lang="de-DE" altLang="en-US" sz="1800">
+                <a:latin typeface="Bitstream Vera Sans Mono" panose="020B0609030804020204" charset="0"/>
+                <a:cs typeface="Bitstream Vera Sans Mono" panose="020B0609030804020204" charset="0"/>
+              </a:rPr>
+              <a:t>% no two queens in the same row</a:t>
+            </a:r>
+            <a:endParaRPr lang="de-DE" altLang="en-US" sz="1800">
+              <a:latin typeface="Bitstream Vera Sans Mono" panose="020B0609030804020204" charset="0"/>
+              <a:cs typeface="Bitstream Vera Sans Mono" panose="020B0609030804020204" charset="0"/>
+            </a:endParaRPr>
+          </a:p>
+          <a:p>
+            <a:pPr marL="0" indent="0">
+              <a:buNone/>
+            </a:pPr>
+            <a:r>
+              <a:rPr lang="de-DE" altLang="en-US" sz="1800">
+                <a:latin typeface="Bitstream Vera Sans Mono" panose="020B0609030804020204" charset="0"/>
+                <a:cs typeface="Bitstream Vera Sans Mono" panose="020B0609030804020204" charset="0"/>
+              </a:rPr>
+              <a:t>:- </a:t>
+            </a:r>
+            <a:r>
+              <a:rPr lang="de-DE" altLang="en-US" sz="1800">
                 <a:solidFill>
                   <a:srgbClr val="7030A0"/>
                 </a:solidFill>
                 <a:latin typeface="Bitstream Vera Sans Mono" panose="020B0609030804020204" charset="0"/>
                 <a:cs typeface="Bitstream Vera Sans Mono" panose="020B0609030804020204" charset="0"/>
               </a:rPr>
-              <a:t>infile</a:t>
-            </a:r>
-            <a:r>
-              <a:rPr lang="en-US" sz="1200">
-                <a:latin typeface="Bitstream Vera Sans Mono" panose="020B0609030804020204" charset="0"/>
-                <a:cs typeface="Bitstream Vera Sans Mono" panose="020B0609030804020204" charset="0"/>
-              </a:rPr>
-              <a:t>(X).</a:t>
-            </a:r>
-            <a:endParaRPr lang="en-US" sz="1200">
-              <a:latin typeface="Bitstream Vera Sans Mono" panose="020B0609030804020204" charset="0"/>
-              <a:cs typeface="Bitstream Vera Sans Mono" panose="020B0609030804020204" charset="0"/>
-            </a:endParaRPr>
-          </a:p>
-          <a:p>
-            <a:pPr marL="0" indent="0">
-              <a:buNone/>
-            </a:pPr>
-            <a:r>
-              <a:rPr lang="en-US" sz="1200">
-                <a:latin typeface="Bitstream Vera Sans Mono" panose="020B0609030804020204" charset="0"/>
-                <a:cs typeface="Bitstream Vera Sans Mono" panose="020B0609030804020204" charset="0"/>
-              </a:rPr>
-              <a:t>    </a:t>
-            </a:r>
-            <a:endParaRPr lang="en-US" sz="1200">
-              <a:latin typeface="Bitstream Vera Sans Mono" panose="020B0609030804020204" charset="0"/>
-              <a:cs typeface="Bitstream Vera Sans Mono" panose="020B0609030804020204" charset="0"/>
-            </a:endParaRPr>
-          </a:p>
-          <a:p>
-            <a:pPr marL="0" indent="0">
-              <a:buNone/>
-            </a:pPr>
-            <a:r>
-              <a:rPr lang="en-US" sz="1200">
-                <a:latin typeface="Bitstream Vera Sans Mono" panose="020B0609030804020204" charset="0"/>
-                <a:cs typeface="Bitstream Vera Sans Mono" panose="020B0609030804020204" charset="0"/>
-              </a:rPr>
-              <a:t>    </a:t>
-            </a:r>
-            <a:r>
-              <a:rPr lang="en-US" sz="1200">
+              <a:t>queen</a:t>
+            </a:r>
+            <a:r>
+              <a:rPr lang="de-DE" altLang="en-US" sz="1800">
+                <a:latin typeface="Bitstream Vera Sans Mono" panose="020B0609030804020204" charset="0"/>
+                <a:cs typeface="Bitstream Vera Sans Mono" panose="020B0609030804020204" charset="0"/>
+              </a:rPr>
+              <a:t>(X1, Y), </a:t>
+            </a:r>
+            <a:r>
+              <a:rPr lang="de-DE" altLang="en-US" sz="1800">
                 <a:solidFill>
                   <a:srgbClr val="7030A0"/>
                 </a:solidFill>
                 <a:latin typeface="Bitstream Vera Sans Mono" panose="020B0609030804020204" charset="0"/>
                 <a:cs typeface="Bitstream Vera Sans Mono" panose="020B0609030804020204" charset="0"/>
               </a:rPr>
-              <a:t>graph</a:t>
-            </a:r>
-            <a:r>
-              <a:rPr lang="en-US" sz="1200">
-                <a:latin typeface="Bitstream Vera Sans Mono" panose="020B0609030804020204" charset="0"/>
-                <a:cs typeface="Bitstream Vera Sans Mono" panose="020B0609030804020204" charset="0"/>
-              </a:rPr>
-              <a:t>(G) :- </a:t>
-            </a:r>
-            <a:r>
-              <a:rPr lang="en-US" sz="1200">
+              <a:t>queen</a:t>
+            </a:r>
+            <a:r>
+              <a:rPr lang="de-DE" altLang="en-US" sz="1800">
+                <a:latin typeface="Bitstream Vera Sans Mono" panose="020B0609030804020204" charset="0"/>
+                <a:cs typeface="Bitstream Vera Sans Mono" panose="020B0609030804020204" charset="0"/>
+              </a:rPr>
+              <a:t>(X2, Y), X1 != X2.</a:t>
+            </a:r>
+            <a:endParaRPr lang="de-DE" altLang="en-US" sz="1800">
+              <a:latin typeface="Bitstream Vera Sans Mono" panose="020B0609030804020204" charset="0"/>
+              <a:cs typeface="Bitstream Vera Sans Mono" panose="020B0609030804020204" charset="0"/>
+            </a:endParaRPr>
+          </a:p>
+          <a:p>
+            <a:pPr marL="0" indent="0">
+              <a:buNone/>
+            </a:pPr>
+            <a:endParaRPr lang="de-DE" altLang="en-US" sz="1800">
+              <a:latin typeface="Bitstream Vera Sans Mono" panose="020B0609030804020204" charset="0"/>
+              <a:cs typeface="Bitstream Vera Sans Mono" panose="020B0609030804020204" charset="0"/>
+            </a:endParaRPr>
+          </a:p>
+          <a:p>
+            <a:pPr marL="0" indent="0">
+              <a:buNone/>
+            </a:pPr>
+            <a:r>
+              <a:rPr lang="de-DE" altLang="en-US" sz="1800">
+                <a:latin typeface="Bitstream Vera Sans Mono" panose="020B0609030804020204" charset="0"/>
+                <a:cs typeface="Bitstream Vera Sans Mono" panose="020B0609030804020204" charset="0"/>
+              </a:rPr>
+              <a:t>% no two queens in the same diagonal</a:t>
+            </a:r>
+            <a:endParaRPr lang="de-DE" altLang="en-US" sz="1800">
+              <a:latin typeface="Bitstream Vera Sans Mono" panose="020B0609030804020204" charset="0"/>
+              <a:cs typeface="Bitstream Vera Sans Mono" panose="020B0609030804020204" charset="0"/>
+            </a:endParaRPr>
+          </a:p>
+          <a:p>
+            <a:pPr marL="0" indent="0">
+              <a:buNone/>
+            </a:pPr>
+            <a:r>
+              <a:rPr lang="de-DE" altLang="en-US" sz="1800">
+                <a:latin typeface="Bitstream Vera Sans Mono" panose="020B0609030804020204" charset="0"/>
+                <a:cs typeface="Bitstream Vera Sans Mono" panose="020B0609030804020204" charset="0"/>
+              </a:rPr>
+              <a:t>:- </a:t>
+            </a:r>
+            <a:r>
+              <a:rPr lang="de-DE" altLang="en-US" sz="1800">
                 <a:solidFill>
                   <a:srgbClr val="7030A0"/>
                 </a:solidFill>
                 <a:latin typeface="Bitstream Vera Sans Mono" panose="020B0609030804020204" charset="0"/>
                 <a:cs typeface="Bitstream Vera Sans Mono" panose="020B0609030804020204" charset="0"/>
               </a:rPr>
-              <a:t>graph_parse_result</a:t>
-            </a:r>
-            <a:r>
-              <a:rPr lang="en-US" sz="1200">
-                <a:latin typeface="Bitstream Vera Sans Mono" panose="020B0609030804020204" charset="0"/>
-                <a:cs typeface="Bitstream Vera Sans Mono" panose="020B0609030804020204" charset="0"/>
-              </a:rPr>
-              <a:t>(graph(G)).</a:t>
-            </a:r>
-            <a:endParaRPr lang="en-US" sz="1200">
-              <a:latin typeface="Bitstream Vera Sans Mono" panose="020B0609030804020204" charset="0"/>
-              <a:cs typeface="Bitstream Vera Sans Mono" panose="020B0609030804020204" charset="0"/>
-            </a:endParaRPr>
-          </a:p>
-          <a:p>
-            <a:pPr marL="0" indent="0">
-              <a:buNone/>
-            </a:pPr>
-            <a:r>
-              <a:rPr lang="en-US" sz="1200">
-                <a:latin typeface="Bitstream Vera Sans Mono" panose="020B0609030804020204" charset="0"/>
-                <a:cs typeface="Bitstream Vera Sans Mono" panose="020B0609030804020204" charset="0"/>
-              </a:rPr>
-              <a:t>    </a:t>
-            </a:r>
-            <a:r>
-              <a:rPr lang="en-US" sz="1200">
+              <a:t>queen</a:t>
+            </a:r>
+            <a:r>
+              <a:rPr lang="de-DE" altLang="en-US" sz="1800">
+                <a:latin typeface="Bitstream Vera Sans Mono" panose="020B0609030804020204" charset="0"/>
+                <a:cs typeface="Bitstream Vera Sans Mono" panose="020B0609030804020204" charset="0"/>
+              </a:rPr>
+              <a:t>(X1, Y1), </a:t>
+            </a:r>
+            <a:r>
+              <a:rPr lang="de-DE" altLang="en-US" sz="1800">
                 <a:solidFill>
                   <a:srgbClr val="7030A0"/>
                 </a:solidFill>
                 <a:latin typeface="Bitstream Vera Sans Mono" panose="020B0609030804020204" charset="0"/>
                 <a:cs typeface="Bitstream Vera Sans Mono" panose="020B0609030804020204" charset="0"/>
               </a:rPr>
-              <a:t>parsing_error</a:t>
-            </a:r>
-            <a:r>
-              <a:rPr lang="en-US" sz="1200">
-                <a:latin typeface="Bitstream Vera Sans Mono" panose="020B0609030804020204" charset="0"/>
-                <a:cs typeface="Bitstream Vera Sans Mono" panose="020B0609030804020204" charset="0"/>
-              </a:rPr>
-              <a:t>(MSG) :- </a:t>
-            </a:r>
-            <a:r>
-              <a:rPr lang="en-US" sz="1200">
-                <a:solidFill>
-                  <a:srgbClr val="7030A0"/>
-                </a:solidFill>
-                <a:latin typeface="Bitstream Vera Sans Mono" panose="020B0609030804020204" charset="0"/>
-                <a:cs typeface="Bitstream Vera Sans Mono" panose="020B0609030804020204" charset="0"/>
-              </a:rPr>
-              <a:t>graph_parse_result</a:t>
-            </a:r>
-            <a:r>
-              <a:rPr lang="en-US" sz="1200">
-                <a:latin typeface="Bitstream Vera Sans Mono" panose="020B0609030804020204" charset="0"/>
-                <a:cs typeface="Bitstream Vera Sans Mono" panose="020B0609030804020204" charset="0"/>
-              </a:rPr>
-              <a:t>(err(MSG)).</a:t>
-            </a:r>
-            <a:endParaRPr lang="en-US" sz="1200">
+              <a:t>queen</a:t>
+            </a:r>
+            <a:r>
+              <a:rPr lang="de-DE" altLang="en-US" sz="1800">
+                <a:latin typeface="Bitstream Vera Sans Mono" panose="020B0609030804020204" charset="0"/>
+                <a:cs typeface="Bitstream Vera Sans Mono" panose="020B0609030804020204" charset="0"/>
+              </a:rPr>
+              <a:t>(X2, Y2), X1 != X2, Y1 != Y2, |X1 - X2| = |Y1 - Y2|.</a:t>
+            </a:r>
+            <a:endParaRPr lang="de-DE" altLang="en-US">
+              <a:latin typeface="Calibri" panose="020F0502020204030204" charset="0"/>
+            </a:endParaRPr>
+          </a:p>
+          <a:p>
+            <a:endParaRPr lang="de-DE" altLang="en-US">
+              <a:latin typeface="Calibri" panose="020F0502020204030204" charset="0"/>
+            </a:endParaRPr>
+          </a:p>
+          <a:p>
+            <a:pPr marL="0" indent="0">
+              <a:buNone/>
+            </a:pPr>
+            <a:endParaRPr lang="de-DE" altLang="en-US" sz="1000">
               <a:latin typeface="Bitstream Vera Sans Mono" panose="020B0609030804020204" charset="0"/>
               <a:cs typeface="Bitstream Vera Sans Mono" panose="020B0609030804020204" charset="0"/>
-            </a:endParaRPr>
-          </a:p>
-          <a:p>
-            <a:pPr marL="0" indent="0">
-              <a:buNone/>
-            </a:pPr>
-            <a:r>
-              <a:rPr lang="en-US" sz="1200">
-                <a:latin typeface="Bitstream Vera Sans Mono" panose="020B0609030804020204" charset="0"/>
-                <a:cs typeface="Bitstream Vera Sans Mono" panose="020B0609030804020204" charset="0"/>
-              </a:rPr>
-              <a:t>    </a:t>
-            </a:r>
-            <a:endParaRPr lang="en-US" sz="1200">
-              <a:latin typeface="Bitstream Vera Sans Mono" panose="020B0609030804020204" charset="0"/>
-              <a:cs typeface="Bitstream Vera Sans Mono" panose="020B0609030804020204" charset="0"/>
-            </a:endParaRPr>
-          </a:p>
-          <a:p>
-            <a:pPr marL="0" indent="0">
-              <a:buNone/>
-            </a:pPr>
-            <a:r>
-              <a:rPr lang="en-US" sz="1200">
-                <a:latin typeface="Bitstream Vera Sans Mono" panose="020B0609030804020204" charset="0"/>
-                <a:cs typeface="Bitstream Vera Sans Mono" panose="020B0609030804020204" charset="0"/>
-              </a:rPr>
-              <a:t>    </a:t>
-            </a:r>
-            <a:r>
-              <a:rPr lang="en-US" sz="1200">
-                <a:solidFill>
-                  <a:srgbClr val="7030A0"/>
-                </a:solidFill>
-                <a:latin typeface="Bitstream Vera Sans Mono" panose="020B0609030804020204" charset="0"/>
-                <a:cs typeface="Bitstream Vera Sans Mono" panose="020B0609030804020204" charset="0"/>
-              </a:rPr>
-              <a:t>graph_coloring</a:t>
-            </a:r>
-            <a:r>
-              <a:rPr lang="en-US" sz="1200">
-                <a:latin typeface="Bitstream Vera Sans Mono" panose="020B0609030804020204" charset="0"/>
-                <a:cs typeface="Bitstream Vera Sans Mono" panose="020B0609030804020204" charset="0"/>
-              </a:rPr>
-              <a:t>(G, COL) :- </a:t>
-            </a:r>
-            <a:r>
-              <a:rPr lang="en-US" sz="1200">
-                <a:solidFill>
-                  <a:srgbClr val="7030A0"/>
-                </a:solidFill>
-                <a:latin typeface="Bitstream Vera Sans Mono" panose="020B0609030804020204" charset="0"/>
-                <a:cs typeface="Bitstream Vera Sans Mono" panose="020B0609030804020204" charset="0"/>
-              </a:rPr>
-              <a:t>graph</a:t>
-            </a:r>
-            <a:r>
-              <a:rPr lang="en-US" sz="1200">
-                <a:latin typeface="Bitstream Vera Sans Mono" panose="020B0609030804020204" charset="0"/>
-                <a:cs typeface="Bitstream Vera Sans Mono" panose="020B0609030804020204" charset="0"/>
-              </a:rPr>
-              <a:t>(G), {</a:t>
-            </a:r>
-            <a:r>
-              <a:rPr lang="en-US" sz="1200">
-                <a:solidFill>
-                  <a:schemeClr val="accent2">
-                    <a:lumMod val="75000"/>
-                  </a:schemeClr>
-                </a:solidFill>
-                <a:latin typeface="Bitstream Vera Sans Mono" panose="020B0609030804020204" charset="0"/>
-                <a:cs typeface="Bitstream Vera Sans Mono" panose="020B0609030804020204" charset="0"/>
-              </a:rPr>
-              <a:t>all</a:t>
-            </a:r>
-            <a:r>
-              <a:rPr lang="en-US" sz="1200">
-                <a:latin typeface="Bitstream Vera Sans Mono" panose="020B0609030804020204" charset="0"/>
-                <a:cs typeface="Bitstream Vera Sans Mono" panose="020B0609030804020204" charset="0"/>
-              </a:rPr>
-              <a:t>}@</a:t>
-            </a:r>
-            <a:r>
-              <a:rPr lang="en-US" sz="1200">
-                <a:solidFill>
-                  <a:srgbClr val="C00000"/>
-                </a:solidFill>
-                <a:latin typeface="Bitstream Vera Sans Mono" panose="020B0609030804020204" charset="0"/>
-                <a:cs typeface="Bitstream Vera Sans Mono" panose="020B0609030804020204" charset="0"/>
-              </a:rPr>
-              <a:t>3col</a:t>
-            </a:r>
-            <a:r>
-              <a:rPr lang="en-US" sz="1200">
-                <a:latin typeface="Bitstream Vera Sans Mono" panose="020B0609030804020204" charset="0"/>
-                <a:cs typeface="Bitstream Vera Sans Mono" panose="020B0609030804020204" charset="0"/>
-              </a:rPr>
-              <a:t>[G](COL).</a:t>
-            </a:r>
-            <a:endParaRPr lang="en-US" sz="1200">
-              <a:latin typeface="Bitstream Vera Sans Mono" panose="020B0609030804020204" charset="0"/>
-              <a:cs typeface="Bitstream Vera Sans Mono" panose="020B0609030804020204" charset="0"/>
-            </a:endParaRPr>
-          </a:p>
-          <a:p>
-            <a:pPr marL="0" indent="0">
-              <a:buNone/>
-            </a:pPr>
-            <a:r>
-              <a:rPr lang="en-US" sz="1200">
-                <a:latin typeface="Bitstream Vera Sans Mono" panose="020B0609030804020204" charset="0"/>
-                <a:cs typeface="Bitstream Vera Sans Mono" panose="020B0609030804020204" charset="0"/>
-              </a:rPr>
-              <a:t>    </a:t>
-            </a:r>
-            <a:r>
-              <a:rPr lang="en-US" sz="1200">
-                <a:solidFill>
-                  <a:srgbClr val="7030A0"/>
-                </a:solidFill>
-                <a:latin typeface="Bitstream Vera Sans Mono" panose="020B0609030804020204" charset="0"/>
-                <a:cs typeface="Bitstream Vera Sans Mono" panose="020B0609030804020204" charset="0"/>
-              </a:rPr>
-              <a:t>write_result</a:t>
-            </a:r>
-            <a:r>
-              <a:rPr lang="en-US" sz="1200">
-                <a:latin typeface="Bitstream Vera Sans Mono" panose="020B0609030804020204" charset="0"/>
-                <a:cs typeface="Bitstream Vera Sans Mono" panose="020B0609030804020204" charset="0"/>
-              </a:rPr>
-              <a:t>(R) : @</a:t>
-            </a:r>
-            <a:r>
-              <a:rPr lang="en-US" sz="1200">
-                <a:solidFill>
-                  <a:srgbClr val="C00000"/>
-                </a:solidFill>
-                <a:latin typeface="Bitstream Vera Sans Mono" panose="020B0609030804020204" charset="0"/>
-                <a:cs typeface="Bitstream Vera Sans Mono" panose="020B0609030804020204" charset="0"/>
-              </a:rPr>
-              <a:t>io::write_list</a:t>
-            </a:r>
-            <a:r>
-              <a:rPr lang="en-US" sz="1200">
-                <a:latin typeface="Bitstream Vera Sans Mono" panose="020B0609030804020204" charset="0"/>
-                <a:cs typeface="Bitstream Vera Sans Mono" panose="020B0609030804020204" charset="0"/>
-              </a:rPr>
-              <a:t>[OUT, COL] = R :- </a:t>
-            </a:r>
-            <a:endParaRPr lang="en-US" sz="1200">
-              <a:latin typeface="Bitstream Vera Sans Mono" panose="020B0609030804020204" charset="0"/>
-              <a:cs typeface="Bitstream Vera Sans Mono" panose="020B0609030804020204" charset="0"/>
-            </a:endParaRPr>
-          </a:p>
-          <a:p>
-            <a:pPr marL="0" indent="0">
-              <a:buNone/>
-            </a:pPr>
-            <a:r>
-              <a:rPr lang="en-US" sz="1200">
-                <a:latin typeface="Bitstream Vera Sans Mono" panose="020B0609030804020204" charset="0"/>
-                <a:cs typeface="Bitstream Vera Sans Mono" panose="020B0609030804020204" charset="0"/>
-              </a:rPr>
-              <a:t>        OUT = "col-" + IDX, </a:t>
-            </a:r>
-            <a:r>
-              <a:rPr lang="en-US" sz="1200">
-                <a:solidFill>
-                  <a:srgbClr val="7030A0"/>
-                </a:solidFill>
-                <a:latin typeface="Bitstream Vera Sans Mono" panose="020B0609030804020204" charset="0"/>
-                <a:cs typeface="Bitstream Vera Sans Mono" panose="020B0609030804020204" charset="0"/>
-              </a:rPr>
-              <a:t>graph_coloring</a:t>
-            </a:r>
-            <a:r>
-              <a:rPr lang="en-US" sz="1200">
-                <a:latin typeface="Bitstream Vera Sans Mono" panose="020B0609030804020204" charset="0"/>
-                <a:cs typeface="Bitstream Vera Sans Mono" panose="020B0609030804020204" charset="0"/>
-              </a:rPr>
-              <a:t>(G, </a:t>
-            </a:r>
-            <a:r>
-              <a:rPr lang="en-US" sz="1200">
-                <a:solidFill>
-                  <a:srgbClr val="00B050"/>
-                </a:solidFill>
-                <a:latin typeface="Bitstream Vera Sans Mono" panose="020B0609030804020204" charset="0"/>
-                <a:cs typeface="Bitstream Vera Sans Mono" panose="020B0609030804020204" charset="0"/>
-              </a:rPr>
-              <a:t>coloring</a:t>
-            </a:r>
-            <a:r>
-              <a:rPr lang="en-US" sz="1200">
-                <a:latin typeface="Bitstream Vera Sans Mono" panose="020B0609030804020204" charset="0"/>
-                <a:cs typeface="Bitstream Vera Sans Mono" panose="020B0609030804020204" charset="0"/>
-              </a:rPr>
-              <a:t>(IDX, COL)).</a:t>
-            </a:r>
-            <a:endParaRPr lang="en-US" sz="1200">
-              <a:latin typeface="Bitstream Vera Sans Mono" panose="020B0609030804020204" charset="0"/>
-              <a:cs typeface="Bitstream Vera Sans Mono" panose="020B0609030804020204" charset="0"/>
-            </a:endParaRPr>
-          </a:p>
-          <a:p>
-            <a:pPr marL="0" indent="0">
-              <a:buNone/>
-            </a:pPr>
-            <a:r>
-              <a:rPr lang="en-US" sz="1200">
-                <a:latin typeface="Bitstream Vera Sans Mono" panose="020B0609030804020204" charset="0"/>
-                <a:cs typeface="Bitstream Vera Sans Mono" panose="020B0609030804020204" charset="0"/>
-              </a:rPr>
-              <a:t>}</a:t>
-            </a:r>
-            <a:endParaRPr lang="en-US" sz="1200">
-              <a:latin typeface="Bitstream Vera Sans Mono" panose="020B0609030804020204" charset="0"/>
-              <a:cs typeface="Bitstream Vera Sans Mono" panose="020B0609030804020204" charset="0"/>
-            </a:endParaRPr>
-          </a:p>
-          <a:p>
-            <a:pPr marL="0" indent="0">
-              <a:buNone/>
-            </a:pPr>
-            <a:endParaRPr lang="en-US" sz="1200">
-              <a:latin typeface="Bitstream Vera Sans Mono" panose="020B0609030804020204" charset="0"/>
-              <a:cs typeface="Bitstream Vera Sans Mono" panose="020B0609030804020204" charset="0"/>
-            </a:endParaRPr>
-          </a:p>
-          <a:p>
-            <a:pPr marL="0" indent="0">
-              <a:buNone/>
-            </a:pPr>
-            <a:r>
-              <a:rPr lang="en-US" sz="1200">
-                <a:solidFill>
-                  <a:schemeClr val="accent2">
-                    <a:lumMod val="75000"/>
-                  </a:schemeClr>
-                </a:solidFill>
-                <a:latin typeface="Bitstream Vera Sans Mono" panose="020B0609030804020204" charset="0"/>
-                <a:cs typeface="Bitstream Vera Sans Mono" panose="020B0609030804020204" charset="0"/>
-              </a:rPr>
-              <a:t>predicate</a:t>
-            </a:r>
-            <a:r>
-              <a:rPr lang="en-US" sz="1200">
-                <a:latin typeface="Bitstream Vera Sans Mono" panose="020B0609030804020204" charset="0"/>
-                <a:cs typeface="Bitstream Vera Sans Mono" panose="020B0609030804020204" charset="0"/>
-              </a:rPr>
-              <a:t> 3col(</a:t>
-            </a:r>
-            <a:r>
-              <a:rPr lang="en-US" sz="1200">
-                <a:solidFill>
-                  <a:schemeClr val="accent2">
-                    <a:lumMod val="75000"/>
-                  </a:schemeClr>
-                </a:solidFill>
-                <a:latin typeface="Bitstream Vera Sans Mono" panose="020B0609030804020204" charset="0"/>
-                <a:cs typeface="Bitstream Vera Sans Mono" panose="020B0609030804020204" charset="0"/>
-              </a:rPr>
-              <a:t>in</a:t>
-            </a:r>
-            <a:r>
-              <a:rPr lang="de-DE" altLang="en-US" sz="1200">
-                <a:latin typeface="Bitstream Vera Sans Mono" panose="020B0609030804020204" charset="0"/>
-                <a:cs typeface="Bitstream Vera Sans Mono" panose="020B0609030804020204" charset="0"/>
-              </a:rPr>
-              <a:t>:</a:t>
-            </a:r>
-            <a:r>
-              <a:rPr lang="de-DE" altLang="en-US" sz="1200">
-                <a:latin typeface="Calibri" panose="020F0502020204030204" charset="0"/>
-                <a:cs typeface="Bitstream Vera Sans Mono" panose="020B0609030804020204" charset="0"/>
-              </a:rPr>
-              <a:t> </a:t>
-            </a:r>
-            <a:r>
-              <a:rPr lang="en-US" sz="1200">
-                <a:latin typeface="Bitstream Vera Sans Mono" panose="020B0609030804020204" charset="0"/>
-                <a:cs typeface="Bitstream Vera Sans Mono" panose="020B0609030804020204" charset="0"/>
-              </a:rPr>
-              <a:t>graph/1, </a:t>
-            </a:r>
-            <a:r>
-              <a:rPr lang="en-US" sz="1200">
-                <a:solidFill>
-                  <a:schemeClr val="accent2">
-                    <a:lumMod val="75000"/>
-                  </a:schemeClr>
-                </a:solidFill>
-                <a:latin typeface="Bitstream Vera Sans Mono" panose="020B0609030804020204" charset="0"/>
-                <a:cs typeface="Bitstream Vera Sans Mono" panose="020B0609030804020204" charset="0"/>
-              </a:rPr>
-              <a:t>out</a:t>
-            </a:r>
-            <a:r>
-              <a:rPr lang="en-US" sz="1200">
-                <a:latin typeface="Bitstream Vera Sans Mono" panose="020B0609030804020204" charset="0"/>
-                <a:cs typeface="Bitstream Vera Sans Mono" panose="020B0609030804020204" charset="0"/>
-              </a:rPr>
-              <a:t>: coloring/1) {</a:t>
-            </a:r>
-            <a:endParaRPr lang="en-US" sz="1200">
-              <a:latin typeface="Bitstream Vera Sans Mono" panose="020B0609030804020204" charset="0"/>
-              <a:cs typeface="Bitstream Vera Sans Mono" panose="020B0609030804020204" charset="0"/>
-            </a:endParaRPr>
-          </a:p>
-          <a:p>
-            <a:pPr marL="0" indent="0">
-              <a:buNone/>
-            </a:pPr>
-            <a:r>
-              <a:rPr lang="en-US" sz="1200">
-                <a:latin typeface="Bitstream Vera Sans Mono" panose="020B0609030804020204" charset="0"/>
-                <a:cs typeface="Bitstream Vera Sans Mono" panose="020B0609030804020204" charset="0"/>
-              </a:rPr>
-              <a:t>    </a:t>
-            </a:r>
-            <a:r>
-              <a:rPr lang="en-US" sz="1200">
-                <a:solidFill>
-                  <a:srgbClr val="7030A0"/>
-                </a:solidFill>
-                <a:latin typeface="Bitstream Vera Sans Mono" panose="020B0609030804020204" charset="0"/>
-                <a:cs typeface="Bitstream Vera Sans Mono" panose="020B0609030804020204" charset="0"/>
-              </a:rPr>
-              <a:t>node</a:t>
-            </a:r>
-            <a:r>
-              <a:rPr lang="en-US" sz="1200">
-                <a:latin typeface="Bitstream Vera Sans Mono" panose="020B0609030804020204" charset="0"/>
-                <a:cs typeface="Bitstream Vera Sans Mono" panose="020B0609030804020204" charset="0"/>
-              </a:rPr>
-              <a:t>(N) :- [ </a:t>
-            </a:r>
-            <a:r>
-              <a:rPr lang="en-US" sz="1200">
-                <a:solidFill>
-                  <a:srgbClr val="00B050"/>
-                </a:solidFill>
-                <a:latin typeface="Bitstream Vera Sans Mono" panose="020B0609030804020204" charset="0"/>
-                <a:cs typeface="Bitstream Vera Sans Mono" panose="020B0609030804020204" charset="0"/>
-              </a:rPr>
-              <a:t>node</a:t>
-            </a:r>
-            <a:r>
-              <a:rPr lang="en-US" sz="1200">
-                <a:latin typeface="Bitstream Vera Sans Mono" panose="020B0609030804020204" charset="0"/>
-                <a:cs typeface="Bitstream Vera Sans Mono" panose="020B0609030804020204" charset="0"/>
-              </a:rPr>
-              <a:t>(N) </a:t>
-            </a:r>
-            <a:r>
-              <a:rPr lang="en-US" sz="1200">
-                <a:solidFill>
-                  <a:schemeClr val="accent2">
-                    <a:lumMod val="75000"/>
-                  </a:schemeClr>
-                </a:solidFill>
-                <a:latin typeface="Bitstream Vera Sans Mono" panose="020B0609030804020204" charset="0"/>
-                <a:cs typeface="Bitstream Vera Sans Mono" panose="020B0609030804020204" charset="0"/>
-              </a:rPr>
-              <a:t>in</a:t>
-            </a:r>
-            <a:r>
-              <a:rPr lang="en-US" sz="1200">
-                <a:latin typeface="Bitstream Vera Sans Mono" panose="020B0609030804020204" charset="0"/>
-                <a:cs typeface="Bitstream Vera Sans Mono" panose="020B0609030804020204" charset="0"/>
-              </a:rPr>
-              <a:t> G : </a:t>
-            </a:r>
-            <a:r>
-              <a:rPr lang="en-US" sz="1200">
-                <a:solidFill>
-                  <a:srgbClr val="7030A0"/>
-                </a:solidFill>
-                <a:latin typeface="Bitstream Vera Sans Mono" panose="020B0609030804020204" charset="0"/>
-                <a:cs typeface="Bitstream Vera Sans Mono" panose="020B0609030804020204" charset="0"/>
-              </a:rPr>
-              <a:t>graph</a:t>
-            </a:r>
-            <a:r>
-              <a:rPr lang="en-US" sz="1200">
-                <a:latin typeface="Bitstream Vera Sans Mono" panose="020B0609030804020204" charset="0"/>
-                <a:cs typeface="Bitstream Vera Sans Mono" panose="020B0609030804020204" charset="0"/>
-              </a:rPr>
-              <a:t>(G) ]. </a:t>
-            </a:r>
-            <a:endParaRPr lang="en-US" sz="1200">
-              <a:latin typeface="Bitstream Vera Sans Mono" panose="020B0609030804020204" charset="0"/>
-              <a:cs typeface="Bitstream Vera Sans Mono" panose="020B0609030804020204" charset="0"/>
-            </a:endParaRPr>
-          </a:p>
-          <a:p>
-            <a:pPr marL="0" indent="0">
-              <a:buNone/>
-            </a:pPr>
-            <a:r>
-              <a:rPr lang="en-US" sz="1200">
-                <a:latin typeface="Bitstream Vera Sans Mono" panose="020B0609030804020204" charset="0"/>
-                <a:cs typeface="Bitstream Vera Sans Mono" panose="020B0609030804020204" charset="0"/>
-              </a:rPr>
-              <a:t>    </a:t>
-            </a:r>
-            <a:r>
-              <a:rPr lang="en-US" sz="1200">
-                <a:solidFill>
-                  <a:srgbClr val="7030A0"/>
-                </a:solidFill>
-                <a:latin typeface="Bitstream Vera Sans Mono" panose="020B0609030804020204" charset="0"/>
-                <a:cs typeface="Bitstream Vera Sans Mono" panose="020B0609030804020204" charset="0"/>
-              </a:rPr>
-              <a:t>edge</a:t>
-            </a:r>
-            <a:r>
-              <a:rPr lang="en-US" sz="1200">
-                <a:latin typeface="Bitstream Vera Sans Mono" panose="020B0609030804020204" charset="0"/>
-                <a:cs typeface="Bitstream Vera Sans Mono" panose="020B0609030804020204" charset="0"/>
-              </a:rPr>
-              <a:t>(N1, N2) :- [ </a:t>
-            </a:r>
-            <a:r>
-              <a:rPr lang="en-US" sz="1200">
-                <a:solidFill>
-                  <a:srgbClr val="00B050"/>
-                </a:solidFill>
-                <a:latin typeface="Bitstream Vera Sans Mono" panose="020B0609030804020204" charset="0"/>
-                <a:cs typeface="Bitstream Vera Sans Mono" panose="020B0609030804020204" charset="0"/>
-              </a:rPr>
-              <a:t>edge</a:t>
-            </a:r>
-            <a:r>
-              <a:rPr lang="en-US" sz="1200">
-                <a:latin typeface="Bitstream Vera Sans Mono" panose="020B0609030804020204" charset="0"/>
-                <a:cs typeface="Bitstream Vera Sans Mono" panose="020B0609030804020204" charset="0"/>
-              </a:rPr>
-              <a:t>(N1, N2) </a:t>
-            </a:r>
-            <a:r>
-              <a:rPr lang="en-US" sz="1200">
-                <a:solidFill>
-                  <a:schemeClr val="accent2">
-                    <a:lumMod val="75000"/>
-                  </a:schemeClr>
-                </a:solidFill>
-                <a:latin typeface="Bitstream Vera Sans Mono" panose="020B0609030804020204" charset="0"/>
-                <a:cs typeface="Bitstream Vera Sans Mono" panose="020B0609030804020204" charset="0"/>
-              </a:rPr>
-              <a:t>in</a:t>
-            </a:r>
-            <a:r>
-              <a:rPr lang="en-US" sz="1200">
-                <a:latin typeface="Bitstream Vera Sans Mono" panose="020B0609030804020204" charset="0"/>
-                <a:cs typeface="Bitstream Vera Sans Mono" panose="020B0609030804020204" charset="0"/>
-              </a:rPr>
-              <a:t> G : </a:t>
-            </a:r>
-            <a:r>
-              <a:rPr lang="en-US" sz="1200">
-                <a:solidFill>
-                  <a:srgbClr val="7030A0"/>
-                </a:solidFill>
-                <a:latin typeface="Bitstream Vera Sans Mono" panose="020B0609030804020204" charset="0"/>
-                <a:cs typeface="Bitstream Vera Sans Mono" panose="020B0609030804020204" charset="0"/>
-              </a:rPr>
-              <a:t>graph</a:t>
-            </a:r>
-            <a:r>
-              <a:rPr lang="en-US" sz="1200">
-                <a:latin typeface="Bitstream Vera Sans Mono" panose="020B0609030804020204" charset="0"/>
-                <a:cs typeface="Bitstream Vera Sans Mono" panose="020B0609030804020204" charset="0"/>
-              </a:rPr>
-              <a:t>(G) ].</a:t>
-            </a:r>
-            <a:endParaRPr lang="en-US" sz="1200">
-              <a:latin typeface="Bitstream Vera Sans Mono" panose="020B0609030804020204" charset="0"/>
-              <a:cs typeface="Bitstream Vera Sans Mono" panose="020B0609030804020204" charset="0"/>
-            </a:endParaRPr>
-          </a:p>
-          <a:p>
-            <a:pPr marL="0" indent="0">
-              <a:buNone/>
-            </a:pPr>
-            <a:r>
-              <a:rPr lang="en-US" sz="1200">
-                <a:latin typeface="Bitstream Vera Sans Mono" panose="020B0609030804020204" charset="0"/>
-                <a:cs typeface="Bitstream Vera Sans Mono" panose="020B0609030804020204" charset="0"/>
-              </a:rPr>
-              <a:t>    </a:t>
-            </a:r>
-            <a:endParaRPr lang="en-US" sz="1200">
-              <a:latin typeface="Bitstream Vera Sans Mono" panose="020B0609030804020204" charset="0"/>
-              <a:cs typeface="Bitstream Vera Sans Mono" panose="020B0609030804020204" charset="0"/>
-            </a:endParaRPr>
-          </a:p>
-          <a:p>
-            <a:pPr marL="0" indent="0">
-              <a:buNone/>
-            </a:pPr>
-            <a:r>
-              <a:rPr lang="en-US" sz="1200">
-                <a:latin typeface="Bitstream Vera Sans Mono" panose="020B0609030804020204" charset="0"/>
-                <a:cs typeface="Bitstream Vera Sans Mono" panose="020B0609030804020204" charset="0"/>
-              </a:rPr>
-              <a:t>    1 {</a:t>
-            </a:r>
-            <a:r>
-              <a:rPr lang="en-US" sz="1200">
-                <a:solidFill>
-                  <a:srgbClr val="7030A0"/>
-                </a:solidFill>
-                <a:latin typeface="Bitstream Vera Sans Mono" panose="020B0609030804020204" charset="0"/>
-                <a:cs typeface="Bitstream Vera Sans Mono" panose="020B0609030804020204" charset="0"/>
-              </a:rPr>
-              <a:t>col</a:t>
-            </a:r>
-            <a:r>
-              <a:rPr lang="en-US" sz="1200">
-                <a:latin typeface="Bitstream Vera Sans Mono" panose="020B0609030804020204" charset="0"/>
-                <a:cs typeface="Bitstream Vera Sans Mono" panose="020B0609030804020204" charset="0"/>
-              </a:rPr>
-              <a:t>(N, red); </a:t>
-            </a:r>
-            <a:r>
-              <a:rPr lang="en-US" sz="1200">
-                <a:solidFill>
-                  <a:srgbClr val="7030A0"/>
-                </a:solidFill>
-                <a:latin typeface="Bitstream Vera Sans Mono" panose="020B0609030804020204" charset="0"/>
-                <a:cs typeface="Bitstream Vera Sans Mono" panose="020B0609030804020204" charset="0"/>
-              </a:rPr>
-              <a:t>col</a:t>
-            </a:r>
-            <a:r>
-              <a:rPr lang="en-US" sz="1200">
-                <a:latin typeface="Bitstream Vera Sans Mono" panose="020B0609030804020204" charset="0"/>
-                <a:cs typeface="Bitstream Vera Sans Mono" panose="020B0609030804020204" charset="0"/>
-              </a:rPr>
-              <a:t>(N, blue); </a:t>
-            </a:r>
-            <a:r>
-              <a:rPr lang="en-US" sz="1200">
-                <a:solidFill>
-                  <a:srgbClr val="7030A0"/>
-                </a:solidFill>
-                <a:latin typeface="Bitstream Vera Sans Mono" panose="020B0609030804020204" charset="0"/>
-                <a:cs typeface="Bitstream Vera Sans Mono" panose="020B0609030804020204" charset="0"/>
-              </a:rPr>
-              <a:t>col</a:t>
-            </a:r>
-            <a:r>
-              <a:rPr lang="en-US" sz="1200">
-                <a:latin typeface="Bitstream Vera Sans Mono" panose="020B0609030804020204" charset="0"/>
-                <a:cs typeface="Bitstream Vera Sans Mono" panose="020B0609030804020204" charset="0"/>
-              </a:rPr>
-              <a:t>(N, green)} 1 :- </a:t>
-            </a:r>
-            <a:r>
-              <a:rPr lang="en-US" sz="1200">
-                <a:solidFill>
-                  <a:srgbClr val="7030A0"/>
-                </a:solidFill>
-                <a:latin typeface="Bitstream Vera Sans Mono" panose="020B0609030804020204" charset="0"/>
-                <a:cs typeface="Bitstream Vera Sans Mono" panose="020B0609030804020204" charset="0"/>
-              </a:rPr>
-              <a:t>node</a:t>
-            </a:r>
-            <a:r>
-              <a:rPr lang="en-US" sz="1200">
-                <a:latin typeface="Bitstream Vera Sans Mono" panose="020B0609030804020204" charset="0"/>
-                <a:cs typeface="Bitstream Vera Sans Mono" panose="020B0609030804020204" charset="0"/>
-              </a:rPr>
-              <a:t>(N).</a:t>
-            </a:r>
-            <a:endParaRPr lang="en-US" sz="1200">
-              <a:latin typeface="Bitstream Vera Sans Mono" panose="020B0609030804020204" charset="0"/>
-              <a:cs typeface="Bitstream Vera Sans Mono" panose="020B0609030804020204" charset="0"/>
-            </a:endParaRPr>
-          </a:p>
-          <a:p>
-            <a:pPr marL="0" indent="0">
-              <a:buNone/>
-            </a:pPr>
-            <a:r>
-              <a:rPr lang="en-US" sz="1200">
-                <a:latin typeface="Bitstream Vera Sans Mono" panose="020B0609030804020204" charset="0"/>
-                <a:cs typeface="Bitstream Vera Sans Mono" panose="020B0609030804020204" charset="0"/>
-              </a:rPr>
-              <a:t>    :- </a:t>
-            </a:r>
-            <a:r>
-              <a:rPr lang="en-US" sz="1200">
-                <a:solidFill>
-                  <a:srgbClr val="7030A0"/>
-                </a:solidFill>
-                <a:latin typeface="Bitstream Vera Sans Mono" panose="020B0609030804020204" charset="0"/>
-                <a:cs typeface="Bitstream Vera Sans Mono" panose="020B0609030804020204" charset="0"/>
-              </a:rPr>
-              <a:t>col</a:t>
-            </a:r>
-            <a:r>
-              <a:rPr lang="en-US" sz="1200">
-                <a:latin typeface="Bitstream Vera Sans Mono" panose="020B0609030804020204" charset="0"/>
-                <a:cs typeface="Bitstream Vera Sans Mono" panose="020B0609030804020204" charset="0"/>
-              </a:rPr>
-              <a:t>(N1, C), </a:t>
-            </a:r>
-            <a:r>
-              <a:rPr lang="en-US" sz="1200">
-                <a:solidFill>
-                  <a:srgbClr val="7030A0"/>
-                </a:solidFill>
-                <a:latin typeface="Bitstream Vera Sans Mono" panose="020B0609030804020204" charset="0"/>
-                <a:cs typeface="Bitstream Vera Sans Mono" panose="020B0609030804020204" charset="0"/>
-              </a:rPr>
-              <a:t>col</a:t>
-            </a:r>
-            <a:r>
-              <a:rPr lang="en-US" sz="1200">
-                <a:latin typeface="Bitstream Vera Sans Mono" panose="020B0609030804020204" charset="0"/>
-                <a:cs typeface="Bitstream Vera Sans Mono" panose="020B0609030804020204" charset="0"/>
-              </a:rPr>
-              <a:t>(N2, C), </a:t>
-            </a:r>
-            <a:r>
-              <a:rPr lang="en-US" sz="1200">
-                <a:solidFill>
-                  <a:srgbClr val="7030A0"/>
-                </a:solidFill>
-                <a:latin typeface="Bitstream Vera Sans Mono" panose="020B0609030804020204" charset="0"/>
-                <a:cs typeface="Bitstream Vera Sans Mono" panose="020B0609030804020204" charset="0"/>
-              </a:rPr>
-              <a:t>edge</a:t>
-            </a:r>
-            <a:r>
-              <a:rPr lang="en-US" sz="1200">
-                <a:latin typeface="Bitstream Vera Sans Mono" panose="020B0609030804020204" charset="0"/>
-                <a:cs typeface="Bitstream Vera Sans Mono" panose="020B0609030804020204" charset="0"/>
-              </a:rPr>
-              <a:t>(N1, N2).</a:t>
-            </a:r>
-            <a:endParaRPr lang="en-US" sz="1200">
-              <a:latin typeface="Bitstream Vera Sans Mono" panose="020B0609030804020204" charset="0"/>
-              <a:cs typeface="Bitstream Vera Sans Mono" panose="020B0609030804020204" charset="0"/>
-            </a:endParaRPr>
-          </a:p>
-          <a:p>
-            <a:pPr marL="0" indent="0">
-              <a:buNone/>
-            </a:pPr>
-            <a:r>
-              <a:rPr lang="en-US" sz="1200">
-                <a:latin typeface="Bitstream Vera Sans Mono" panose="020B0609030804020204" charset="0"/>
-                <a:cs typeface="Bitstream Vera Sans Mono" panose="020B0609030804020204" charset="0"/>
-              </a:rPr>
-              <a:t>    </a:t>
-            </a:r>
-            <a:endParaRPr lang="en-US" sz="1200">
-              <a:latin typeface="Bitstream Vera Sans Mono" panose="020B0609030804020204" charset="0"/>
-              <a:cs typeface="Bitstream Vera Sans Mono" panose="020B0609030804020204" charset="0"/>
-            </a:endParaRPr>
-          </a:p>
-          <a:p>
-            <a:pPr marL="0" indent="0">
-              <a:buNone/>
-            </a:pPr>
-            <a:r>
-              <a:rPr lang="en-US" sz="1200">
-                <a:latin typeface="Bitstream Vera Sans Mono" panose="020B0609030804020204" charset="0"/>
-                <a:cs typeface="Bitstream Vera Sans Mono" panose="020B0609030804020204" charset="0"/>
-              </a:rPr>
-              <a:t>    </a:t>
-            </a:r>
-            <a:r>
-              <a:rPr lang="en-US" sz="1200">
-                <a:solidFill>
-                  <a:srgbClr val="7030A0"/>
-                </a:solidFill>
-                <a:latin typeface="Bitstream Vera Sans Mono" panose="020B0609030804020204" charset="0"/>
-                <a:cs typeface="Bitstream Vera Sans Mono" panose="020B0609030804020204" charset="0"/>
-              </a:rPr>
-              <a:t>coloring</a:t>
-            </a:r>
-            <a:r>
-              <a:rPr lang="en-US" sz="1200">
-                <a:latin typeface="Bitstream Vera Sans Mono" panose="020B0609030804020204" charset="0"/>
-                <a:cs typeface="Bitstream Vera Sans Mono" panose="020B0609030804020204" charset="0"/>
-              </a:rPr>
-              <a:t>(COL) :- COL = #</a:t>
-            </a:r>
-            <a:r>
-              <a:rPr lang="en-US" sz="1200">
-                <a:solidFill>
-                  <a:srgbClr val="C00000"/>
-                </a:solidFill>
-                <a:latin typeface="Bitstream Vera Sans Mono" panose="020B0609030804020204" charset="0"/>
-                <a:cs typeface="Bitstream Vera Sans Mono" panose="020B0609030804020204" charset="0"/>
-              </a:rPr>
-              <a:t>list-collect</a:t>
-            </a:r>
-            <a:r>
-              <a:rPr lang="en-US" sz="1200">
-                <a:latin typeface="Bitstream Vera Sans Mono" panose="020B0609030804020204" charset="0"/>
-                <a:cs typeface="Bitstream Vera Sans Mono" panose="020B0609030804020204" charset="0"/>
-              </a:rPr>
-              <a:t>{ </a:t>
-            </a:r>
-            <a:r>
-              <a:rPr lang="en-US" sz="1200">
-                <a:solidFill>
-                  <a:srgbClr val="00B050"/>
-                </a:solidFill>
-                <a:latin typeface="Bitstream Vera Sans Mono" panose="020B0609030804020204" charset="0"/>
-                <a:cs typeface="Bitstream Vera Sans Mono" panose="020B0609030804020204" charset="0"/>
-              </a:rPr>
-              <a:t>node_colored</a:t>
-            </a:r>
-            <a:r>
-              <a:rPr lang="en-US" sz="1200">
-                <a:latin typeface="Bitstream Vera Sans Mono" panose="020B0609030804020204" charset="0"/>
-                <a:cs typeface="Bitstream Vera Sans Mono" panose="020B0609030804020204" charset="0"/>
-              </a:rPr>
-              <a:t>(N, C) : col(N, C) }.   </a:t>
-            </a:r>
-            <a:endParaRPr lang="en-US" sz="1200">
-              <a:latin typeface="Bitstream Vera Sans Mono" panose="020B0609030804020204" charset="0"/>
-              <a:cs typeface="Bitstream Vera Sans Mono" panose="020B0609030804020204" charset="0"/>
-            </a:endParaRPr>
-          </a:p>
-          <a:p>
-            <a:pPr marL="0" indent="0">
-              <a:buNone/>
-            </a:pPr>
-            <a:r>
-              <a:rPr lang="en-US" sz="1200">
-                <a:latin typeface="Bitstream Vera Sans Mono" panose="020B0609030804020204" charset="0"/>
-                <a:cs typeface="Bitstream Vera Sans Mono" panose="020B0609030804020204" charset="0"/>
-              </a:rPr>
-              <a:t>}</a:t>
-            </a:r>
-            <a:endParaRPr lang="en-US" sz="1200">
-              <a:latin typeface="Bitstream Vera Sans Mono" panose="020B0609030804020204" charset="0"/>
-              <a:cs typeface="Bitstream Vera Sans Mono" panose="020B0609030804020204" charset="0"/>
-            </a:endParaRPr>
-          </a:p>
-        </p:txBody>
-      </p:sp>
-      <p:sp>
-        <p:nvSpPr>
-          <p:cNvPr id="2" name="Oval Callout 1"/>
-          <p:cNvSpPr/>
-          <p:nvPr/>
-        </p:nvSpPr>
-        <p:spPr>
-          <a:xfrm>
-            <a:off x="6056630" y="3576320"/>
-            <a:ext cx="6011545" cy="2228850"/>
-          </a:xfrm>
-          <a:prstGeom prst="wedgeEllipseCallout">
-            <a:avLst>
-              <a:gd name="adj1" fmla="val 47653"/>
-              <a:gd name="adj2" fmla="val 62962"/>
-            </a:avLst>
-          </a:prstGeom>
-          <a:gradFill rotWithShape="0">
-            <a:gsLst>
-              <a:gs pos="0">
-                <a:schemeClr val="accent1"/>
-              </a:gs>
-              <a:gs pos="100000">
-                <a:schemeClr val="accent2"/>
-              </a:gs>
-            </a:gsLst>
-            <a:lin ang="5400000" scaled="1"/>
-          </a:gradFill>
-          <a:ln w="9525" cap="flat" cmpd="sng" algn="ctr">
-            <a:solidFill>
-              <a:schemeClr val="accent1"/>
-            </a:solidFill>
-            <a:prstDash val="solid"/>
-            <a:round/>
-            <a:headEnd type="none" w="med" len="med"/>
-            <a:tailEnd type="none" w="med" len="med"/>
-          </a:ln>
-        </p:spPr>
-        <p:txBody>
-          <a:bodyPr vert="horz" wrap="none" lIns="0" tIns="45720" rIns="91440" bIns="45720" numCol="1" anchor="ctr" anchorCtr="0" compatLnSpc="1"/>
-          <a:p>
-            <a:pPr marL="0" marR="0" indent="0" algn="l" defTabSz="914400" rtl="0" eaLnBrk="1" fontAlgn="base" latinLnBrk="0" hangingPunct="1">
-              <a:lnSpc>
-                <a:spcPct val="100000"/>
-              </a:lnSpc>
-              <a:spcBef>
-                <a:spcPct val="0"/>
-              </a:spcBef>
-              <a:spcAft>
-                <a:spcPct val="0"/>
-              </a:spcAft>
-              <a:buClrTx/>
-              <a:buSzTx/>
-              <a:buFontTx/>
-              <a:buNone/>
-            </a:pPr>
-            <a:r>
-              <a:rPr kumimoji="0" lang="de-DE" altLang="zh-CN" sz="2800" b="0" i="0" u="none" strike="noStrike" cap="none" normalizeH="0" baseline="0" smtClean="0">
-                <a:ln>
-                  <a:noFill/>
-                </a:ln>
-                <a:solidFill>
-                  <a:schemeClr val="bg1"/>
-                </a:solidFill>
-                <a:effectLst/>
-                <a:latin typeface="Calibri" panose="020F0502020204030204" charset="0"/>
-                <a:ea typeface="SimSun" panose="02010600030101010101" pitchFamily="2" charset="-122"/>
-              </a:rPr>
-              <a:t>How do we enable this in ASP?</a:t>
-            </a:r>
-            <a:endParaRPr kumimoji="0" lang="de-DE" altLang="zh-CN" sz="2800" b="0" i="0" u="none" strike="noStrike" cap="none" normalizeH="0" baseline="0" smtClean="0">
-              <a:ln>
-                <a:noFill/>
-              </a:ln>
-              <a:solidFill>
-                <a:schemeClr val="bg1"/>
-              </a:solidFill>
-              <a:effectLst/>
-              <a:latin typeface="Calibri" panose="020F0502020204030204" charset="0"/>
-              <a:ea typeface="SimSun" panose="02010600030101010101" pitchFamily="2" charset="-122"/>
             </a:endParaRPr>
           </a:p>
         </p:txBody>
@@ -6709,9 +6226,8 @@
             <a:r>
               <a:rPr lang="de-DE" altLang="en-US">
                 <a:latin typeface="Calibri" panose="020F0502020204030204" charset="0"/>
-                <a:sym typeface="+mn-ea"/>
-              </a:rPr>
-              <a:t>Thesis Goals</a:t>
+              </a:rPr>
+              <a:t>Problem Statement</a:t>
             </a:r>
             <a:endParaRPr lang="de-DE" altLang="en-US">
               <a:latin typeface="Calibri" panose="020F0502020204030204" charset="0"/>
@@ -6733,101 +6249,83 @@
         <p:txBody>
           <a:bodyPr/>
           <a:p>
+            <a:pPr marL="0" indent="0">
+              <a:buNone/>
+            </a:pPr>
             <a:r>
               <a:rPr lang="de-DE" altLang="en-US">
                 <a:latin typeface="Calibri" panose="020F0502020204030204" charset="0"/>
               </a:rPr>
-              <a:t>Define a semantics for actions in ASP such that</a:t>
+              <a:t>ASP in Software Engineering</a:t>
             </a:r>
             <a:endParaRPr lang="de-DE" altLang="en-US">
               <a:latin typeface="Calibri" panose="020F0502020204030204" charset="0"/>
             </a:endParaRPr>
           </a:p>
           <a:p>
-            <a:pPr lvl="1"/>
             <a:r>
               <a:rPr lang="de-DE" altLang="en-US">
                 <a:latin typeface="Calibri" panose="020F0502020204030204" charset="0"/>
               </a:rPr>
-              <a:t>every executed action is visible in answer set</a:t>
+              <a:t>Typically as a reasoning backend</a:t>
             </a:r>
             <a:endParaRPr lang="de-DE" altLang="en-US">
               <a:latin typeface="Calibri" panose="020F0502020204030204" charset="0"/>
             </a:endParaRPr>
           </a:p>
           <a:p>
-            <a:pPr lvl="1"/>
             <a:r>
               <a:rPr lang="de-DE" altLang="en-US">
                 <a:latin typeface="Calibri" panose="020F0502020204030204" charset="0"/>
               </a:rPr>
-              <a:t>actions are executed in correct order while preserving declarative semantics</a:t>
+              <a:t>Needs some script or API to translate from application data structures to ASP facts and back</a:t>
             </a:r>
             <a:endParaRPr lang="de-DE" altLang="en-US">
               <a:latin typeface="Calibri" panose="020F0502020204030204" charset="0"/>
             </a:endParaRPr>
           </a:p>
           <a:p>
-            <a:pPr lvl="1"/>
-            <a:r>
-              <a:rPr lang="de-DE" altLang="en-US">
-                <a:latin typeface="Calibri" panose="020F0502020204030204" charset="0"/>
-              </a:rPr>
-              <a:t>“vanilla” ASP is a subset of the resulting language</a:t>
-            </a:r>
-            <a:br>
-              <a:rPr lang="de-DE" altLang="en-US">
-                <a:latin typeface="Calibri" panose="020F0502020204030204" charset="0"/>
-              </a:rPr>
-            </a:br>
             <a:endParaRPr lang="de-DE" altLang="en-US">
               <a:latin typeface="Calibri" panose="020F0502020204030204" charset="0"/>
             </a:endParaRPr>
           </a:p>
           <a:p>
-            <a:pPr lvl="0"/>
+            <a:pPr marL="0" indent="0">
+              <a:buNone/>
+            </a:pPr>
             <a:r>
               <a:rPr lang="de-DE" altLang="en-US">
                 <a:latin typeface="Calibri" panose="020F0502020204030204" charset="0"/>
               </a:rPr>
-              <a:t>Define a simple modularization and scoping mechanism which</a:t>
+              <a:t>To simplify things,</a:t>
             </a:r>
             <a:endParaRPr lang="de-DE" altLang="en-US">
               <a:latin typeface="Calibri" panose="020F0502020204030204" charset="0"/>
             </a:endParaRPr>
           </a:p>
           <a:p>
-            <a:pPr lvl="1"/>
             <a:r>
               <a:rPr lang="de-DE" altLang="en-US">
                 <a:latin typeface="Calibri" panose="020F0502020204030204" charset="0"/>
               </a:rPr>
-              <a:t>offsets impact of (potential) restrictions imposed by action semantics</a:t>
+              <a:t>Add capabilities to write full applications in ASP</a:t>
             </a:r>
             <a:endParaRPr lang="de-DE" altLang="en-US">
               <a:latin typeface="Calibri" panose="020F0502020204030204" charset="0"/>
             </a:endParaRPr>
           </a:p>
           <a:p>
-            <a:pPr lvl="1"/>
             <a:r>
               <a:rPr lang="de-DE" altLang="en-US">
                 <a:latin typeface="Calibri" panose="020F0502020204030204" charset="0"/>
               </a:rPr>
-              <a:t>offers a way of writing composite actions</a:t>
+              <a:t>Trigger actions in ASP (I/O), provide modularization for larger code bases</a:t>
             </a:r>
             <a:endParaRPr lang="de-DE" altLang="en-US">
               <a:latin typeface="Calibri" panose="020F0502020204030204" charset="0"/>
             </a:endParaRPr>
           </a:p>
           <a:p>
-            <a:pPr lvl="1"/>
-            <a:r>
-              <a:rPr lang="de-DE" altLang="en-US">
-                <a:latin typeface="Calibri" panose="020F0502020204030204" charset="0"/>
-              </a:rPr>
-              <a:t>increases code readability and reusability</a:t>
-            </a:r>
             <a:endParaRPr lang="de-DE" altLang="en-US">
               <a:latin typeface="Calibri" panose="020F0502020204030204" charset="0"/>
             </a:endParaRPr>
@@ -6869,6 +6367,7 @@
             <a:r>
               <a:rPr lang="de-DE" altLang="en-US">
                 <a:latin typeface="Calibri" panose="020F0502020204030204" charset="0"/>
+                <a:sym typeface="+mn-ea"/>
               </a:rPr>
               <a:t>Thesis Goals</a:t>
             </a:r>
@@ -6892,36 +6391,100 @@
         <p:txBody>
           <a:bodyPr/>
           <a:p>
-            <a:pPr marL="0" indent="0">
-              <a:buNone/>
-            </a:pPr>
             <a:r>
               <a:rPr lang="de-DE" altLang="en-US">
                 <a:latin typeface="Calibri" panose="020F0502020204030204" charset="0"/>
               </a:rPr>
-              <a:t>Based on the existing lazy-grounding ASP solver Alpha [alp],</a:t>
+              <a:t>Define a semantics for actions in ASP such that</a:t>
             </a:r>
             <a:endParaRPr lang="de-DE" altLang="en-US">
               <a:latin typeface="Calibri" panose="020F0502020204030204" charset="0"/>
             </a:endParaRPr>
           </a:p>
           <a:p>
+            <a:pPr lvl="1"/>
             <a:r>
               <a:rPr lang="de-DE" altLang="en-US">
                 <a:latin typeface="Calibri" panose="020F0502020204030204" charset="0"/>
               </a:rPr>
-              <a:t>create a prototype solver with action and modularization support</a:t>
+              <a:t>every executed action is visible in answer set</a:t>
             </a:r>
             <a:endParaRPr lang="de-DE" altLang="en-US">
               <a:latin typeface="Calibri" panose="020F0502020204030204" charset="0"/>
             </a:endParaRPr>
           </a:p>
           <a:p>
+            <a:pPr lvl="1"/>
             <a:r>
               <a:rPr lang="de-DE" altLang="en-US">
                 <a:latin typeface="Calibri" panose="020F0502020204030204" charset="0"/>
               </a:rPr>
-              <a:t>create at least one sample application demonstrating these capabilities</a:t>
+              <a:t>actions are executed in correct order while preserving declarative semantics</a:t>
+            </a:r>
+            <a:endParaRPr lang="de-DE" altLang="en-US">
+              <a:latin typeface="Calibri" panose="020F0502020204030204" charset="0"/>
+            </a:endParaRPr>
+          </a:p>
+          <a:p>
+            <a:pPr lvl="1"/>
+            <a:r>
+              <a:rPr lang="de-DE" altLang="en-US">
+                <a:latin typeface="Calibri" panose="020F0502020204030204" charset="0"/>
+              </a:rPr>
+              <a:t>current ASP is a subset of the resulting language</a:t>
+            </a:r>
+            <a:br>
+              <a:rPr lang="de-DE" altLang="en-US">
+                <a:latin typeface="Calibri" panose="020F0502020204030204" charset="0"/>
+              </a:rPr>
+            </a:br>
+            <a:endParaRPr lang="de-DE" altLang="en-US">
+              <a:latin typeface="Calibri" panose="020F0502020204030204" charset="0"/>
+            </a:endParaRPr>
+          </a:p>
+          <a:p>
+            <a:pPr lvl="0"/>
+            <a:r>
+              <a:rPr lang="de-DE" altLang="en-US">
+                <a:latin typeface="Calibri" panose="020F0502020204030204" charset="0"/>
+              </a:rPr>
+              <a:t>Define a simple modularization and scoping mechanism which</a:t>
+            </a:r>
+            <a:endParaRPr lang="de-DE" altLang="en-US">
+              <a:latin typeface="Calibri" panose="020F0502020204030204" charset="0"/>
+            </a:endParaRPr>
+          </a:p>
+          <a:p>
+            <a:pPr lvl="1"/>
+            <a:r>
+              <a:rPr lang="de-DE" altLang="en-US">
+                <a:latin typeface="Calibri" panose="020F0502020204030204" charset="0"/>
+              </a:rPr>
+              <a:t>offsets impact of (potential) restrictions imposed by action semantics</a:t>
+            </a:r>
+            <a:endParaRPr lang="de-DE" altLang="en-US">
+              <a:latin typeface="Calibri" panose="020F0502020204030204" charset="0"/>
+            </a:endParaRPr>
+          </a:p>
+          <a:p>
+            <a:pPr lvl="1"/>
+            <a:r>
+              <a:rPr lang="de-DE" altLang="en-US">
+                <a:latin typeface="Calibri" panose="020F0502020204030204" charset="0"/>
+              </a:rPr>
+              <a:t>offers a way of writing composite actions</a:t>
+            </a:r>
+            <a:endParaRPr lang="de-DE" altLang="en-US">
+              <a:latin typeface="Calibri" panose="020F0502020204030204" charset="0"/>
+            </a:endParaRPr>
+          </a:p>
+          <a:p>
+            <a:pPr lvl="1"/>
+            <a:r>
+              <a:rPr lang="de-DE" altLang="en-US">
+                <a:latin typeface="Calibri" panose="020F0502020204030204" charset="0"/>
+              </a:rPr>
+              <a:t>increases code readability and reusability</a:t>
             </a:r>
             <a:endParaRPr lang="de-DE" altLang="en-US">
               <a:latin typeface="Calibri" panose="020F0502020204030204" charset="0"/>
@@ -6965,7 +6528,7 @@
               <a:rPr lang="de-DE" altLang="en-US">
                 <a:latin typeface="Calibri" panose="020F0502020204030204" charset="0"/>
               </a:rPr>
-              <a:t>Thesis Outline</a:t>
+              <a:t>Thesis Goals</a:t>
             </a:r>
             <a:endParaRPr lang="de-DE" altLang="en-US">
               <a:latin typeface="Calibri" panose="020F0502020204030204" charset="0"/>
@@ -6987,35 +6550,25 @@
         <p:txBody>
           <a:bodyPr/>
           <a:p>
+            <a:pPr marL="0" indent="0">
+              <a:buNone/>
+            </a:pPr>
             <a:r>
               <a:rPr lang="de-DE" altLang="en-US">
                 <a:latin typeface="Calibri" panose="020F0502020204030204" charset="0"/>
               </a:rPr>
-              <a:t>Introduction</a:t>
+              <a:t>Based on the existing lazy-grounding ASP solver Alpha [alp],</a:t>
             </a:r>
             <a:endParaRPr lang="de-DE" altLang="en-US">
               <a:latin typeface="Calibri" panose="020F0502020204030204" charset="0"/>
             </a:endParaRPr>
           </a:p>
           <a:p>
-            <a:pPr lvl="1"/>
-            <a:r>
-              <a:rPr lang="de-DE" altLang="en-US" sz="2800">
-                <a:latin typeface="Calibri" panose="020F0502020204030204" charset="0"/>
-              </a:rPr>
-              <a:t>ASP in Software Engineering</a:t>
-            </a:r>
-            <a:endParaRPr lang="de-DE" altLang="en-US" sz="2800">
-              <a:latin typeface="Calibri" panose="020F0502020204030204" charset="0"/>
-            </a:endParaRPr>
-          </a:p>
-          <a:p>
-            <a:pPr lvl="1"/>
-            <a:r>
-              <a:rPr lang="de-DE" altLang="en-US" sz="2800">
-                <a:latin typeface="Calibri" panose="020F0502020204030204" charset="0"/>
-              </a:rPr>
-              <a:t>Motivating Examples</a:t>
+            <a:r>
+              <a:rPr lang="de-DE" altLang="en-US">
+                <a:latin typeface="Calibri" panose="020F0502020204030204" charset="0"/>
+              </a:rPr>
+              <a:t>create a prototype solver with action and modularization support</a:t>
             </a:r>
             <a:endParaRPr lang="de-DE" altLang="en-US">
               <a:latin typeface="Calibri" panose="020F0502020204030204" charset="0"/>
@@ -7026,64 +6579,7 @@
               <a:rPr lang="de-DE" altLang="en-US">
                 <a:latin typeface="Calibri" panose="020F0502020204030204" charset="0"/>
               </a:rPr>
-              <a:t>Preliminaries</a:t>
-            </a:r>
-            <a:endParaRPr lang="de-DE" altLang="en-US">
-              <a:latin typeface="Calibri" panose="020F0502020204030204" charset="0"/>
-            </a:endParaRPr>
-          </a:p>
-          <a:p>
-            <a:pPr lvl="1"/>
-            <a:r>
-              <a:rPr lang="de-DE" altLang="en-US" sz="2800">
-                <a:latin typeface="Calibri" panose="020F0502020204030204" charset="0"/>
-              </a:rPr>
-              <a:t>ASP Core-2 Standard</a:t>
-            </a:r>
-            <a:endParaRPr lang="de-DE" altLang="en-US" sz="2800">
-              <a:latin typeface="Calibri" panose="020F0502020204030204" charset="0"/>
-            </a:endParaRPr>
-          </a:p>
-          <a:p>
-            <a:pPr lvl="1"/>
-            <a:r>
-              <a:rPr lang="de-DE" altLang="en-US" sz="2800">
-                <a:latin typeface="Calibri" panose="020F0502020204030204" charset="0"/>
-              </a:rPr>
-              <a:t>Lazy-Grounding</a:t>
-            </a:r>
-            <a:endParaRPr lang="de-DE" altLang="en-US">
-              <a:latin typeface="Calibri" panose="020F0502020204030204" charset="0"/>
-            </a:endParaRPr>
-          </a:p>
-          <a:p>
-            <a:r>
-              <a:rPr lang="de-DE" altLang="en-US">
-                <a:latin typeface="Calibri" panose="020F0502020204030204" charset="0"/>
-              </a:rPr>
-              <a:t>Evolog Language Specification</a:t>
-            </a:r>
-            <a:endParaRPr lang="de-DE" altLang="en-US">
-              <a:latin typeface="Calibri" panose="020F0502020204030204" charset="0"/>
-            </a:endParaRPr>
-          </a:p>
-          <a:p>
-            <a:r>
-              <a:rPr lang="de-DE" altLang="en-US">
-                <a:latin typeface="Calibri" panose="020F0502020204030204" charset="0"/>
-              </a:rPr>
-              <a:t>Implementation</a:t>
-            </a:r>
-            <a:endParaRPr lang="de-DE" altLang="en-US">
-              <a:latin typeface="Calibri" panose="020F0502020204030204" charset="0"/>
-            </a:endParaRPr>
-          </a:p>
-          <a:p>
-            <a:r>
-              <a:rPr lang="de-DE" altLang="en-US">
-                <a:latin typeface="Calibri" panose="020F0502020204030204" charset="0"/>
-              </a:rPr>
-              <a:t>Verification and Evaluation</a:t>
+              <a:t>create at least one sample application demonstrating these capabilities</a:t>
             </a:r>
             <a:endParaRPr lang="de-DE" altLang="en-US">
               <a:latin typeface="Calibri" panose="020F0502020204030204" charset="0"/>
@@ -7149,37 +6645,46 @@
         <p:txBody>
           <a:bodyPr/>
           <a:p>
-            <a:pPr marL="0" indent="0">
-              <a:buNone/>
-            </a:pPr>
             <a:r>
               <a:rPr lang="de-DE" altLang="en-US">
                 <a:latin typeface="Calibri" panose="020F0502020204030204" charset="0"/>
               </a:rPr>
-              <a:t>Evolog Language Specification</a:t>
+              <a:t>Introduction</a:t>
             </a:r>
             <a:endParaRPr lang="de-DE" altLang="en-US">
               <a:latin typeface="Calibri" panose="020F0502020204030204" charset="0"/>
             </a:endParaRPr>
           </a:p>
           <a:p>
-            <a:r>
-              <a:rPr lang="de-DE" altLang="en-US">
-                <a:latin typeface="Calibri" panose="020F0502020204030204" charset="0"/>
-              </a:rPr>
-              <a:t>Action Semantics</a:t>
+            <a:pPr lvl="1"/>
+            <a:r>
+              <a:rPr lang="de-DE" altLang="en-US" sz="2800">
+                <a:latin typeface="Calibri" panose="020F0502020204030204" charset="0"/>
+              </a:rPr>
+              <a:t>ASP in Software Engineering</a:t>
+            </a:r>
+            <a:endParaRPr lang="de-DE" altLang="en-US" sz="2800">
+              <a:latin typeface="Calibri" panose="020F0502020204030204" charset="0"/>
+            </a:endParaRPr>
+          </a:p>
+          <a:p>
+            <a:pPr lvl="1"/>
+            <a:r>
+              <a:rPr lang="de-DE" altLang="en-US" sz="2800">
+                <a:latin typeface="Calibri" panose="020F0502020204030204" charset="0"/>
+              </a:rPr>
+              <a:t>Motivating Examples</a:t>
             </a:r>
             <a:endParaRPr lang="de-DE" altLang="en-US">
               <a:latin typeface="Calibri" panose="020F0502020204030204" charset="0"/>
             </a:endParaRPr>
           </a:p>
           <a:p>
-            <a:pPr lvl="1"/>
             <a:r>
               <a:rPr lang="de-DE" altLang="en-US">
                 <a:latin typeface="Calibri" panose="020F0502020204030204" charset="0"/>
               </a:rPr>
-              <a:t>Inspired by Monads in Haskell</a:t>
+              <a:t>Preliminaries</a:t>
             </a:r>
             <a:endParaRPr lang="de-DE" altLang="en-US">
               <a:latin typeface="Calibri" panose="020F0502020204030204" charset="0"/>
@@ -7188,89 +6693,56 @@
           <a:p>
             <a:pPr lvl="1"/>
             <a:r>
-              <a:rPr lang="de-DE" altLang="en-US">
-                <a:latin typeface="Calibri" panose="020F0502020204030204" charset="0"/>
-              </a:rPr>
-              <a:t>Actions are interpreted function symbols</a:t>
+              <a:rPr lang="de-DE" altLang="en-US" sz="2800">
+                <a:latin typeface="Calibri" panose="020F0502020204030204" charset="0"/>
+              </a:rPr>
+              <a:t>ASP Core-2 Standard</a:t>
+            </a:r>
+            <a:endParaRPr lang="de-DE" altLang="en-US" sz="2800">
+              <a:latin typeface="Calibri" panose="020F0502020204030204" charset="0"/>
+            </a:endParaRPr>
+          </a:p>
+          <a:p>
+            <a:pPr lvl="1"/>
+            <a:r>
+              <a:rPr lang="de-DE" altLang="en-US" sz="2800">
+                <a:latin typeface="Calibri" panose="020F0502020204030204" charset="0"/>
+              </a:rPr>
+              <a:t>Lazy-Grounding</a:t>
             </a:r>
             <a:endParaRPr lang="de-DE" altLang="en-US">
               <a:latin typeface="Calibri" panose="020F0502020204030204" charset="0"/>
             </a:endParaRPr>
           </a:p>
           <a:p>
-            <a:pPr lvl="1"/>
             <a:r>
               <a:rPr lang="de-DE" altLang="en-US">
                 <a:latin typeface="Calibri" panose="020F0502020204030204" charset="0"/>
               </a:rPr>
-              <a:t>Interpretation function for actions is part of an Evolog model (frame)</a:t>
+              <a:t>Evolog Language Specification</a:t>
             </a:r>
             <a:endParaRPr lang="de-DE" altLang="en-US">
               <a:latin typeface="Calibri" panose="020F0502020204030204" charset="0"/>
             </a:endParaRPr>
           </a:p>
           <a:p>
-            <a:pPr lvl="1"/>
             <a:r>
               <a:rPr lang="de-DE" altLang="en-US">
                 <a:latin typeface="Calibri" panose="020F0502020204030204" charset="0"/>
               </a:rPr>
-              <a:t>World state at time of execution is an input parameter</a:t>
+              <a:t>Implementation</a:t>
             </a:r>
             <a:endParaRPr lang="de-DE" altLang="en-US">
               <a:latin typeface="Calibri" panose="020F0502020204030204" charset="0"/>
             </a:endParaRPr>
           </a:p>
           <a:p>
-            <a:pPr lvl="1"/>
             <a:r>
               <a:rPr lang="de-DE" altLang="en-US">
                 <a:latin typeface="Calibri" panose="020F0502020204030204" charset="0"/>
               </a:rPr>
-              <a:t>Actions are restricted to “stratifiable bottom” of a program</a:t>
-            </a:r>
-            <a:endParaRPr lang="de-DE" altLang="en-US">
-              <a:latin typeface="Calibri" panose="020F0502020204030204" charset="0"/>
-            </a:endParaRPr>
-          </a:p>
-          <a:p>
-            <a:pPr lvl="0"/>
-            <a:r>
-              <a:rPr lang="de-DE" altLang="en-US" sz="3200">
-                <a:latin typeface="Calibri" panose="020F0502020204030204" charset="0"/>
-              </a:rPr>
-              <a:t>Module semantics</a:t>
-            </a:r>
-            <a:endParaRPr lang="de-DE" altLang="en-US" sz="3200">
-              <a:latin typeface="Calibri" panose="020F0502020204030204" charset="0"/>
-            </a:endParaRPr>
-          </a:p>
-          <a:p>
-            <a:pPr lvl="1"/>
-            <a:r>
-              <a:rPr lang="de-DE" altLang="en-US" sz="2800">
-                <a:latin typeface="Calibri" panose="020F0502020204030204" charset="0"/>
-              </a:rPr>
-              <a:t>Modules are a special case of external atom</a:t>
-            </a:r>
-            <a:endParaRPr lang="de-DE" altLang="en-US" sz="2800">
-              <a:latin typeface="Calibri" panose="020F0502020204030204" charset="0"/>
-            </a:endParaRPr>
-          </a:p>
-          <a:p>
-            <a:pPr lvl="1"/>
-            <a:r>
-              <a:rPr lang="de-DE" altLang="en-US" sz="2800">
-                <a:latin typeface="Calibri" panose="020F0502020204030204" charset="0"/>
-              </a:rPr>
-              <a:t>Inputs and outputs are terms</a:t>
-            </a:r>
-            <a:endParaRPr lang="de-DE" altLang="en-US">
-              <a:latin typeface="Calibri" panose="020F0502020204030204" charset="0"/>
-            </a:endParaRPr>
-          </a:p>
-          <a:p>
-            <a:pPr lvl="1"/>
+              <a:t>Verification and Evaluation</a:t>
+            </a:r>
             <a:endParaRPr lang="de-DE" altLang="en-US">
               <a:latin typeface="Calibri" panose="020F0502020204030204" charset="0"/>
             </a:endParaRPr>
@@ -7313,7 +6785,7 @@
               <a:rPr lang="de-DE" altLang="en-US">
                 <a:latin typeface="Calibri" panose="020F0502020204030204" charset="0"/>
               </a:rPr>
-              <a:t>State of the art</a:t>
+              <a:t>Thesis Outline</a:t>
             </a:r>
             <a:endParaRPr lang="de-DE" altLang="en-US">
               <a:latin typeface="Calibri" panose="020F0502020204030204" charset="0"/>
@@ -7339,93 +6811,125 @@
               <a:buNone/>
             </a:pPr>
             <a:r>
+              <a:rPr lang="de-DE" altLang="en-US">
+                <a:latin typeface="Calibri" panose="020F0502020204030204" charset="0"/>
+              </a:rPr>
+              <a:t>Evolog Language Specification</a:t>
+            </a:r>
+            <a:endParaRPr lang="de-DE" altLang="en-US">
+              <a:latin typeface="Calibri" panose="020F0502020204030204" charset="0"/>
+            </a:endParaRPr>
+          </a:p>
+          <a:p>
+            <a:r>
+              <a:rPr lang="de-DE" altLang="en-US">
+                <a:latin typeface="Calibri" panose="020F0502020204030204" charset="0"/>
+              </a:rPr>
+              <a:t>Action Semantics</a:t>
+            </a:r>
+            <a:endParaRPr lang="de-DE" altLang="en-US">
+              <a:latin typeface="Calibri" panose="020F0502020204030204" charset="0"/>
+            </a:endParaRPr>
+          </a:p>
+          <a:p>
+            <a:pPr lvl="1"/>
+            <a:r>
+              <a:rPr lang="de-DE" altLang="en-US">
+                <a:latin typeface="Calibri" panose="020F0502020204030204" charset="0"/>
+              </a:rPr>
+              <a:t>Inspired by Monads in Haskell</a:t>
+            </a:r>
+            <a:endParaRPr lang="de-DE" altLang="en-US">
+              <a:latin typeface="Calibri" panose="020F0502020204030204" charset="0"/>
+            </a:endParaRPr>
+          </a:p>
+          <a:p>
+            <a:pPr lvl="1"/>
+            <a:r>
+              <a:rPr lang="de-DE" altLang="en-US">
+                <a:latin typeface="Calibri" panose="020F0502020204030204" charset="0"/>
+              </a:rPr>
+              <a:t>Actions are interpreted function symbols</a:t>
+            </a:r>
+            <a:endParaRPr lang="de-DE" altLang="en-US">
+              <a:latin typeface="Calibri" panose="020F0502020204030204" charset="0"/>
+            </a:endParaRPr>
+          </a:p>
+          <a:p>
+            <a:pPr lvl="1"/>
+            <a:r>
+              <a:rPr lang="de-DE" altLang="en-US">
+                <a:latin typeface="Calibri" panose="020F0502020204030204" charset="0"/>
+              </a:rPr>
+              <a:t>Interpretation function for actions is part of an Evolog model (frame)</a:t>
+            </a:r>
+            <a:endParaRPr lang="de-DE" altLang="en-US">
+              <a:latin typeface="Calibri" panose="020F0502020204030204" charset="0"/>
+            </a:endParaRPr>
+          </a:p>
+          <a:p>
+            <a:pPr lvl="1"/>
+            <a:r>
+              <a:rPr lang="de-DE" altLang="en-US">
+                <a:latin typeface="Calibri" panose="020F0502020204030204" charset="0"/>
+              </a:rPr>
+              <a:t>World state at time of execution is an input parameter</a:t>
+            </a:r>
+            <a:endParaRPr lang="de-DE" altLang="en-US">
+              <a:latin typeface="Calibri" panose="020F0502020204030204" charset="0"/>
+            </a:endParaRPr>
+          </a:p>
+          <a:p>
+            <a:pPr lvl="1"/>
+            <a:r>
+              <a:rPr lang="de-DE" altLang="en-US">
+                <a:latin typeface="Calibri" panose="020F0502020204030204" charset="0"/>
+              </a:rPr>
+              <a:t>Actions are restricted to “stratifiable bottom” of a program</a:t>
+            </a:r>
+            <a:endParaRPr lang="de-DE" altLang="en-US">
+              <a:latin typeface="Calibri" panose="020F0502020204030204" charset="0"/>
+            </a:endParaRPr>
+          </a:p>
+          <a:p>
+            <a:pPr lvl="0"/>
+            <a:r>
+              <a:rPr lang="de-DE" altLang="en-US" sz="3200">
+                <a:latin typeface="Calibri" panose="020F0502020204030204" charset="0"/>
+              </a:rPr>
+              <a:t>Module semantics</a:t>
+            </a:r>
+            <a:endParaRPr lang="de-DE" altLang="en-US" sz="3200">
+              <a:latin typeface="Calibri" panose="020F0502020204030204" charset="0"/>
+            </a:endParaRPr>
+          </a:p>
+          <a:p>
+            <a:pPr lvl="1"/>
+            <a:r>
               <a:rPr lang="de-DE" altLang="en-US" sz="2800">
                 <a:latin typeface="Calibri" panose="020F0502020204030204" charset="0"/>
               </a:rPr>
-              <a:t>Actions</a:t>
+              <a:t>Modules are a special case of external atom</a:t>
             </a:r>
             <a:endParaRPr lang="de-DE" altLang="en-US" sz="2800">
               <a:latin typeface="Calibri" panose="020F0502020204030204" charset="0"/>
             </a:endParaRPr>
           </a:p>
           <a:p>
+            <a:pPr lvl="1"/>
             <a:r>
               <a:rPr lang="de-DE" altLang="en-US" sz="2800">
                 <a:latin typeface="Calibri" panose="020F0502020204030204" charset="0"/>
               </a:rPr>
-              <a:t>ACTHEX - DLVHEX extension with comprehensively defined action semantics [ahx]</a:t>
-            </a:r>
-            <a:endParaRPr lang="de-DE" altLang="en-US" sz="2800">
+              <a:t>Inputs and outputs are terms</a:t>
+            </a:r>
+            <a:endParaRPr lang="de-DE" altLang="en-US">
               <a:latin typeface="Calibri" panose="020F0502020204030204" charset="0"/>
             </a:endParaRPr>
           </a:p>
           <a:p>
-            <a:r>
-              <a:rPr lang="de-DE" altLang="en-US" sz="2800">
-                <a:latin typeface="Calibri" panose="020F0502020204030204" charset="0"/>
-              </a:rPr>
-              <a:t>oClingo - No true semantic support for actions, but powerful external atoms [ocl]</a:t>
-            </a:r>
-            <a:endParaRPr lang="de-DE" altLang="en-US" sz="2800">
-              <a:latin typeface="Calibri" panose="020F0502020204030204" charset="0"/>
-            </a:endParaRPr>
-          </a:p>
-          <a:p>
-            <a:pPr marL="0" indent="0">
-              <a:buNone/>
-            </a:pPr>
-            <a:br>
-              <a:rPr lang="de-DE" altLang="en-US" sz="2800">
-                <a:latin typeface="Calibri" panose="020F0502020204030204" charset="0"/>
-              </a:rPr>
-            </a:br>
-            <a:r>
-              <a:rPr lang="de-DE" altLang="en-US" sz="2800">
-                <a:latin typeface="Calibri" panose="020F0502020204030204" charset="0"/>
-              </a:rPr>
-              <a:t>Modules</a:t>
-            </a:r>
-            <a:endParaRPr lang="de-DE" altLang="en-US" sz="2800">
-              <a:latin typeface="Calibri" panose="020F0502020204030204" charset="0"/>
-            </a:endParaRPr>
-          </a:p>
-          <a:p>
-            <a:r>
-              <a:rPr lang="de-DE" altLang="en-US" sz="2800">
-                <a:latin typeface="Calibri" panose="020F0502020204030204" charset="0"/>
-              </a:rPr>
-              <a:t>“nonmonotonic modular logic programs” - powerful, but very computationally costly module semantics [mlp]</a:t>
-            </a:r>
-            <a:endParaRPr lang="de-DE" altLang="en-US" sz="2800">
-              <a:latin typeface="Calibri" panose="020F0502020204030204" charset="0"/>
-            </a:endParaRPr>
-          </a:p>
-          <a:p>
-            <a:r>
-              <a:rPr lang="de-DE" altLang="en-US" sz="2800">
-                <a:latin typeface="Calibri" panose="020F0502020204030204" charset="0"/>
-              </a:rPr>
-              <a:t>“Templates” - purely syntactic, code reuse mechanism [tpl]</a:t>
-            </a:r>
-            <a:endParaRPr lang="de-DE" altLang="en-US" sz="2800">
-              <a:latin typeface="Calibri" panose="020F0502020204030204" charset="0"/>
-            </a:endParaRPr>
-          </a:p>
-          <a:p>
-            <a:r>
-              <a:rPr lang="de-DE" altLang="en-US" sz="2800">
-                <a:latin typeface="Calibri" panose="020F0502020204030204" charset="0"/>
-                <a:sym typeface="+mn-ea"/>
-              </a:rPr>
-              <a:t>clingo </a:t>
-            </a:r>
-            <a:r>
-              <a:rPr lang="de-DE" altLang="en-US" sz="2800">
-                <a:latin typeface="Calibri" panose="020F0502020204030204" charset="0"/>
-              </a:rPr>
-              <a:t>multi-shot solving - parameterized grounding through API [cms]</a:t>
-            </a:r>
-            <a:endParaRPr lang="de-DE" altLang="en-US" sz="2800">
+            <a:pPr lvl="1"/>
+            <a:endParaRPr lang="de-DE" altLang="en-US">
               <a:latin typeface="Calibri" panose="020F0502020204030204" charset="0"/>
             </a:endParaRPr>
           </a:p>
@@ -7467,7 +6971,7 @@
               <a:rPr lang="de-DE" altLang="en-US">
                 <a:latin typeface="Calibri" panose="020F0502020204030204" charset="0"/>
               </a:rPr>
-              <a:t>References</a:t>
+              <a:t>State of the art</a:t>
             </a:r>
             <a:endParaRPr lang="de-DE" altLang="en-US">
               <a:latin typeface="Calibri" panose="020F0502020204030204" charset="0"/>
@@ -7489,191 +6993,97 @@
         <p:txBody>
           <a:bodyPr/>
           <a:p>
-            <a:r>
-              <a:rPr lang="de-DE" altLang="en-US" sz="2000">
-                <a:latin typeface="Calibri" panose="020F0502020204030204" charset="0"/>
-              </a:rPr>
-              <a:t>[alp] - Antonius Weinzierl et al. </a:t>
-            </a:r>
+            <a:pPr marL="0" indent="0">
+              <a:buNone/>
+            </a:pPr>
+            <a:r>
+              <a:rPr lang="de-DE" altLang="en-US" sz="2800">
+                <a:latin typeface="Calibri" panose="020F0502020204030204" charset="0"/>
+              </a:rPr>
+              <a:t>Actions</a:t>
+            </a:r>
+            <a:endParaRPr lang="de-DE" altLang="en-US" sz="2800">
+              <a:latin typeface="Calibri" panose="020F0502020204030204" charset="0"/>
+            </a:endParaRPr>
+          </a:p>
+          <a:p>
+            <a:r>
+              <a:rPr lang="de-DE" altLang="en-US" sz="2800">
+                <a:latin typeface="Calibri" panose="020F0502020204030204" charset="0"/>
+              </a:rPr>
+              <a:t>ACTHEX - DLVHEX extension with comprehensively defined action semantics [ahx]</a:t>
+            </a:r>
+            <a:endParaRPr lang="de-DE" altLang="en-US" sz="2800">
+              <a:latin typeface="Calibri" panose="020F0502020204030204" charset="0"/>
+            </a:endParaRPr>
+          </a:p>
+          <a:p>
+            <a:r>
+              <a:rPr lang="de-DE" altLang="en-US" sz="2800">
+                <a:latin typeface="Calibri" panose="020F0502020204030204" charset="0"/>
+              </a:rPr>
+              <a:t>oClingo - No true semantic support for actions, but powerful external atoms [ocl]</a:t>
+            </a:r>
+            <a:endParaRPr lang="de-DE" altLang="en-US" sz="2800">
+              <a:latin typeface="Calibri" panose="020F0502020204030204" charset="0"/>
+            </a:endParaRPr>
+          </a:p>
+          <a:p>
+            <a:pPr marL="0" indent="0">
+              <a:buNone/>
+            </a:pPr>
             <a:br>
-              <a:rPr lang="de-DE" altLang="en-US" sz="2000">
+              <a:rPr lang="de-DE" altLang="en-US" sz="2800">
                 <a:latin typeface="Calibri" panose="020F0502020204030204" charset="0"/>
               </a:rPr>
             </a:br>
             <a:r>
-              <a:rPr lang="de-DE" altLang="en-US" sz="2000">
-                <a:latin typeface="Calibri" panose="020F0502020204030204" charset="0"/>
-              </a:rPr>
-              <a:t>The alpha solver for lazy-grounding answer-set programming. </a:t>
-            </a:r>
-            <a:br>
-              <a:rPr lang="de-DE" altLang="en-US" sz="2000">
-                <a:latin typeface="Calibri" panose="020F0502020204030204" charset="0"/>
-              </a:rPr>
-            </a:br>
-            <a:r>
-              <a:rPr lang="de-DE" altLang="en-US" sz="2000">
-                <a:latin typeface="Calibri" panose="020F0502020204030204" charset="0"/>
-              </a:rPr>
-              <a:t>2019</a:t>
-            </a:r>
-            <a:endParaRPr lang="de-DE" altLang="en-US" sz="2000">
+              <a:rPr lang="de-DE" altLang="en-US" sz="2800">
+                <a:latin typeface="Calibri" panose="020F0502020204030204" charset="0"/>
+              </a:rPr>
+              <a:t>Modules</a:t>
+            </a:r>
+            <a:endParaRPr lang="de-DE" altLang="en-US" sz="2800">
               <a:latin typeface="Calibri" panose="020F0502020204030204" charset="0"/>
             </a:endParaRPr>
           </a:p>
           <a:p>
             <a:r>
-              <a:rPr lang="de-DE" altLang="en-US" sz="2000">
-                <a:latin typeface="Calibri" panose="020F0502020204030204" charset="0"/>
-              </a:rPr>
-              <a:t>[ahx] - Selen Basol, Ozan Erdem, Michael Fink, and Giovambattista Ianni.</a:t>
-            </a:r>
-            <a:br>
-              <a:rPr lang="de-DE" altLang="en-US" sz="2000">
-                <a:latin typeface="Calibri" panose="020F0502020204030204" charset="0"/>
-              </a:rPr>
-            </a:br>
-            <a:r>
-              <a:rPr lang="de-DE" altLang="en-US" sz="2000">
-                <a:latin typeface="Calibri" panose="020F0502020204030204" charset="0"/>
-              </a:rPr>
-              <a:t>Hex programs with action atoms. </a:t>
-            </a:r>
-            <a:br>
-              <a:rPr lang="de-DE" altLang="en-US" sz="2000">
-                <a:latin typeface="Calibri" panose="020F0502020204030204" charset="0"/>
-              </a:rPr>
-            </a:br>
-            <a:r>
-              <a:rPr lang="de-DE" altLang="en-US" sz="2000">
-                <a:latin typeface="Calibri" panose="020F0502020204030204" charset="0"/>
-              </a:rPr>
-              <a:t>In </a:t>
-            </a:r>
-            <a:r>
-              <a:rPr lang="de-DE" altLang="en-US" sz="2000" i="1">
-                <a:latin typeface="Calibri" panose="020F0502020204030204" charset="0"/>
-              </a:rPr>
-              <a:t>Technical Communications of the 26th International Conference on Logic Programming</a:t>
-            </a:r>
-            <a:r>
-              <a:rPr lang="de-DE" altLang="en-US" sz="2000">
-                <a:latin typeface="Calibri" panose="020F0502020204030204" charset="0"/>
-              </a:rPr>
-              <a:t>. </a:t>
-            </a:r>
-            <a:br>
-              <a:rPr lang="de-DE" altLang="en-US" sz="2000">
-                <a:latin typeface="Calibri" panose="020F0502020204030204" charset="0"/>
-              </a:rPr>
-            </a:br>
-            <a:r>
-              <a:rPr lang="de-DE" altLang="en-US" sz="2000">
-                <a:latin typeface="Calibri" panose="020F0502020204030204" charset="0"/>
-              </a:rPr>
-              <a:t>SchlossDagstuhl-Leibniz-Zentrum fuer Informatik, 2010.</a:t>
-            </a:r>
-            <a:endParaRPr lang="de-DE" altLang="en-US" sz="2000">
+              <a:rPr lang="de-DE" altLang="en-US" sz="2800">
+                <a:latin typeface="Calibri" panose="020F0502020204030204" charset="0"/>
+              </a:rPr>
+              <a:t>“nonmonotonic modular logic programs” - powerful, but very computationally costly module semantics [mlp]</a:t>
+            </a:r>
+            <a:endParaRPr lang="de-DE" altLang="en-US" sz="2800">
               <a:latin typeface="Calibri" panose="020F0502020204030204" charset="0"/>
             </a:endParaRPr>
           </a:p>
           <a:p>
             <a:r>
-              <a:rPr lang="de-DE" altLang="en-US" sz="2000">
-                <a:latin typeface="Calibri" panose="020F0502020204030204" charset="0"/>
-              </a:rPr>
-              <a:t>[ocl] - Martin Gebser, Torsten Grote, Roland Kaminski, and Torsten Schaub.</a:t>
-            </a:r>
-            <a:br>
-              <a:rPr lang="de-DE" altLang="en-US" sz="2000">
-                <a:latin typeface="Calibri" panose="020F0502020204030204" charset="0"/>
-              </a:rPr>
-            </a:br>
-            <a:r>
-              <a:rPr lang="de-DE" altLang="en-US" sz="2000">
-                <a:latin typeface="Calibri" panose="020F0502020204030204" charset="0"/>
-              </a:rPr>
-              <a:t>Reactive answer set programming.</a:t>
-            </a:r>
-            <a:br>
-              <a:rPr lang="de-DE" altLang="en-US" sz="2000">
-                <a:latin typeface="Calibri" panose="020F0502020204030204" charset="0"/>
-              </a:rPr>
-            </a:br>
-            <a:r>
-              <a:rPr lang="de-DE" altLang="en-US" sz="2000">
-                <a:latin typeface="Calibri" panose="020F0502020204030204" charset="0"/>
-              </a:rPr>
-              <a:t>In </a:t>
-            </a:r>
-            <a:r>
-              <a:rPr lang="de-DE" altLang="en-US" sz="2000" i="1">
-                <a:latin typeface="Calibri" panose="020F0502020204030204" charset="0"/>
-              </a:rPr>
-              <a:t>International Conference on Logic Programming and Nonmonotonic Reasoning</a:t>
-            </a:r>
-            <a:r>
-              <a:rPr lang="de-DE" altLang="en-US" sz="2000">
-                <a:latin typeface="Calibri" panose="020F0502020204030204" charset="0"/>
-              </a:rPr>
-              <a:t>, pages 54–66.</a:t>
-            </a:r>
-            <a:br>
-              <a:rPr lang="de-DE" altLang="en-US" sz="2000">
-                <a:latin typeface="Calibri" panose="020F0502020204030204" charset="0"/>
-              </a:rPr>
-            </a:br>
-            <a:r>
-              <a:rPr lang="de-DE" altLang="en-US" sz="2000">
-                <a:latin typeface="Calibri" panose="020F0502020204030204" charset="0"/>
-              </a:rPr>
-              <a:t>Springer, 2011.</a:t>
-            </a:r>
-            <a:endParaRPr lang="de-DE" altLang="en-US" sz="2000">
+              <a:rPr lang="de-DE" altLang="en-US" sz="2800">
+                <a:latin typeface="Calibri" panose="020F0502020204030204" charset="0"/>
+              </a:rPr>
+              <a:t>“Templates” - purely syntactic, code reuse mechanism [tpl]</a:t>
+            </a:r>
+            <a:endParaRPr lang="de-DE" altLang="en-US" sz="2800">
               <a:latin typeface="Calibri" panose="020F0502020204030204" charset="0"/>
             </a:endParaRPr>
           </a:p>
           <a:p>
             <a:r>
-              <a:rPr lang="de-DE" altLang="en-US" sz="2000">
-                <a:latin typeface="Calibri" panose="020F0502020204030204" charset="0"/>
-              </a:rPr>
-              <a:t>[mlp] - Thomas Krennwallner. </a:t>
-            </a:r>
-            <a:br>
-              <a:rPr lang="de-DE" altLang="en-US" sz="2000">
-                <a:latin typeface="Calibri" panose="020F0502020204030204" charset="0"/>
-              </a:rPr>
-            </a:br>
-            <a:r>
-              <a:rPr lang="de-DE" altLang="en-US" sz="2000">
-                <a:latin typeface="Calibri" panose="020F0502020204030204" charset="0"/>
-              </a:rPr>
-              <a:t>Modular nonmonotonic logic programs. </a:t>
-            </a:r>
-            <a:br>
-              <a:rPr lang="de-DE" altLang="en-US" sz="2000">
-                <a:latin typeface="Calibri" panose="020F0502020204030204" charset="0"/>
-              </a:rPr>
-            </a:br>
-            <a:r>
-              <a:rPr lang="de-DE" altLang="en-US" sz="2000">
-                <a:latin typeface="Calibri" panose="020F0502020204030204" charset="0"/>
-              </a:rPr>
-              <a:t>PhD thesis, </a:t>
-            </a:r>
-            <a:br>
-              <a:rPr lang="de-DE" altLang="en-US" sz="2000">
-                <a:latin typeface="Calibri" panose="020F0502020204030204" charset="0"/>
-              </a:rPr>
-            </a:br>
-            <a:r>
-              <a:rPr lang="de-DE" altLang="en-US" sz="2000">
-                <a:latin typeface="Calibri" panose="020F0502020204030204" charset="0"/>
-              </a:rPr>
-              <a:t>Technical University of Vienna, 2018.</a:t>
-            </a:r>
-            <a:endParaRPr lang="de-DE" altLang="en-US" sz="2000">
+              <a:rPr lang="de-DE" altLang="en-US" sz="2800">
+                <a:latin typeface="Calibri" panose="020F0502020204030204" charset="0"/>
+                <a:sym typeface="+mn-ea"/>
+              </a:rPr>
+              <a:t>clingo </a:t>
+            </a:r>
+            <a:r>
+              <a:rPr lang="de-DE" altLang="en-US" sz="2800">
+                <a:latin typeface="Calibri" panose="020F0502020204030204" charset="0"/>
+              </a:rPr>
+              <a:t>multi-shot solving - parameterized grounding through API [cms]</a:t>
+            </a:r>
+            <a:endParaRPr lang="de-DE" altLang="en-US" sz="2800">
               <a:latin typeface="Calibri" panose="020F0502020204030204" charset="0"/>
             </a:endParaRPr>
           </a:p>
